--- a/04_PHP_OOP_and_MVC/10_L4_models_eloquent/models_eloquent.pptx
+++ b/04_PHP_OOP_and_MVC/10_L4_models_eloquent/models_eloquent.pptx
@@ -16310,7 +16310,7 @@
               <a:buNone/>
             </a:pPr>
             <a:r>
-              <a:rPr lang="en" sz="1400" dirty="0">
+              <a:rPr lang="en" sz="1400" dirty="0" smtClean="0">
                 <a:solidFill>
                   <a:schemeClr val="tx1">
                     <a:lumMod val="75000"/>
@@ -16318,7 +16318,18 @@
                   </a:schemeClr>
                 </a:solidFill>
               </a:rPr>
-              <a:t>users_id в Profile отговаря на id в Users.</a:t>
+              <a:t>user_id </a:t>
+            </a:r>
+            <a:r>
+              <a:rPr lang="en" sz="1400" dirty="0">
+                <a:solidFill>
+                  <a:schemeClr val="tx1">
+                    <a:lumMod val="75000"/>
+                    <a:lumOff val="25000"/>
+                  </a:schemeClr>
+                </a:solidFill>
+              </a:rPr>
+              <a:t>в Profile отговаря на id в Users.</a:t>
             </a:r>
             <a:endParaRPr sz="1400" dirty="0">
               <a:solidFill>

--- a/04_PHP_OOP_and_MVC/10_L4_models_eloquent/models_eloquent.pptx
+++ b/04_PHP_OOP_and_MVC/10_L4_models_eloquent/models_eloquent.pptx
@@ -45,16 +45,16 @@
   <p:notesSz cx="6858000" cy="9144000"/>
   <p:embeddedFontLst>
     <p:embeddedFont>
-      <p:font typeface="Syncopate" panose="020B0604020202020204" charset="0"/>
+      <p:font typeface="Calibri" panose="020F0502020204030204" pitchFamily="34" charset="0"/>
       <p:regular r:id="rId35"/>
       <p:bold r:id="rId36"/>
+      <p:italic r:id="rId37"/>
+      <p:boldItalic r:id="rId38"/>
     </p:embeddedFont>
     <p:embeddedFont>
-      <p:font typeface="Calibri" panose="020F0502020204030204" pitchFamily="34" charset="0"/>
-      <p:regular r:id="rId37"/>
-      <p:bold r:id="rId38"/>
-      <p:italic r:id="rId39"/>
-      <p:boldItalic r:id="rId40"/>
+      <p:font typeface="Syncopate" panose="020B0604020202020204" charset="0"/>
+      <p:regular r:id="rId39"/>
+      <p:bold r:id="rId40"/>
     </p:embeddedFont>
   </p:embeddedFontLst>
   <p:defaultTextStyle>
@@ -24946,12 +24946,12 @@
               <a:buAutoNum type="alphaLcPeriod"/>
             </a:pPr>
             <a:r>
-              <a:rPr lang="en" sz="1300" dirty="0">
-                <a:solidFill>
-                  <a:schemeClr val="dk1"/>
-                </a:solidFill>
-              </a:rPr>
-              <a:t>Homework</a:t>
+              <a:rPr lang="en" sz="1300" dirty="0" smtClean="0">
+                <a:solidFill>
+                  <a:schemeClr val="dk1"/>
+                </a:solidFill>
+              </a:rPr>
+              <a:t>Module</a:t>
             </a:r>
             <a:endParaRPr sz="1300" dirty="0">
               <a:solidFill>
@@ -25094,8 +25094,21 @@
                   <a:schemeClr val="dk1"/>
                 </a:solidFill>
               </a:rPr>
-              <a:t>Списък с лекции</a:t>
-            </a:r>
+              <a:t>Списък с </a:t>
+            </a:r>
+            <a:r>
+              <a:rPr lang="bg-BG" sz="1200" dirty="0" smtClean="0">
+                <a:solidFill>
+                  <a:schemeClr val="dk1"/>
+                </a:solidFill>
+              </a:rPr>
+              <a:t>модули</a:t>
+            </a:r>
+            <a:endParaRPr lang="bg-BG" sz="1200" dirty="0">
+              <a:solidFill>
+                <a:schemeClr val="dk1"/>
+              </a:solidFill>
+            </a:endParaRPr>
           </a:p>
           <a:p>
             <a:pPr lvl="1" indent="-311150">
@@ -25115,7 +25128,15 @@
                   <a:schemeClr val="dk1"/>
                 </a:solidFill>
               </a:rPr>
-              <a:t>Списък с домашни към всяка лекция</a:t>
+              <a:t>Списък с </a:t>
+            </a:r>
+            <a:r>
+              <a:rPr lang="bg-BG" sz="1200" dirty="0" smtClean="0">
+                <a:solidFill>
+                  <a:schemeClr val="dk1"/>
+                </a:solidFill>
+              </a:rPr>
+              <a:t>лекции към всеки модул</a:t>
             </a:r>
             <a:endParaRPr lang="bg-BG" sz="900" dirty="0">
               <a:solidFill>
@@ -25215,7 +25236,15 @@
                   <a:schemeClr val="dk1"/>
                 </a:solidFill>
               </a:rPr>
-              <a:t>Профил на потребителя</a:t>
+              <a:t>Профил на </a:t>
+            </a:r>
+            <a:r>
+              <a:rPr lang="bg-BG" dirty="0" smtClean="0">
+                <a:solidFill>
+                  <a:schemeClr val="dk1"/>
+                </a:solidFill>
+              </a:rPr>
+              <a:t>потребителя</a:t>
             </a:r>
           </a:p>
           <a:p>
@@ -25231,13 +25260,18 @@
               <a:buChar char="§"/>
             </a:pPr>
             <a:r>
-              <a:rPr lang="bg-BG" dirty="0">
-                <a:solidFill>
-                  <a:schemeClr val="dk1"/>
-                </a:solidFill>
-              </a:rPr>
-              <a:t>Списък с лекции</a:t>
-            </a:r>
+              <a:rPr lang="bg-BG" dirty="0" smtClean="0">
+                <a:solidFill>
+                  <a:schemeClr val="dk1"/>
+                </a:solidFill>
+              </a:rPr>
+              <a:t>Списък с модулите</a:t>
+            </a:r>
+            <a:endParaRPr lang="bg-BG" dirty="0">
+              <a:solidFill>
+                <a:schemeClr val="dk1"/>
+              </a:solidFill>
+            </a:endParaRPr>
           </a:p>
           <a:p>
             <a:pPr lvl="1" indent="-311150">
@@ -25257,8 +25291,37 @@
                   <a:schemeClr val="dk1"/>
                 </a:solidFill>
               </a:rPr>
-              <a:t>Списък с домашни към всяка лекция</a:t>
-            </a:r>
+              <a:t>Списък с </a:t>
+            </a:r>
+            <a:r>
+              <a:rPr lang="bg-BG" dirty="0" smtClean="0">
+                <a:solidFill>
+                  <a:schemeClr val="dk1"/>
+                </a:solidFill>
+              </a:rPr>
+              <a:t>лекции към модул с </a:t>
+            </a:r>
+            <a:r>
+              <a:rPr lang="bg-BG" dirty="0" err="1" smtClean="0">
+                <a:solidFill>
+                  <a:schemeClr val="dk1"/>
+                </a:solidFill>
+              </a:rPr>
+              <a:t>ид</a:t>
+            </a:r>
+            <a:r>
+              <a:rPr lang="bg-BG" dirty="0" smtClean="0">
+                <a:solidFill>
+                  <a:schemeClr val="dk1"/>
+                </a:solidFill>
+              </a:rPr>
+              <a:t> 1</a:t>
+            </a:r>
+            <a:endParaRPr lang="bg-BG" dirty="0">
+              <a:solidFill>
+                <a:schemeClr val="dk1"/>
+              </a:solidFill>
+            </a:endParaRPr>
           </a:p>
           <a:p>
             <a:pPr lvl="1" indent="-311150">
@@ -25500,139 +25563,43 @@
           </a:bodyPr>
           <a:lstStyle/>
           <a:p>
-            <a:pPr marL="146050" marR="0" lvl="0" indent="0" algn="l" rtl="0">
-              <a:lnSpc>
-                <a:spcPct val="115000"/>
-              </a:lnSpc>
-              <a:spcBef>
-                <a:spcPts val="0"/>
-              </a:spcBef>
-              <a:spcAft>
-                <a:spcPts val="0"/>
-              </a:spcAft>
+            <a:pPr marL="146050" lvl="0" indent="0">
               <a:buClr>
                 <a:schemeClr val="dk1"/>
               </a:buClr>
               <a:buSzPts val="1300"/>
             </a:pPr>
             <a:r>
+              <a:rPr lang="en-US" sz="1300" dirty="0" smtClean="0">
+                <a:solidFill>
+                  <a:schemeClr val="dk1"/>
+                </a:solidFill>
+              </a:rPr>
+              <a:t>6</a:t>
+            </a:r>
+            <a:r>
+              <a:rPr lang="en-US" sz="1300" dirty="0" smtClean="0">
+                <a:solidFill>
+                  <a:schemeClr val="dk1"/>
+                </a:solidFill>
+              </a:rPr>
+              <a:t>. </a:t>
+            </a:r>
+            <a:r>
               <a:rPr lang="bg-BG" sz="1300" dirty="0" smtClean="0">
                 <a:solidFill>
                   <a:schemeClr val="dk1"/>
                 </a:solidFill>
               </a:rPr>
-              <a:t>4. Отпечатайте информация на съответните страници</a:t>
-            </a:r>
-          </a:p>
-          <a:p>
-            <a:pPr lvl="1" indent="-311150">
-              <a:spcBef>
-                <a:spcPts val="0"/>
-              </a:spcBef>
-              <a:buClr>
-                <a:schemeClr val="dk1"/>
-              </a:buClr>
-              <a:buSzPts val="1300"/>
-              <a:buFont typeface="Wingdings" panose="05000000000000000000" pitchFamily="2" charset="2"/>
-              <a:buChar char="§"/>
-            </a:pPr>
-            <a:r>
-              <a:rPr lang="bg-BG" dirty="0">
-                <a:solidFill>
-                  <a:schemeClr val="dk1"/>
-                </a:solidFill>
-              </a:rPr>
-              <a:t>Профил на потребителя</a:t>
-            </a:r>
-          </a:p>
-          <a:p>
-            <a:pPr lvl="1" indent="-311150">
-              <a:spcBef>
-                <a:spcPts val="0"/>
-              </a:spcBef>
-              <a:buClr>
-                <a:schemeClr val="dk1"/>
-              </a:buClr>
-              <a:buSzPts val="1300"/>
-              <a:buFont typeface="Wingdings" panose="05000000000000000000" pitchFamily="2" charset="2"/>
-              <a:buChar char="§"/>
-            </a:pPr>
-            <a:r>
-              <a:rPr lang="bg-BG" dirty="0">
-                <a:solidFill>
-                  <a:schemeClr val="dk1"/>
-                </a:solidFill>
-              </a:rPr>
-              <a:t>Списък с лекции</a:t>
-            </a:r>
-          </a:p>
-          <a:p>
-            <a:pPr lvl="1" indent="-311150">
-              <a:spcBef>
-                <a:spcPts val="0"/>
-              </a:spcBef>
-              <a:buClr>
-                <a:schemeClr val="dk1"/>
-              </a:buClr>
-              <a:buSzPts val="1300"/>
-              <a:buFont typeface="Wingdings" panose="05000000000000000000" pitchFamily="2" charset="2"/>
-              <a:buChar char="§"/>
-            </a:pPr>
-            <a:r>
-              <a:rPr lang="bg-BG" dirty="0">
-                <a:solidFill>
-                  <a:schemeClr val="dk1"/>
-                </a:solidFill>
-              </a:rPr>
-              <a:t>Списък с домашни към всяка </a:t>
-            </a:r>
-            <a:r>
-              <a:rPr lang="bg-BG" dirty="0" smtClean="0">
-                <a:solidFill>
-                  <a:schemeClr val="dk1"/>
-                </a:solidFill>
-              </a:rPr>
-              <a:t>лекция</a:t>
-            </a:r>
-          </a:p>
-          <a:p>
-            <a:pPr marL="603250" lvl="1" indent="0">
-              <a:spcBef>
-                <a:spcPts val="0"/>
-              </a:spcBef>
-              <a:buClr>
-                <a:schemeClr val="dk1"/>
-              </a:buClr>
-              <a:buSzPts val="1300"/>
-            </a:pPr>
-            <a:r>
-              <a:rPr lang="bg-BG" i="1" u="sng" dirty="0" smtClean="0">
-                <a:solidFill>
-                  <a:schemeClr val="dk1"/>
-                </a:solidFill>
-              </a:rPr>
-              <a:t>Домашно</a:t>
-            </a:r>
-            <a:endParaRPr lang="bg-BG" i="1" u="sng" dirty="0">
-              <a:solidFill>
-                <a:schemeClr val="dk1"/>
-              </a:solidFill>
-            </a:endParaRPr>
-          </a:p>
-          <a:p>
-            <a:pPr marL="146050" lvl="0" indent="0">
-              <a:buClr>
-                <a:schemeClr val="dk1"/>
-              </a:buClr>
-              <a:buSzPts val="1300"/>
-            </a:pPr>
-            <a:r>
-              <a:rPr lang="bg-BG" sz="1300" dirty="0" smtClean="0">
-                <a:solidFill>
-                  <a:schemeClr val="dk1"/>
-                </a:solidFill>
-              </a:rPr>
-              <a:t>5. Създайте клас Модул/Ниво</a:t>
+              <a:t>Каква е връзката ниво-курсист. Дефинирайте в съответните модели с помощта на </a:t>
+            </a:r>
+            <a:r>
+              <a:rPr lang="en-US" sz="1300" dirty="0" err="1" smtClean="0">
+                <a:solidFill>
+                  <a:schemeClr val="dk1"/>
+                </a:solidFill>
+              </a:rPr>
+              <a:t>Laravel</a:t>
             </a:r>
             <a:r>
               <a:rPr lang="en-US" sz="1300" dirty="0" smtClean="0">
@@ -25640,221 +25607,9 @@
                   <a:schemeClr val="dk1"/>
                 </a:solidFill>
               </a:rPr>
-              <a:t> </a:t>
-            </a:r>
-            <a:r>
-              <a:rPr lang="bg-BG" sz="1300" dirty="0" smtClean="0">
-                <a:solidFill>
-                  <a:schemeClr val="dk1"/>
-                </a:solidFill>
-              </a:rPr>
-              <a:t>със свойства</a:t>
-            </a:r>
-          </a:p>
-          <a:p>
-            <a:pPr marL="146050" lvl="0" indent="0">
-              <a:buClr>
-                <a:schemeClr val="dk1"/>
-              </a:buClr>
-              <a:buSzPts val="1300"/>
-            </a:pPr>
-            <a:r>
-              <a:rPr lang="bg-BG" sz="1300" dirty="0">
-                <a:solidFill>
-                  <a:schemeClr val="dk1"/>
-                </a:solidFill>
-              </a:rPr>
-              <a:t>	</a:t>
-            </a:r>
-            <a:r>
-              <a:rPr lang="bg-BG" sz="1300" dirty="0" smtClean="0">
-                <a:solidFill>
-                  <a:schemeClr val="dk1"/>
-                </a:solidFill>
-              </a:rPr>
-              <a:t>- име</a:t>
-            </a:r>
-          </a:p>
-          <a:p>
-            <a:pPr marL="146050" lvl="0" indent="0">
-              <a:buClr>
-                <a:schemeClr val="dk1"/>
-              </a:buClr>
-              <a:buSzPts val="1300"/>
-            </a:pPr>
-            <a:r>
-              <a:rPr lang="bg-BG" sz="1300" dirty="0">
-                <a:solidFill>
-                  <a:schemeClr val="dk1"/>
-                </a:solidFill>
-              </a:rPr>
-              <a:t>	</a:t>
-            </a:r>
-            <a:r>
-              <a:rPr lang="bg-BG" sz="1300" dirty="0" smtClean="0">
-                <a:solidFill>
-                  <a:schemeClr val="dk1"/>
-                </a:solidFill>
-              </a:rPr>
-              <a:t>- лекции</a:t>
-            </a:r>
-          </a:p>
-          <a:p>
-            <a:pPr marL="146050" lvl="0" indent="0">
-              <a:buClr>
-                <a:schemeClr val="dk1"/>
-              </a:buClr>
-              <a:buSzPts val="1300"/>
-            </a:pPr>
-            <a:r>
-              <a:rPr lang="bg-BG" sz="1300" dirty="0">
-                <a:solidFill>
-                  <a:schemeClr val="dk1"/>
-                </a:solidFill>
-              </a:rPr>
-              <a:t>	</a:t>
-            </a:r>
-            <a:r>
-              <a:rPr lang="bg-BG" sz="1300" dirty="0" smtClean="0">
-                <a:solidFill>
-                  <a:schemeClr val="dk1"/>
-                </a:solidFill>
-              </a:rPr>
-              <a:t>- курсисти, записани в нивото</a:t>
-            </a:r>
-            <a:endParaRPr lang="en-US" sz="1300" dirty="0">
-              <a:solidFill>
-                <a:schemeClr val="dk1"/>
-              </a:solidFill>
-            </a:endParaRPr>
-          </a:p>
-          <a:p>
-            <a:pPr marL="146050" lvl="0" indent="0">
-              <a:buClr>
-                <a:schemeClr val="dk1"/>
-              </a:buClr>
-              <a:buSzPts val="1300"/>
-            </a:pPr>
-            <a:r>
-              <a:rPr lang="en-US" sz="1300" dirty="0" smtClean="0">
-                <a:solidFill>
-                  <a:schemeClr val="dk1"/>
-                </a:solidFill>
-              </a:rPr>
-              <a:t>6. </a:t>
-            </a:r>
-            <a:r>
-              <a:rPr lang="bg-BG" sz="1300" dirty="0" smtClean="0">
-                <a:solidFill>
-                  <a:schemeClr val="dk1"/>
-                </a:solidFill>
-              </a:rPr>
-              <a:t>Каква е връзката ниво-курсист. Дефинирайте в съответните модели с помощта на </a:t>
-            </a:r>
-            <a:r>
-              <a:rPr lang="en-US" sz="1300" dirty="0" err="1" smtClean="0">
-                <a:solidFill>
-                  <a:schemeClr val="dk1"/>
-                </a:solidFill>
-              </a:rPr>
-              <a:t>Laravel</a:t>
-            </a:r>
-            <a:r>
-              <a:rPr lang="en-US" sz="1300" dirty="0" smtClean="0">
-                <a:solidFill>
-                  <a:schemeClr val="dk1"/>
-                </a:solidFill>
-              </a:rPr>
               <a:t> Eloquent</a:t>
             </a:r>
             <a:endParaRPr lang="bg-BG" sz="1300" dirty="0" smtClean="0">
-              <a:solidFill>
-                <a:schemeClr val="dk1"/>
-              </a:solidFill>
-            </a:endParaRPr>
-          </a:p>
-          <a:p>
-            <a:pPr marL="146050" lvl="0" indent="0">
-              <a:buClr>
-                <a:schemeClr val="dk1"/>
-              </a:buClr>
-              <a:buSzPts val="1300"/>
-            </a:pPr>
-            <a:r>
-              <a:rPr lang="en-US" sz="1300" dirty="0" smtClean="0">
-                <a:solidFill>
-                  <a:schemeClr val="dk1"/>
-                </a:solidFill>
-              </a:rPr>
-              <a:t>7. </a:t>
-            </a:r>
-            <a:r>
-              <a:rPr lang="bg-BG" sz="1300" dirty="0" smtClean="0">
-                <a:solidFill>
-                  <a:schemeClr val="dk1"/>
-                </a:solidFill>
-              </a:rPr>
-              <a:t>Създайте контролер, вю, миграции за Модул/Ниво</a:t>
-            </a:r>
-          </a:p>
-          <a:p>
-            <a:pPr marL="146050" lvl="0" indent="0">
-              <a:buClr>
-                <a:schemeClr val="dk1"/>
-              </a:buClr>
-              <a:buSzPts val="1300"/>
-            </a:pPr>
-            <a:r>
-              <a:rPr lang="bg-BG" sz="1300" dirty="0" smtClean="0">
-                <a:solidFill>
-                  <a:schemeClr val="dk1"/>
-                </a:solidFill>
-              </a:rPr>
-              <a:t>8. Създайте методи и ги поставете в подходящите контролери за отпечатване на списък от модули/нива, за отпечатване на курсистите, записани във всеки модул/ниво</a:t>
-            </a:r>
-          </a:p>
-          <a:p>
-            <a:pPr marL="146050" lvl="0" indent="0">
-              <a:buClr>
-                <a:schemeClr val="dk1"/>
-              </a:buClr>
-              <a:buSzPts val="1300"/>
-            </a:pPr>
-            <a:endParaRPr lang="bg-BG" dirty="0">
-              <a:solidFill>
-                <a:schemeClr val="dk1"/>
-              </a:solidFill>
-            </a:endParaRPr>
-          </a:p>
-          <a:p>
-            <a:pPr lvl="1" indent="-311150">
-              <a:spcBef>
-                <a:spcPts val="0"/>
-              </a:spcBef>
-              <a:buClr>
-                <a:schemeClr val="dk1"/>
-              </a:buClr>
-              <a:buSzPts val="1300"/>
-              <a:buAutoNum type="arabicPeriod"/>
-            </a:pPr>
-            <a:endParaRPr lang="bg-BG" sz="900" dirty="0" smtClean="0">
-              <a:solidFill>
-                <a:schemeClr val="dk1"/>
-              </a:solidFill>
-            </a:endParaRPr>
-          </a:p>
-          <a:p>
-            <a:pPr lvl="1" indent="-311150">
-              <a:spcBef>
-                <a:spcPts val="0"/>
-              </a:spcBef>
-              <a:buClr>
-                <a:schemeClr val="dk1"/>
-              </a:buClr>
-              <a:buSzPts val="1300"/>
-              <a:buAutoNum type="arabicPeriod"/>
-            </a:pPr>
-            <a:endParaRPr sz="900" dirty="0">
               <a:solidFill>
                 <a:schemeClr val="dk1"/>
               </a:solidFill>

--- a/04_PHP_OOP_and_MVC/10_L4_models_eloquent/models_eloquent.pptx
+++ b/04_PHP_OOP_and_MVC/10_L4_models_eloquent/models_eloquent.pptx
@@ -5,7 +5,7 @@
     <p:sldMasterId id="2147483659" r:id="rId1"/>
   </p:sldMasterIdLst>
   <p:notesMasterIdLst>
-    <p:notesMasterId r:id="rId34"/>
+    <p:notesMasterId r:id="rId32"/>
   </p:notesMasterIdLst>
   <p:sldIdLst>
     <p:sldId id="256" r:id="rId2"/>
@@ -36,25 +36,23 @@
     <p:sldId id="298" r:id="rId27"/>
     <p:sldId id="299" r:id="rId28"/>
     <p:sldId id="300" r:id="rId29"/>
-    <p:sldId id="302" r:id="rId30"/>
-    <p:sldId id="301" r:id="rId31"/>
-    <p:sldId id="305" r:id="rId32"/>
-    <p:sldId id="306" r:id="rId33"/>
+    <p:sldId id="305" r:id="rId30"/>
+    <p:sldId id="306" r:id="rId31"/>
   </p:sldIdLst>
   <p:sldSz cx="9144000" cy="5143500" type="screen16x9"/>
   <p:notesSz cx="6858000" cy="9144000"/>
   <p:embeddedFontLst>
+    <p:embeddedFont>
+      <p:font typeface="Syncopate" panose="020B0604020202020204" charset="0"/>
+      <p:regular r:id="rId33"/>
+      <p:bold r:id="rId34"/>
+    </p:embeddedFont>
     <p:embeddedFont>
       <p:font typeface="Calibri" panose="020F0502020204030204" pitchFamily="34" charset="0"/>
       <p:regular r:id="rId35"/>
       <p:bold r:id="rId36"/>
       <p:italic r:id="rId37"/>
       <p:boldItalic r:id="rId38"/>
-    </p:embeddedFont>
-    <p:embeddedFont>
-      <p:font typeface="Syncopate" panose="020B0604020202020204" charset="0"/>
-      <p:regular r:id="rId39"/>
-      <p:bold r:id="rId40"/>
     </p:embeddedFont>
   </p:embeddedFontLst>
   <p:defaultTextStyle>
@@ -3807,266 +3805,6 @@
 </file>
 
 <file path=ppt/notesSlides/notesSlide30.xml><?xml version="1.0" encoding="utf-8"?>
-<p:notes xmlns:a="http://schemas.openxmlformats.org/drawingml/2006/main" xmlns:r="http://schemas.openxmlformats.org/officeDocument/2006/relationships" xmlns:p="http://schemas.openxmlformats.org/presentationml/2006/main" showMasterSp="0" showMasterPhAnim="0">
-  <p:cSld>
-    <p:spTree>
-      <p:nvGrpSpPr>
-        <p:cNvPr id="1" name="Shape 357"/>
-        <p:cNvGrpSpPr/>
-        <p:nvPr/>
-      </p:nvGrpSpPr>
-      <p:grpSpPr>
-        <a:xfrm>
-          <a:off x="0" y="0"/>
-          <a:ext cx="0" cy="0"/>
-          <a:chOff x="0" y="0"/>
-          <a:chExt cx="0" cy="0"/>
-        </a:xfrm>
-      </p:grpSpPr>
-      <p:sp>
-        <p:nvSpPr>
-          <p:cNvPr id="358" name="Google Shape;358;g2375316413_0_31:notes"/>
-          <p:cNvSpPr>
-            <a:spLocks noGrp="1" noRot="1" noChangeAspect="1"/>
-          </p:cNvSpPr>
-          <p:nvPr>
-            <p:ph type="sldImg" idx="2"/>
-          </p:nvPr>
-        </p:nvSpPr>
-        <p:spPr>
-          <a:xfrm>
-            <a:off x="381000" y="685800"/>
-            <a:ext cx="6096000" cy="3429000"/>
-          </a:xfrm>
-          <a:custGeom>
-            <a:avLst/>
-            <a:gdLst/>
-            <a:ahLst/>
-            <a:cxnLst/>
-            <a:rect l="l" t="t" r="r" b="b"/>
-            <a:pathLst>
-              <a:path w="120000" h="120000" extrusionOk="0">
-                <a:moveTo>
-                  <a:pt x="0" y="0"/>
-                </a:moveTo>
-                <a:lnTo>
-                  <a:pt x="120000" y="0"/>
-                </a:lnTo>
-                <a:lnTo>
-                  <a:pt x="120000" y="120000"/>
-                </a:lnTo>
-                <a:lnTo>
-                  <a:pt x="0" y="120000"/>
-                </a:lnTo>
-                <a:close/>
-              </a:path>
-            </a:pathLst>
-          </a:custGeom>
-          <a:noFill/>
-          <a:ln w="9525" cap="flat" cmpd="sng">
-            <a:solidFill>
-              <a:srgbClr val="000000"/>
-            </a:solidFill>
-            <a:prstDash val="solid"/>
-            <a:round/>
-            <a:headEnd type="none" w="sm" len="sm"/>
-            <a:tailEnd type="none" w="sm" len="sm"/>
-          </a:ln>
-        </p:spPr>
-      </p:sp>
-      <p:sp>
-        <p:nvSpPr>
-          <p:cNvPr id="359" name="Google Shape;359;g2375316413_0_31:notes"/>
-          <p:cNvSpPr txBox="1">
-            <a:spLocks noGrp="1"/>
-          </p:cNvSpPr>
-          <p:nvPr>
-            <p:ph type="body" idx="1"/>
-          </p:nvPr>
-        </p:nvSpPr>
-        <p:spPr>
-          <a:xfrm>
-            <a:off x="685800" y="4343400"/>
-            <a:ext cx="5486400" cy="4114800"/>
-          </a:xfrm>
-          <a:prstGeom prst="rect">
-            <a:avLst/>
-          </a:prstGeom>
-          <a:noFill/>
-          <a:ln>
-            <a:noFill/>
-          </a:ln>
-        </p:spPr>
-        <p:txBody>
-          <a:bodyPr spcFirstLastPara="1" wrap="square" lIns="91425" tIns="91425" rIns="91425" bIns="91425" anchor="t" anchorCtr="0">
-            <a:noAutofit/>
-          </a:bodyPr>
-          <a:lstStyle/>
-          <a:p>
-            <a:pPr marL="0" marR="0" lvl="0" indent="0" algn="l" rtl="0">
-              <a:spcBef>
-                <a:spcPts val="0"/>
-              </a:spcBef>
-              <a:spcAft>
-                <a:spcPts val="0"/>
-              </a:spcAft>
-              <a:buClr>
-                <a:schemeClr val="dk1"/>
-              </a:buClr>
-              <a:buFont typeface="Arial"/>
-              <a:buNone/>
-            </a:pPr>
-            <a:endParaRPr sz="1100" b="0" i="0" u="none" strike="noStrike" cap="none">
-              <a:solidFill>
-                <a:schemeClr val="dk1"/>
-              </a:solidFill>
-              <a:latin typeface="Arial"/>
-              <a:ea typeface="Arial"/>
-              <a:cs typeface="Arial"/>
-              <a:sym typeface="Arial"/>
-            </a:endParaRPr>
-          </a:p>
-        </p:txBody>
-      </p:sp>
-    </p:spTree>
-  </p:cSld>
-  <p:clrMapOvr>
-    <a:masterClrMapping/>
-  </p:clrMapOvr>
-</p:notes>
-</file>
-
-<file path=ppt/notesSlides/notesSlide31.xml><?xml version="1.0" encoding="utf-8"?>
-<p:notes xmlns:a="http://schemas.openxmlformats.org/drawingml/2006/main" xmlns:r="http://schemas.openxmlformats.org/officeDocument/2006/relationships" xmlns:p="http://schemas.openxmlformats.org/presentationml/2006/main" showMasterSp="0" showMasterPhAnim="0">
-  <p:cSld>
-    <p:spTree>
-      <p:nvGrpSpPr>
-        <p:cNvPr id="1" name="Shape 364"/>
-        <p:cNvGrpSpPr/>
-        <p:nvPr/>
-      </p:nvGrpSpPr>
-      <p:grpSpPr>
-        <a:xfrm>
-          <a:off x="0" y="0"/>
-          <a:ext cx="0" cy="0"/>
-          <a:chOff x="0" y="0"/>
-          <a:chExt cx="0" cy="0"/>
-        </a:xfrm>
-      </p:grpSpPr>
-      <p:sp>
-        <p:nvSpPr>
-          <p:cNvPr id="365" name="Google Shape;365;g237403e67d_0_38:notes"/>
-          <p:cNvSpPr>
-            <a:spLocks noGrp="1" noRot="1" noChangeAspect="1"/>
-          </p:cNvSpPr>
-          <p:nvPr>
-            <p:ph type="sldImg" idx="2"/>
-          </p:nvPr>
-        </p:nvSpPr>
-        <p:spPr>
-          <a:xfrm>
-            <a:off x="381000" y="685800"/>
-            <a:ext cx="6096000" cy="3429000"/>
-          </a:xfrm>
-          <a:custGeom>
-            <a:avLst/>
-            <a:gdLst/>
-            <a:ahLst/>
-            <a:cxnLst/>
-            <a:rect l="l" t="t" r="r" b="b"/>
-            <a:pathLst>
-              <a:path w="120000" h="120000" extrusionOk="0">
-                <a:moveTo>
-                  <a:pt x="0" y="0"/>
-                </a:moveTo>
-                <a:lnTo>
-                  <a:pt x="120000" y="0"/>
-                </a:lnTo>
-                <a:lnTo>
-                  <a:pt x="120000" y="120000"/>
-                </a:lnTo>
-                <a:lnTo>
-                  <a:pt x="0" y="120000"/>
-                </a:lnTo>
-                <a:close/>
-              </a:path>
-            </a:pathLst>
-          </a:custGeom>
-          <a:noFill/>
-          <a:ln w="9525" cap="flat" cmpd="sng">
-            <a:solidFill>
-              <a:srgbClr val="000000"/>
-            </a:solidFill>
-            <a:prstDash val="solid"/>
-            <a:round/>
-            <a:headEnd type="none" w="sm" len="sm"/>
-            <a:tailEnd type="none" w="sm" len="sm"/>
-          </a:ln>
-        </p:spPr>
-      </p:sp>
-      <p:sp>
-        <p:nvSpPr>
-          <p:cNvPr id="366" name="Google Shape;366;g237403e67d_0_38:notes"/>
-          <p:cNvSpPr txBox="1">
-            <a:spLocks noGrp="1"/>
-          </p:cNvSpPr>
-          <p:nvPr>
-            <p:ph type="body" idx="1"/>
-          </p:nvPr>
-        </p:nvSpPr>
-        <p:spPr>
-          <a:xfrm>
-            <a:off x="685800" y="4343400"/>
-            <a:ext cx="5486400" cy="4114800"/>
-          </a:xfrm>
-          <a:prstGeom prst="rect">
-            <a:avLst/>
-          </a:prstGeom>
-          <a:noFill/>
-          <a:ln>
-            <a:noFill/>
-          </a:ln>
-        </p:spPr>
-        <p:txBody>
-          <a:bodyPr spcFirstLastPara="1" wrap="square" lIns="91425" tIns="91425" rIns="91425" bIns="91425" anchor="t" anchorCtr="0">
-            <a:noAutofit/>
-          </a:bodyPr>
-          <a:lstStyle/>
-          <a:p>
-            <a:pPr marL="0" marR="0" lvl="0" indent="0" algn="l" rtl="0">
-              <a:spcBef>
-                <a:spcPts val="0"/>
-              </a:spcBef>
-              <a:spcAft>
-                <a:spcPts val="0"/>
-              </a:spcAft>
-              <a:buClr>
-                <a:schemeClr val="dk1"/>
-              </a:buClr>
-              <a:buFont typeface="Arial"/>
-              <a:buNone/>
-            </a:pPr>
-            <a:endParaRPr sz="1100" b="0" i="0" u="none" strike="noStrike" cap="none">
-              <a:solidFill>
-                <a:schemeClr val="dk1"/>
-              </a:solidFill>
-              <a:latin typeface="Arial"/>
-              <a:ea typeface="Arial"/>
-              <a:cs typeface="Arial"/>
-              <a:sym typeface="Arial"/>
-            </a:endParaRPr>
-          </a:p>
-        </p:txBody>
-      </p:sp>
-    </p:spTree>
-  </p:cSld>
-  <p:clrMapOvr>
-    <a:masterClrMapping/>
-  </p:clrMapOvr>
-</p:notes>
-</file>
-
-<file path=ppt/notesSlides/notesSlide32.xml><?xml version="1.0" encoding="utf-8"?>
 <p:notes xmlns:a="http://schemas.openxmlformats.org/drawingml/2006/main" xmlns:r="http://schemas.openxmlformats.org/officeDocument/2006/relationships" xmlns:p="http://schemas.openxmlformats.org/presentationml/2006/main" showMasterSp="0" showMasterPhAnim="0">
   <p:cSld>
     <p:spTree>
@@ -23669,12 +23407,12 @@
               <a:buAutoNum type="alphaLcPeriod"/>
             </a:pPr>
             <a:r>
-              <a:rPr lang="en" sz="1300" dirty="0">
-                <a:solidFill>
-                  <a:schemeClr val="dk1"/>
-                </a:solidFill>
-              </a:rPr>
-              <a:t>Homework</a:t>
+              <a:rPr lang="en" sz="1300" dirty="0" smtClean="0">
+                <a:solidFill>
+                  <a:schemeClr val="dk1"/>
+                </a:solidFill>
+              </a:rPr>
+              <a:t>Module</a:t>
             </a:r>
             <a:endParaRPr sz="1300" dirty="0">
               <a:solidFill>
@@ -23817,8 +23555,21 @@
                   <a:schemeClr val="dk1"/>
                 </a:solidFill>
               </a:rPr>
-              <a:t>Списък с лекции</a:t>
-            </a:r>
+              <a:t>Списък с </a:t>
+            </a:r>
+            <a:r>
+              <a:rPr lang="bg-BG" sz="1200" dirty="0" smtClean="0">
+                <a:solidFill>
+                  <a:schemeClr val="dk1"/>
+                </a:solidFill>
+              </a:rPr>
+              <a:t>модули</a:t>
+            </a:r>
+            <a:endParaRPr lang="bg-BG" sz="1200" dirty="0">
+              <a:solidFill>
+                <a:schemeClr val="dk1"/>
+              </a:solidFill>
+            </a:endParaRPr>
           </a:p>
           <a:p>
             <a:pPr lvl="1" indent="-311150">
@@ -23838,7 +23589,15 @@
                   <a:schemeClr val="dk1"/>
                 </a:solidFill>
               </a:rPr>
-              <a:t>Списък с домашни към всяка лекция</a:t>
+              <a:t>Списък с </a:t>
+            </a:r>
+            <a:r>
+              <a:rPr lang="bg-BG" sz="1200" dirty="0" smtClean="0">
+                <a:solidFill>
+                  <a:schemeClr val="dk1"/>
+                </a:solidFill>
+              </a:rPr>
+              <a:t>лекции към всеки модул</a:t>
             </a:r>
             <a:endParaRPr lang="bg-BG" sz="900" dirty="0">
               <a:solidFill>
@@ -23938,7 +23697,15 @@
                   <a:schemeClr val="dk1"/>
                 </a:solidFill>
               </a:rPr>
-              <a:t>Профил на потребителя</a:t>
+              <a:t>Профил на </a:t>
+            </a:r>
+            <a:r>
+              <a:rPr lang="bg-BG" dirty="0" smtClean="0">
+                <a:solidFill>
+                  <a:schemeClr val="dk1"/>
+                </a:solidFill>
+              </a:rPr>
+              <a:t>потребителя</a:t>
             </a:r>
           </a:p>
           <a:p>
@@ -23954,13 +23721,18 @@
               <a:buChar char="§"/>
             </a:pPr>
             <a:r>
-              <a:rPr lang="bg-BG" dirty="0">
-                <a:solidFill>
-                  <a:schemeClr val="dk1"/>
-                </a:solidFill>
-              </a:rPr>
-              <a:t>Списък с лекции</a:t>
-            </a:r>
+              <a:rPr lang="bg-BG" dirty="0" smtClean="0">
+                <a:solidFill>
+                  <a:schemeClr val="dk1"/>
+                </a:solidFill>
+              </a:rPr>
+              <a:t>Списък с модулите</a:t>
+            </a:r>
+            <a:endParaRPr lang="bg-BG" dirty="0">
+              <a:solidFill>
+                <a:schemeClr val="dk1"/>
+              </a:solidFill>
+            </a:endParaRPr>
           </a:p>
           <a:p>
             <a:pPr lvl="1" indent="-311150">
@@ -23980,8 +23752,37 @@
                   <a:schemeClr val="dk1"/>
                 </a:solidFill>
               </a:rPr>
-              <a:t>Списък с домашни към всяка лекция</a:t>
-            </a:r>
+              <a:t>Списък с </a:t>
+            </a:r>
+            <a:r>
+              <a:rPr lang="bg-BG" dirty="0" smtClean="0">
+                <a:solidFill>
+                  <a:schemeClr val="dk1"/>
+                </a:solidFill>
+              </a:rPr>
+              <a:t>лекции към модул с </a:t>
+            </a:r>
+            <a:r>
+              <a:rPr lang="bg-BG" dirty="0" err="1" smtClean="0">
+                <a:solidFill>
+                  <a:schemeClr val="dk1"/>
+                </a:solidFill>
+              </a:rPr>
+              <a:t>ид</a:t>
+            </a:r>
+            <a:r>
+              <a:rPr lang="bg-BG" dirty="0" smtClean="0">
+                <a:solidFill>
+                  <a:schemeClr val="dk1"/>
+                </a:solidFill>
+              </a:rPr>
+              <a:t> 1</a:t>
+            </a:r>
+            <a:endParaRPr lang="bg-BG" dirty="0">
+              <a:solidFill>
+                <a:schemeClr val="dk1"/>
+              </a:solidFill>
+            </a:endParaRPr>
           </a:p>
           <a:p>
             <a:pPr lvl="1" indent="-311150">
@@ -24155,6 +23956,11 @@
         </p:txBody>
       </p:sp>
     </p:spTree>
+    <p:extLst>
+      <p:ext uri="{BB962C8B-B14F-4D97-AF65-F5344CB8AC3E}">
+        <p14:creationId xmlns:p14="http://schemas.microsoft.com/office/powerpoint/2010/main" val="135744589"/>
+      </p:ext>
+    </p:extLst>
   </p:cSld>
   <p:clrMapOvr>
     <a:masterClrMapping/>
@@ -24552,261 +24358,6 @@
   <p:cSld>
     <p:spTree>
       <p:nvGrpSpPr>
-        <p:cNvPr id="1" name="Shape 360"/>
-        <p:cNvGrpSpPr/>
-        <p:nvPr/>
-      </p:nvGrpSpPr>
-      <p:grpSpPr>
-        <a:xfrm>
-          <a:off x="0" y="0"/>
-          <a:ext cx="0" cy="0"/>
-          <a:chOff x="0" y="0"/>
-          <a:chExt cx="0" cy="0"/>
-        </a:xfrm>
-      </p:grpSpPr>
-      <p:sp>
-        <p:nvSpPr>
-          <p:cNvPr id="361" name="Google Shape;361;p58"/>
-          <p:cNvSpPr/>
-          <p:nvPr/>
-        </p:nvSpPr>
-        <p:spPr>
-          <a:xfrm>
-            <a:off x="0" y="0"/>
-            <a:ext cx="9144000" cy="764400"/>
-          </a:xfrm>
-          <a:prstGeom prst="rect">
-            <a:avLst/>
-          </a:prstGeom>
-          <a:solidFill>
-            <a:srgbClr val="9933FF"/>
-          </a:solidFill>
-          <a:ln>
-            <a:noFill/>
-          </a:ln>
-        </p:spPr>
-        <p:txBody>
-          <a:bodyPr spcFirstLastPara="1" wrap="square" lIns="91425" tIns="91425" rIns="91425" bIns="91425" anchor="ctr" anchorCtr="0">
-            <a:noAutofit/>
-          </a:bodyPr>
-          <a:lstStyle/>
-          <a:p>
-            <a:pPr marL="0" marR="0" lvl="0" indent="0" algn="l" rtl="0">
-              <a:lnSpc>
-                <a:spcPct val="100000"/>
-              </a:lnSpc>
-              <a:spcBef>
-                <a:spcPts val="0"/>
-              </a:spcBef>
-              <a:spcAft>
-                <a:spcPts val="0"/>
-              </a:spcAft>
-              <a:buClr>
-                <a:srgbClr val="000000"/>
-              </a:buClr>
-              <a:buFont typeface="Arial"/>
-              <a:buNone/>
-            </a:pPr>
-            <a:endParaRPr sz="1400" b="0" i="0" u="none" strike="noStrike" cap="none">
-              <a:solidFill>
-                <a:srgbClr val="000000"/>
-              </a:solidFill>
-              <a:latin typeface="Arial"/>
-              <a:ea typeface="Arial"/>
-              <a:cs typeface="Arial"/>
-              <a:sym typeface="Arial"/>
-            </a:endParaRPr>
-          </a:p>
-        </p:txBody>
-      </p:sp>
-      <p:sp>
-        <p:nvSpPr>
-          <p:cNvPr id="362" name="Google Shape;362;p58"/>
-          <p:cNvSpPr txBox="1">
-            <a:spLocks noGrp="1"/>
-          </p:cNvSpPr>
-          <p:nvPr>
-            <p:ph type="body" idx="1"/>
-          </p:nvPr>
-        </p:nvSpPr>
-        <p:spPr>
-          <a:xfrm>
-            <a:off x="311700" y="863550"/>
-            <a:ext cx="8520600" cy="3416400"/>
-          </a:xfrm>
-          <a:prstGeom prst="rect">
-            <a:avLst/>
-          </a:prstGeom>
-          <a:noFill/>
-          <a:ln>
-            <a:noFill/>
-          </a:ln>
-        </p:spPr>
-        <p:txBody>
-          <a:bodyPr spcFirstLastPara="1" wrap="square" lIns="91425" tIns="91425" rIns="91425" bIns="91425" anchor="t" anchorCtr="0">
-            <a:noAutofit/>
-          </a:bodyPr>
-          <a:lstStyle/>
-          <a:p>
-            <a:pPr marL="0" lvl="0" indent="0" algn="l" rtl="0">
-              <a:lnSpc>
-                <a:spcPct val="100000"/>
-              </a:lnSpc>
-              <a:spcBef>
-                <a:spcPts val="0"/>
-              </a:spcBef>
-              <a:spcAft>
-                <a:spcPts val="0"/>
-              </a:spcAft>
-              <a:buClr>
-                <a:schemeClr val="dk2"/>
-              </a:buClr>
-              <a:buFont typeface="Arial"/>
-              <a:buNone/>
-            </a:pPr>
-            <a:r>
-              <a:rPr lang="en" sz="1100" u="sng">
-                <a:solidFill>
-                  <a:schemeClr val="hlink"/>
-                </a:solidFill>
-                <a:hlinkClick r:id="rId3"/>
-              </a:rPr>
-              <a:t>Many-to-many </a:t>
-            </a:r>
-            <a:endParaRPr sz="1300" b="1">
-              <a:solidFill>
-                <a:schemeClr val="dk1"/>
-              </a:solidFill>
-            </a:endParaRPr>
-          </a:p>
-          <a:p>
-            <a:pPr marL="0" marR="0" lvl="0" indent="0" algn="l" rtl="0">
-              <a:lnSpc>
-                <a:spcPct val="100000"/>
-              </a:lnSpc>
-              <a:spcBef>
-                <a:spcPts val="0"/>
-              </a:spcBef>
-              <a:spcAft>
-                <a:spcPts val="0"/>
-              </a:spcAft>
-              <a:buClr>
-                <a:schemeClr val="dk2"/>
-              </a:buClr>
-              <a:buFont typeface="Arial"/>
-              <a:buNone/>
-            </a:pPr>
-            <a:endParaRPr sz="1100">
-              <a:solidFill>
-                <a:schemeClr val="dk1"/>
-              </a:solidFill>
-            </a:endParaRPr>
-          </a:p>
-        </p:txBody>
-      </p:sp>
-      <p:sp>
-        <p:nvSpPr>
-          <p:cNvPr id="363" name="Google Shape;363;p58"/>
-          <p:cNvSpPr txBox="1"/>
-          <p:nvPr/>
-        </p:nvSpPr>
-        <p:spPr>
-          <a:xfrm>
-            <a:off x="0" y="30300"/>
-            <a:ext cx="6805500" cy="703800"/>
-          </a:xfrm>
-          <a:prstGeom prst="rect">
-            <a:avLst/>
-          </a:prstGeom>
-          <a:solidFill>
-            <a:srgbClr val="9933FF"/>
-          </a:solidFill>
-          <a:ln>
-            <a:noFill/>
-          </a:ln>
-        </p:spPr>
-        <p:txBody>
-          <a:bodyPr spcFirstLastPara="1" wrap="square" lIns="91425" tIns="91425" rIns="91425" bIns="91425" anchor="t" anchorCtr="0">
-            <a:noAutofit/>
-          </a:bodyPr>
-          <a:lstStyle/>
-          <a:p>
-            <a:pPr marL="0" lvl="0" indent="457200" algn="l" rtl="0">
-              <a:spcBef>
-                <a:spcPts val="0"/>
-              </a:spcBef>
-              <a:spcAft>
-                <a:spcPts val="0"/>
-              </a:spcAft>
-              <a:buClr>
-                <a:schemeClr val="dk1"/>
-              </a:buClr>
-              <a:buFont typeface="Calibri"/>
-              <a:buNone/>
-            </a:pPr>
-            <a:r>
-              <a:rPr lang="en" sz="3200" b="1">
-                <a:solidFill>
-                  <a:schemeClr val="lt1"/>
-                </a:solidFill>
-                <a:latin typeface="Calibri"/>
-                <a:ea typeface="Calibri"/>
-                <a:cs typeface="Calibri"/>
-                <a:sym typeface="Calibri"/>
-              </a:rPr>
-              <a:t>Eloquent Relationships</a:t>
-            </a:r>
-            <a:endParaRPr sz="3000" b="1">
-              <a:solidFill>
-                <a:schemeClr val="lt1"/>
-              </a:solidFill>
-              <a:latin typeface="Calibri"/>
-              <a:ea typeface="Calibri"/>
-              <a:cs typeface="Calibri"/>
-              <a:sym typeface="Calibri"/>
-            </a:endParaRPr>
-          </a:p>
-          <a:p>
-            <a:pPr marL="457200" marR="0" lvl="0" indent="0" algn="l" rtl="0">
-              <a:lnSpc>
-                <a:spcPct val="100000"/>
-              </a:lnSpc>
-              <a:spcBef>
-                <a:spcPts val="0"/>
-              </a:spcBef>
-              <a:spcAft>
-                <a:spcPts val="0"/>
-              </a:spcAft>
-              <a:buClr>
-                <a:srgbClr val="FFFFFF"/>
-              </a:buClr>
-              <a:buFont typeface="Arial"/>
-              <a:buNone/>
-            </a:pPr>
-            <a:endParaRPr sz="3600" b="1">
-              <a:solidFill>
-                <a:srgbClr val="FFFFFF"/>
-              </a:solidFill>
-            </a:endParaRPr>
-          </a:p>
-        </p:txBody>
-      </p:sp>
-    </p:spTree>
-  </p:cSld>
-  <p:clrMapOvr>
-    <a:masterClrMapping/>
-  </p:clrMapOvr>
-  <p:transition spd="slow">
-    <p:fade thruBlk="1"/>
-  </p:transition>
-</p:sld>
-</file>
-
-<file path=ppt/slides/slide31.xml><?xml version="1.0" encoding="utf-8"?>
-<p:sld xmlns:a="http://schemas.openxmlformats.org/drawingml/2006/main" xmlns:r="http://schemas.openxmlformats.org/officeDocument/2006/relationships" xmlns:p="http://schemas.openxmlformats.org/presentationml/2006/main">
-  <p:cSld>
-    <p:spTree>
-      <p:nvGrpSpPr>
         <p:cNvPr id="1" name="Shape 367"/>
         <p:cNvGrpSpPr/>
         <p:nvPr/>
@@ -24848,766 +24399,269 @@
           </a:bodyPr>
           <a:lstStyle/>
           <a:p>
-            <a:pPr marL="457200" lvl="0" indent="-298450" algn="l" rtl="0">
-              <a:spcBef>
-                <a:spcPts val="1600"/>
-              </a:spcBef>
-              <a:spcAft>
-                <a:spcPts val="0"/>
-              </a:spcAft>
-              <a:buClr>
-                <a:schemeClr val="dk1"/>
-              </a:buClr>
-              <a:buSzPts val="1100"/>
-              <a:buAutoNum type="arabicPeriod"/>
-            </a:pPr>
-            <a:r>
-              <a:rPr lang="en" sz="1300" dirty="0">
-                <a:solidFill>
-                  <a:schemeClr val="dk1"/>
-                </a:solidFill>
-              </a:rPr>
-              <a:t>Допълнете липсващите методи дефиниращи всички връзки между моделите </a:t>
-            </a:r>
-            <a:endParaRPr sz="1300" dirty="0">
+            <a:pPr marL="146050" lvl="0" indent="0">
+              <a:buClr>
+                <a:schemeClr val="dk1"/>
+              </a:buClr>
+              <a:buSzPts val="1300"/>
+            </a:pPr>
+            <a:r>
+              <a:rPr lang="en-US" sz="1300" dirty="0" smtClean="0">
+                <a:solidFill>
+                  <a:schemeClr val="dk1"/>
+                </a:solidFill>
+              </a:rPr>
+              <a:t>6</a:t>
+            </a:r>
+            <a:r>
+              <a:rPr lang="en-US" sz="1300" dirty="0" smtClean="0">
+                <a:solidFill>
+                  <a:schemeClr val="dk1"/>
+                </a:solidFill>
+              </a:rPr>
+              <a:t>. </a:t>
+            </a:r>
+            <a:r>
+              <a:rPr lang="bg-BG" sz="1300" dirty="0" smtClean="0">
+                <a:solidFill>
+                  <a:schemeClr val="dk1"/>
+                </a:solidFill>
+              </a:rPr>
+              <a:t>Добавете модел и миграция за Курс. Приемаме, че в нашите курсове няма модули, принадлежащи на няколко курса.</a:t>
+            </a:r>
+          </a:p>
+          <a:p>
+            <a:pPr marL="146050" lvl="0" indent="0">
+              <a:buClr>
+                <a:schemeClr val="dk1"/>
+              </a:buClr>
+              <a:buSzPts val="1300"/>
+            </a:pPr>
+            <a:r>
+              <a:rPr lang="bg-BG" sz="1300" dirty="0" smtClean="0">
+                <a:solidFill>
+                  <a:schemeClr val="dk1"/>
+                </a:solidFill>
+              </a:rPr>
+              <a:t>7. Дефинирайте връзките между Курс и Модул.</a:t>
+            </a:r>
+          </a:p>
+          <a:p>
+            <a:pPr marL="146050" lvl="0" indent="0">
+              <a:buClr>
+                <a:schemeClr val="dk1"/>
+              </a:buClr>
+              <a:buSzPts val="1300"/>
+            </a:pPr>
+            <a:r>
+              <a:rPr lang="bg-BG" sz="1300" dirty="0" smtClean="0">
+                <a:solidFill>
+                  <a:schemeClr val="dk1"/>
+                </a:solidFill>
+              </a:rPr>
+              <a:t>8. Създайте контролер за Курс и отпечатайте във вю списък с наличните курсове.</a:t>
+            </a:r>
+          </a:p>
+          <a:p>
+            <a:pPr marL="146050" lvl="0" indent="0">
+              <a:buClr>
+                <a:schemeClr val="dk1"/>
+              </a:buClr>
+              <a:buSzPts val="1300"/>
+            </a:pPr>
+            <a:r>
+              <a:rPr lang="bg-BG" sz="1300" dirty="0" smtClean="0">
+                <a:solidFill>
+                  <a:schemeClr val="dk1"/>
+                </a:solidFill>
+              </a:rPr>
+              <a:t>9. </a:t>
+            </a:r>
+            <a:r>
+              <a:rPr lang="bg-BG" sz="1300" dirty="0" smtClean="0">
+                <a:solidFill>
+                  <a:schemeClr val="dk1"/>
+                </a:solidFill>
+              </a:rPr>
+              <a:t>Отпечатайте модулите, които принадлежат на курс с </a:t>
+            </a:r>
+            <a:r>
+              <a:rPr lang="bg-BG" sz="1300" dirty="0" err="1" smtClean="0">
+                <a:solidFill>
+                  <a:schemeClr val="dk1"/>
+                </a:solidFill>
+              </a:rPr>
+              <a:t>ид</a:t>
+            </a:r>
+            <a:r>
+              <a:rPr lang="bg-BG" sz="1300" dirty="0" smtClean="0">
+                <a:solidFill>
+                  <a:schemeClr val="dk1"/>
+                </a:solidFill>
+              </a:rPr>
+              <a:t>=1</a:t>
+            </a:r>
+          </a:p>
+          <a:p>
+            <a:pPr marL="146050" lvl="0" indent="0">
+              <a:buClr>
+                <a:schemeClr val="dk1"/>
+              </a:buClr>
+              <a:buSzPts val="1300"/>
+            </a:pPr>
+            <a:r>
+              <a:rPr lang="bg-BG" sz="1300" dirty="0" smtClean="0">
+                <a:solidFill>
+                  <a:schemeClr val="dk1"/>
+                </a:solidFill>
+              </a:rPr>
+              <a:t>10. Списъците – курсове, модули, лекции да се достъпват с бутони.</a:t>
+            </a:r>
+            <a:r>
+              <a:rPr lang="en-US" sz="1300" dirty="0" smtClean="0">
+                <a:solidFill>
+                  <a:schemeClr val="dk1"/>
+                </a:solidFill>
+              </a:rPr>
+              <a:t> </a:t>
+            </a:r>
+            <a:endParaRPr lang="bg-BG" sz="1300" dirty="0" smtClean="0">
               <a:solidFill>
                 <a:schemeClr val="dk1"/>
               </a:solidFill>
             </a:endParaRPr>
           </a:p>
           <a:p>
-            <a:pPr marL="914400" lvl="1" indent="-311150" algn="l" rtl="0">
-              <a:spcBef>
-                <a:spcPts val="0"/>
-              </a:spcBef>
-              <a:spcAft>
-                <a:spcPts val="0"/>
-              </a:spcAft>
+            <a:pPr marL="146050" lvl="0" indent="0">
               <a:buClr>
                 <a:schemeClr val="dk1"/>
               </a:buClr>
               <a:buSzPts val="1300"/>
-              <a:buAutoNum type="alphaLcPeriod"/>
-            </a:pPr>
-            <a:r>
-              <a:rPr lang="en" sz="1300" dirty="0">
-                <a:solidFill>
-                  <a:schemeClr val="dk1"/>
-                </a:solidFill>
-              </a:rPr>
-              <a:t>User</a:t>
-            </a:r>
-            <a:endParaRPr sz="1300" dirty="0">
+            </a:pPr>
+            <a:r>
+              <a:rPr lang="bg-BG" sz="1300" dirty="0" smtClean="0">
+                <a:solidFill>
+                  <a:schemeClr val="dk1"/>
+                </a:solidFill>
+              </a:rPr>
+              <a:t>11. </a:t>
+            </a:r>
+            <a:r>
+              <a:rPr lang="bg-BG" sz="1300" dirty="0" smtClean="0">
+                <a:solidFill>
+                  <a:schemeClr val="dk1"/>
+                </a:solidFill>
+              </a:rPr>
+              <a:t>Каква </a:t>
+            </a:r>
+            <a:r>
+              <a:rPr lang="bg-BG" sz="1300" dirty="0" smtClean="0">
+                <a:solidFill>
+                  <a:schemeClr val="dk1"/>
+                </a:solidFill>
+              </a:rPr>
+              <a:t>е връзката ниво-курсист. Дефинирайте в съответните модели с помощта на </a:t>
+            </a:r>
+            <a:r>
+              <a:rPr lang="en-US" sz="1300" dirty="0" err="1" smtClean="0">
+                <a:solidFill>
+                  <a:schemeClr val="dk1"/>
+                </a:solidFill>
+              </a:rPr>
+              <a:t>Laravel</a:t>
+            </a:r>
+            <a:r>
+              <a:rPr lang="en-US" sz="1300" dirty="0" smtClean="0">
+                <a:solidFill>
+                  <a:schemeClr val="dk1"/>
+                </a:solidFill>
+              </a:rPr>
+              <a:t> </a:t>
+            </a:r>
+            <a:r>
+              <a:rPr lang="en-US" sz="1300" dirty="0" smtClean="0">
+                <a:solidFill>
+                  <a:schemeClr val="dk1"/>
+                </a:solidFill>
+              </a:rPr>
+              <a:t>Eloquent</a:t>
+            </a:r>
+            <a:r>
+              <a:rPr lang="bg-BG" sz="1300" dirty="0" smtClean="0">
+                <a:solidFill>
+                  <a:schemeClr val="dk1"/>
+                </a:solidFill>
+              </a:rPr>
+              <a:t>. Отпечатайте курсовете, в които участва курсист с </a:t>
+            </a:r>
+            <a:r>
+              <a:rPr lang="bg-BG" sz="1300" dirty="0" err="1" smtClean="0">
+                <a:solidFill>
+                  <a:schemeClr val="dk1"/>
+                </a:solidFill>
+              </a:rPr>
+              <a:t>ид</a:t>
+            </a:r>
+            <a:r>
+              <a:rPr lang="bg-BG" sz="1300" dirty="0" smtClean="0">
+                <a:solidFill>
+                  <a:schemeClr val="dk1"/>
+                </a:solidFill>
+              </a:rPr>
+              <a:t>=1. /Един курсист може да участва в няколко курса/.</a:t>
+            </a:r>
+          </a:p>
+          <a:p>
+            <a:pPr marL="146050" lvl="0" indent="0">
+              <a:buClr>
+                <a:schemeClr val="dk1"/>
+              </a:buClr>
+              <a:buSzPts val="1300"/>
+            </a:pPr>
+            <a:endParaRPr lang="bg-BG" sz="1300" dirty="0">
               <a:solidFill>
                 <a:schemeClr val="dk1"/>
               </a:solidFill>
             </a:endParaRPr>
           </a:p>
           <a:p>
-            <a:pPr marL="914400" lvl="1" indent="-311150" algn="l" rtl="0">
-              <a:spcBef>
-                <a:spcPts val="0"/>
-              </a:spcBef>
-              <a:spcAft>
-                <a:spcPts val="0"/>
-              </a:spcAft>
+            <a:pPr marL="146050" lvl="0" indent="0">
               <a:buClr>
                 <a:schemeClr val="dk1"/>
               </a:buClr>
               <a:buSzPts val="1300"/>
-              <a:buAutoNum type="alphaLcPeriod"/>
-            </a:pPr>
-            <a:r>
-              <a:rPr lang="en" sz="1300" dirty="0">
-                <a:solidFill>
-                  <a:schemeClr val="dk1"/>
-                </a:solidFill>
-              </a:rPr>
-              <a:t>Profile</a:t>
-            </a:r>
-            <a:endParaRPr sz="1300" dirty="0">
-              <a:solidFill>
-                <a:schemeClr val="dk1"/>
-              </a:solidFill>
-            </a:endParaRPr>
-          </a:p>
-          <a:p>
-            <a:pPr marL="914400" lvl="1" indent="-311150" algn="l" rtl="0">
-              <a:spcBef>
-                <a:spcPts val="0"/>
-              </a:spcBef>
-              <a:spcAft>
-                <a:spcPts val="0"/>
-              </a:spcAft>
-              <a:buClr>
-                <a:schemeClr val="dk1"/>
-              </a:buClr>
-              <a:buSzPts val="1300"/>
-              <a:buAutoNum type="alphaLcPeriod"/>
-            </a:pPr>
-            <a:r>
-              <a:rPr lang="en" sz="1300" dirty="0" smtClean="0">
-                <a:solidFill>
-                  <a:schemeClr val="dk1"/>
-                </a:solidFill>
-              </a:rPr>
-              <a:t>Module</a:t>
-            </a:r>
-            <a:endParaRPr sz="1300" dirty="0">
-              <a:solidFill>
-                <a:schemeClr val="dk1"/>
-              </a:solidFill>
-            </a:endParaRPr>
-          </a:p>
-          <a:p>
-            <a:pPr marL="914400" lvl="1" indent="-311150" algn="l" rtl="0">
-              <a:spcBef>
-                <a:spcPts val="0"/>
-              </a:spcBef>
-              <a:spcAft>
-                <a:spcPts val="0"/>
-              </a:spcAft>
-              <a:buClr>
-                <a:schemeClr val="dk1"/>
-              </a:buClr>
-              <a:buSzPts val="1300"/>
-              <a:buAutoNum type="alphaLcPeriod"/>
-            </a:pPr>
-            <a:r>
-              <a:rPr lang="en" sz="1300" dirty="0">
-                <a:solidFill>
-                  <a:schemeClr val="dk1"/>
-                </a:solidFill>
-              </a:rPr>
-              <a:t>L</a:t>
-            </a:r>
-            <a:r>
-              <a:rPr lang="en" sz="1300" dirty="0" smtClean="0">
-                <a:solidFill>
-                  <a:schemeClr val="dk1"/>
-                </a:solidFill>
-              </a:rPr>
-              <a:t>ecture</a:t>
-            </a:r>
-            <a:endParaRPr sz="1300" dirty="0">
-              <a:solidFill>
-                <a:schemeClr val="dk1"/>
-              </a:solidFill>
-            </a:endParaRPr>
-          </a:p>
-          <a:p>
-            <a:pPr marL="457200" marR="0" lvl="0" indent="-311150" algn="l" rtl="0">
-              <a:lnSpc>
-                <a:spcPct val="115000"/>
-              </a:lnSpc>
-              <a:spcBef>
-                <a:spcPts val="0"/>
-              </a:spcBef>
-              <a:spcAft>
-                <a:spcPts val="0"/>
-              </a:spcAft>
-              <a:buClr>
-                <a:schemeClr val="dk1"/>
-              </a:buClr>
-              <a:buSzPts val="1300"/>
-              <a:buAutoNum type="arabicPeriod"/>
-            </a:pPr>
-            <a:r>
-              <a:rPr lang="en" sz="1300" dirty="0">
-                <a:solidFill>
-                  <a:schemeClr val="dk1"/>
-                </a:solidFill>
-              </a:rPr>
-              <a:t>Разрешете колоните, в които потребителите ще работят със записите</a:t>
-            </a:r>
-            <a:r>
-              <a:rPr lang="en" sz="1300" dirty="0" smtClean="0">
-                <a:solidFill>
-                  <a:schemeClr val="dk1"/>
-                </a:solidFill>
-              </a:rPr>
-              <a:t>.</a:t>
-            </a:r>
-          </a:p>
-          <a:p>
-            <a:pPr marL="457200" marR="0" lvl="0" indent="-311150" algn="l" rtl="0">
-              <a:lnSpc>
-                <a:spcPct val="115000"/>
-              </a:lnSpc>
-              <a:spcBef>
-                <a:spcPts val="0"/>
-              </a:spcBef>
-              <a:spcAft>
-                <a:spcPts val="0"/>
-              </a:spcAft>
-              <a:buClr>
-                <a:schemeClr val="dk1"/>
-              </a:buClr>
-              <a:buSzPts val="1300"/>
-              <a:buAutoNum type="arabicPeriod"/>
-            </a:pPr>
+            </a:pPr>
+            <a:r>
+              <a:rPr lang="bg-BG" sz="1300" i="1" dirty="0" smtClean="0">
+                <a:solidFill>
+                  <a:schemeClr val="dk1"/>
+                </a:solidFill>
+              </a:rPr>
+              <a:t>*Забележка</a:t>
+            </a:r>
             <a:r>
               <a:rPr lang="bg-BG" sz="1300" dirty="0" smtClean="0">
                 <a:solidFill>
                   <a:schemeClr val="dk1"/>
                 </a:solidFill>
               </a:rPr>
-              <a:t>Приложението ви трябва да притежава страници </a:t>
-            </a:r>
-          </a:p>
-          <a:p>
-            <a:pPr lvl="1" indent="-311150">
-              <a:spcBef>
-                <a:spcPts val="0"/>
-              </a:spcBef>
-              <a:buClr>
-                <a:schemeClr val="dk1"/>
-              </a:buClr>
-              <a:buSzPts val="1300"/>
-              <a:buFont typeface="Wingdings" panose="05000000000000000000" pitchFamily="2" charset="2"/>
-              <a:buChar char="§"/>
-            </a:pPr>
-            <a:r>
-              <a:rPr lang="bg-BG" sz="1200" dirty="0">
-                <a:solidFill>
-                  <a:schemeClr val="dk1"/>
-                </a:solidFill>
-              </a:rPr>
-              <a:t>Профил на потребителя</a:t>
-            </a:r>
-          </a:p>
-          <a:p>
-            <a:pPr lvl="1" indent="-311150">
-              <a:spcBef>
-                <a:spcPts val="0"/>
-              </a:spcBef>
-              <a:buClr>
-                <a:schemeClr val="dk1"/>
-              </a:buClr>
-              <a:buSzPts val="1300"/>
-              <a:buFont typeface="Wingdings" panose="05000000000000000000" pitchFamily="2" charset="2"/>
-              <a:buChar char="§"/>
-            </a:pPr>
-            <a:r>
-              <a:rPr lang="bg-BG" sz="1200" dirty="0">
-                <a:solidFill>
-                  <a:schemeClr val="dk1"/>
-                </a:solidFill>
-              </a:rPr>
-              <a:t>Списък с </a:t>
-            </a:r>
-            <a:r>
-              <a:rPr lang="bg-BG" sz="1200" dirty="0" smtClean="0">
-                <a:solidFill>
-                  <a:schemeClr val="dk1"/>
-                </a:solidFill>
-              </a:rPr>
-              <a:t>модули</a:t>
-            </a:r>
-            <a:endParaRPr lang="bg-BG" sz="1200" dirty="0">
-              <a:solidFill>
-                <a:schemeClr val="dk1"/>
-              </a:solidFill>
-            </a:endParaRPr>
-          </a:p>
-          <a:p>
-            <a:pPr lvl="1" indent="-311150">
-              <a:spcBef>
-                <a:spcPts val="0"/>
-              </a:spcBef>
-              <a:buClr>
-                <a:schemeClr val="dk1"/>
-              </a:buClr>
-              <a:buSzPts val="1300"/>
-              <a:buFont typeface="Wingdings" panose="05000000000000000000" pitchFamily="2" charset="2"/>
-              <a:buChar char="§"/>
-            </a:pPr>
-            <a:r>
-              <a:rPr lang="bg-BG" sz="1200" dirty="0">
-                <a:solidFill>
-                  <a:schemeClr val="dk1"/>
-                </a:solidFill>
-              </a:rPr>
-              <a:t>Списък с </a:t>
-            </a:r>
-            <a:r>
-              <a:rPr lang="bg-BG" sz="1200" dirty="0" smtClean="0">
-                <a:solidFill>
-                  <a:schemeClr val="dk1"/>
-                </a:solidFill>
-              </a:rPr>
-              <a:t>лекции към всеки модул</a:t>
-            </a:r>
-            <a:endParaRPr lang="bg-BG" sz="900" dirty="0">
-              <a:solidFill>
-                <a:schemeClr val="dk1"/>
-              </a:solidFill>
-            </a:endParaRPr>
-          </a:p>
-          <a:p>
-            <a:pPr marL="603250" lvl="1" indent="0">
-              <a:spcBef>
-                <a:spcPts val="0"/>
-              </a:spcBef>
-              <a:buClr>
-                <a:schemeClr val="dk1"/>
-              </a:buClr>
-              <a:buSzPts val="1300"/>
-            </a:pPr>
-            <a:r>
-              <a:rPr lang="bg-BG" dirty="0">
-                <a:solidFill>
-                  <a:schemeClr val="dk1"/>
-                </a:solidFill>
-              </a:rPr>
-              <a:t>Допълнете липсващите </a:t>
-            </a:r>
-            <a:r>
-              <a:rPr lang="bg-BG" dirty="0" err="1">
-                <a:solidFill>
-                  <a:schemeClr val="dk1"/>
-                </a:solidFill>
-              </a:rPr>
-              <a:t>вюта</a:t>
-            </a:r>
-            <a:r>
-              <a:rPr lang="bg-BG" dirty="0">
-                <a:solidFill>
-                  <a:schemeClr val="dk1"/>
-                </a:solidFill>
-              </a:rPr>
-              <a:t> и методи в контролерите /ако има такива</a:t>
-            </a:r>
-            <a:r>
-              <a:rPr lang="bg-BG" dirty="0" smtClean="0">
-                <a:solidFill>
-                  <a:schemeClr val="dk1"/>
-                </a:solidFill>
-              </a:rPr>
-              <a:t>/</a:t>
-            </a:r>
-            <a:endParaRPr lang="bg-BG" sz="1300" dirty="0" smtClean="0">
-              <a:solidFill>
-                <a:schemeClr val="dk1"/>
-              </a:solidFill>
-            </a:endParaRPr>
-          </a:p>
-          <a:p>
-            <a:pPr marL="457200" marR="0" lvl="0" indent="-311150" algn="l" rtl="0">
-              <a:lnSpc>
-                <a:spcPct val="115000"/>
-              </a:lnSpc>
-              <a:spcBef>
-                <a:spcPts val="0"/>
-              </a:spcBef>
-              <a:spcAft>
-                <a:spcPts val="0"/>
-              </a:spcAft>
-              <a:buClr>
-                <a:schemeClr val="dk1"/>
-              </a:buClr>
-              <a:buSzPts val="1300"/>
-              <a:buAutoNum type="arabicPeriod"/>
-            </a:pPr>
+              <a:t> </a:t>
+            </a:r>
+            <a:r>
+              <a:rPr lang="bg-BG" sz="1300" dirty="0">
+                <a:solidFill>
+                  <a:schemeClr val="dk1"/>
+                </a:solidFill>
+              </a:rPr>
+              <a:t>Д</a:t>
+            </a:r>
             <a:r>
               <a:rPr lang="bg-BG" sz="1300" dirty="0" smtClean="0">
                 <a:solidFill>
                   <a:schemeClr val="dk1"/>
                 </a:solidFill>
               </a:rPr>
-              <a:t>Отпечатайте информация на съответните страници</a:t>
-            </a:r>
-          </a:p>
-          <a:p>
-            <a:pPr lvl="1" indent="-311150">
-              <a:spcBef>
-                <a:spcPts val="0"/>
-              </a:spcBef>
-              <a:buClr>
-                <a:schemeClr val="dk1"/>
-              </a:buClr>
-              <a:buSzPts val="1300"/>
-              <a:buFont typeface="Wingdings" panose="05000000000000000000" pitchFamily="2" charset="2"/>
-              <a:buChar char="§"/>
-            </a:pPr>
-            <a:r>
-              <a:rPr lang="bg-BG" dirty="0">
-                <a:solidFill>
-                  <a:schemeClr val="dk1"/>
-                </a:solidFill>
-              </a:rPr>
-              <a:t>Профил на </a:t>
-            </a:r>
-            <a:r>
-              <a:rPr lang="bg-BG" dirty="0" smtClean="0">
-                <a:solidFill>
-                  <a:schemeClr val="dk1"/>
-                </a:solidFill>
-              </a:rPr>
-              <a:t>потребителя</a:t>
-            </a:r>
-          </a:p>
-          <a:p>
-            <a:pPr lvl="1" indent="-311150">
-              <a:spcBef>
-                <a:spcPts val="0"/>
-              </a:spcBef>
-              <a:buClr>
-                <a:schemeClr val="dk1"/>
-              </a:buClr>
-              <a:buSzPts val="1300"/>
-              <a:buFont typeface="Wingdings" panose="05000000000000000000" pitchFamily="2" charset="2"/>
-              <a:buChar char="§"/>
-            </a:pPr>
-            <a:r>
-              <a:rPr lang="bg-BG" dirty="0" smtClean="0">
-                <a:solidFill>
-                  <a:schemeClr val="dk1"/>
-                </a:solidFill>
-              </a:rPr>
-              <a:t>Списък с модулите</a:t>
-            </a:r>
-            <a:endParaRPr lang="bg-BG" dirty="0">
-              <a:solidFill>
-                <a:schemeClr val="dk1"/>
-              </a:solidFill>
-            </a:endParaRPr>
-          </a:p>
-          <a:p>
-            <a:pPr lvl="1" indent="-311150">
-              <a:spcBef>
-                <a:spcPts val="0"/>
-              </a:spcBef>
-              <a:buClr>
-                <a:schemeClr val="dk1"/>
-              </a:buClr>
-              <a:buSzPts val="1300"/>
-              <a:buFont typeface="Wingdings" panose="05000000000000000000" pitchFamily="2" charset="2"/>
-              <a:buChar char="§"/>
-            </a:pPr>
-            <a:r>
-              <a:rPr lang="bg-BG" dirty="0">
-                <a:solidFill>
-                  <a:schemeClr val="dk1"/>
-                </a:solidFill>
-              </a:rPr>
-              <a:t>Списък с </a:t>
-            </a:r>
-            <a:r>
-              <a:rPr lang="bg-BG" dirty="0" smtClean="0">
-                <a:solidFill>
-                  <a:schemeClr val="dk1"/>
-                </a:solidFill>
-              </a:rPr>
-              <a:t>лекции към модул с </a:t>
-            </a:r>
-            <a:r>
-              <a:rPr lang="bg-BG" dirty="0" err="1" smtClean="0">
-                <a:solidFill>
-                  <a:schemeClr val="dk1"/>
-                </a:solidFill>
-              </a:rPr>
-              <a:t>ид</a:t>
-            </a:r>
-            <a:r>
-              <a:rPr lang="bg-BG" dirty="0" smtClean="0">
-                <a:solidFill>
-                  <a:schemeClr val="dk1"/>
-                </a:solidFill>
-              </a:rPr>
-              <a:t> 1</a:t>
-            </a:r>
-            <a:endParaRPr lang="bg-BG" dirty="0">
-              <a:solidFill>
-                <a:schemeClr val="dk1"/>
-              </a:solidFill>
-            </a:endParaRPr>
-          </a:p>
-          <a:p>
-            <a:pPr lvl="1" indent="-311150">
-              <a:spcBef>
-                <a:spcPts val="0"/>
-              </a:spcBef>
-              <a:buClr>
-                <a:schemeClr val="dk1"/>
-              </a:buClr>
-              <a:buSzPts val="1300"/>
-              <a:buAutoNum type="arabicPeriod"/>
-            </a:pPr>
-            <a:endParaRPr lang="bg-BG" sz="900" dirty="0" smtClean="0">
-              <a:solidFill>
-                <a:schemeClr val="dk1"/>
-              </a:solidFill>
-            </a:endParaRPr>
-          </a:p>
-          <a:p>
-            <a:pPr lvl="1" indent="-311150">
-              <a:spcBef>
-                <a:spcPts val="0"/>
-              </a:spcBef>
-              <a:buClr>
-                <a:schemeClr val="dk1"/>
-              </a:buClr>
-              <a:buSzPts val="1300"/>
-              <a:buAutoNum type="arabicPeriod"/>
-            </a:pPr>
-            <a:endParaRPr sz="900" dirty="0">
-              <a:solidFill>
-                <a:schemeClr val="dk1"/>
-              </a:solidFill>
-            </a:endParaRPr>
-          </a:p>
-          <a:p>
-            <a:pPr marL="0" marR="0" lvl="0" indent="0" algn="l" rtl="0">
-              <a:lnSpc>
-                <a:spcPct val="115000"/>
-              </a:lnSpc>
-              <a:spcBef>
-                <a:spcPts val="1600"/>
-              </a:spcBef>
-              <a:spcAft>
-                <a:spcPts val="0"/>
-              </a:spcAft>
-              <a:buNone/>
-            </a:pPr>
-            <a:endParaRPr sz="1300" dirty="0">
-              <a:solidFill>
-                <a:schemeClr val="dk1"/>
-              </a:solidFill>
-            </a:endParaRPr>
-          </a:p>
-        </p:txBody>
-      </p:sp>
-      <p:sp>
-        <p:nvSpPr>
-          <p:cNvPr id="369" name="Google Shape;369;p59"/>
-          <p:cNvSpPr/>
-          <p:nvPr/>
-        </p:nvSpPr>
-        <p:spPr>
-          <a:xfrm>
-            <a:off x="0" y="0"/>
-            <a:ext cx="9144000" cy="764400"/>
-          </a:xfrm>
-          <a:prstGeom prst="rect">
-            <a:avLst/>
-          </a:prstGeom>
-          <a:solidFill>
-            <a:srgbClr val="741B47"/>
-          </a:solidFill>
-          <a:ln>
-            <a:noFill/>
-          </a:ln>
-        </p:spPr>
-        <p:txBody>
-          <a:bodyPr spcFirstLastPara="1" wrap="square" lIns="91425" tIns="91425" rIns="91425" bIns="91425" anchor="ctr" anchorCtr="0">
-            <a:noAutofit/>
-          </a:bodyPr>
-          <a:lstStyle/>
-          <a:p>
-            <a:pPr marL="0" marR="0" lvl="0" indent="0" algn="l" rtl="0">
-              <a:lnSpc>
-                <a:spcPct val="100000"/>
-              </a:lnSpc>
-              <a:spcBef>
-                <a:spcPts val="0"/>
-              </a:spcBef>
-              <a:spcAft>
-                <a:spcPts val="0"/>
-              </a:spcAft>
-              <a:buClr>
-                <a:srgbClr val="000000"/>
-              </a:buClr>
-              <a:buFont typeface="Arial"/>
-              <a:buNone/>
-            </a:pPr>
-            <a:endParaRPr sz="1400" b="0" i="0" u="none" strike="noStrike" cap="none">
-              <a:solidFill>
-                <a:srgbClr val="000000"/>
-              </a:solidFill>
-              <a:latin typeface="Arial"/>
-              <a:ea typeface="Arial"/>
-              <a:cs typeface="Arial"/>
-              <a:sym typeface="Arial"/>
-            </a:endParaRPr>
-          </a:p>
-        </p:txBody>
-      </p:sp>
-      <p:sp>
-        <p:nvSpPr>
-          <p:cNvPr id="370" name="Google Shape;370;p59"/>
-          <p:cNvSpPr txBox="1"/>
-          <p:nvPr/>
-        </p:nvSpPr>
-        <p:spPr>
-          <a:xfrm>
-            <a:off x="0" y="30300"/>
-            <a:ext cx="6805500" cy="703800"/>
-          </a:xfrm>
-          <a:prstGeom prst="rect">
-            <a:avLst/>
-          </a:prstGeom>
-          <a:noFill/>
-          <a:ln>
-            <a:noFill/>
-          </a:ln>
-        </p:spPr>
-        <p:txBody>
-          <a:bodyPr spcFirstLastPara="1" wrap="square" lIns="91425" tIns="91425" rIns="91425" bIns="91425" anchor="t" anchorCtr="0">
-            <a:noAutofit/>
-          </a:bodyPr>
-          <a:lstStyle/>
-          <a:p>
-            <a:pPr marL="457200" marR="0" lvl="0" indent="0" algn="l" rtl="0">
-              <a:lnSpc>
-                <a:spcPct val="100000"/>
-              </a:lnSpc>
-              <a:spcBef>
-                <a:spcPts val="0"/>
-              </a:spcBef>
-              <a:spcAft>
-                <a:spcPts val="0"/>
-              </a:spcAft>
-              <a:buClr>
-                <a:srgbClr val="FFFFFF"/>
-              </a:buClr>
-              <a:buFont typeface="Arial"/>
-              <a:buNone/>
-            </a:pPr>
-            <a:r>
-              <a:rPr lang="en" sz="3600" b="1">
-                <a:solidFill>
-                  <a:srgbClr val="FFFFFF"/>
-                </a:solidFill>
-              </a:rPr>
-              <a:t>Задача</a:t>
-            </a:r>
-            <a:endParaRPr sz="3600" b="1" i="0" u="none" strike="noStrike" cap="none">
-              <a:solidFill>
-                <a:srgbClr val="FFFFFF"/>
-              </a:solidFill>
-              <a:latin typeface="Arial"/>
-              <a:ea typeface="Arial"/>
-              <a:cs typeface="Arial"/>
-              <a:sym typeface="Arial"/>
-            </a:endParaRPr>
-          </a:p>
-        </p:txBody>
-      </p:sp>
-    </p:spTree>
-    <p:extLst>
-      <p:ext uri="{BB962C8B-B14F-4D97-AF65-F5344CB8AC3E}">
-        <p14:creationId xmlns:p14="http://schemas.microsoft.com/office/powerpoint/2010/main" val="135744589"/>
-      </p:ext>
-    </p:extLst>
-  </p:cSld>
-  <p:clrMapOvr>
-    <a:masterClrMapping/>
-  </p:clrMapOvr>
-  <p:transition spd="slow">
-    <p:fade thruBlk="1"/>
-  </p:transition>
-  <p:timing>
-    <p:tnLst>
-      <p:par>
-        <p:cTn id="1" dur="indefinite" restart="never" nodeType="tmRoot"/>
-      </p:par>
-    </p:tnLst>
-  </p:timing>
-</p:sld>
-</file>
-
-<file path=ppt/slides/slide32.xml><?xml version="1.0" encoding="utf-8"?>
-<p:sld xmlns:a="http://schemas.openxmlformats.org/drawingml/2006/main" xmlns:r="http://schemas.openxmlformats.org/officeDocument/2006/relationships" xmlns:p="http://schemas.openxmlformats.org/presentationml/2006/main">
-  <p:cSld>
-    <p:spTree>
-      <p:nvGrpSpPr>
-        <p:cNvPr id="1" name="Shape 367"/>
-        <p:cNvGrpSpPr/>
-        <p:nvPr/>
-      </p:nvGrpSpPr>
-      <p:grpSpPr>
-        <a:xfrm>
-          <a:off x="0" y="0"/>
-          <a:ext cx="0" cy="0"/>
-          <a:chOff x="0" y="0"/>
-          <a:chExt cx="0" cy="0"/>
-        </a:xfrm>
-      </p:grpSpPr>
-      <p:sp>
-        <p:nvSpPr>
-          <p:cNvPr id="368" name="Google Shape;368;p59"/>
-          <p:cNvSpPr txBox="1">
-            <a:spLocks noGrp="1"/>
-          </p:cNvSpPr>
-          <p:nvPr>
-            <p:ph type="body" idx="1"/>
-          </p:nvPr>
-        </p:nvSpPr>
-        <p:spPr>
-          <a:xfrm>
-            <a:off x="1095825" y="960375"/>
-            <a:ext cx="7576200" cy="3441000"/>
-          </a:xfrm>
-          <a:prstGeom prst="rect">
-            <a:avLst/>
-          </a:prstGeom>
-          <a:noFill/>
-          <a:ln>
-            <a:noFill/>
-          </a:ln>
-        </p:spPr>
-        <p:txBody>
-          <a:bodyPr spcFirstLastPara="1" wrap="square" lIns="91425" tIns="91425" rIns="91425" bIns="91425" anchor="t" anchorCtr="0">
-            <a:noAutofit/>
-          </a:bodyPr>
-          <a:lstStyle/>
-          <a:p>
-            <a:pPr marL="146050" lvl="0" indent="0">
-              <a:buClr>
-                <a:schemeClr val="dk1"/>
-              </a:buClr>
-              <a:buSzPts val="1300"/>
-            </a:pPr>
-            <a:r>
-              <a:rPr lang="en-US" sz="1300" dirty="0" smtClean="0">
-                <a:solidFill>
-                  <a:schemeClr val="dk1"/>
-                </a:solidFill>
-              </a:rPr>
-              <a:t>6</a:t>
-            </a:r>
-            <a:r>
-              <a:rPr lang="en-US" sz="1300" dirty="0" smtClean="0">
-                <a:solidFill>
-                  <a:schemeClr val="dk1"/>
-                </a:solidFill>
-              </a:rPr>
-              <a:t>. </a:t>
-            </a:r>
-            <a:r>
-              <a:rPr lang="bg-BG" sz="1300" dirty="0" smtClean="0">
-                <a:solidFill>
-                  <a:schemeClr val="dk1"/>
-                </a:solidFill>
-              </a:rPr>
-              <a:t>Каква е връзката ниво-курсист. Дефинирайте в съответните модели с помощта на </a:t>
-            </a:r>
-            <a:r>
-              <a:rPr lang="en-US" sz="1300" dirty="0" err="1" smtClean="0">
-                <a:solidFill>
-                  <a:schemeClr val="dk1"/>
-                </a:solidFill>
-              </a:rPr>
-              <a:t>Laravel</a:t>
-            </a:r>
-            <a:r>
-              <a:rPr lang="en-US" sz="1300" dirty="0" smtClean="0">
-                <a:solidFill>
-                  <a:schemeClr val="dk1"/>
-                </a:solidFill>
-              </a:rPr>
-              <a:t> Eloquent</a:t>
+              <a:t>анните въвеждайте ръчно в БД.</a:t>
             </a:r>
             <a:endParaRPr lang="bg-BG" sz="1300" dirty="0" smtClean="0">
               <a:solidFill>

--- a/04_PHP_OOP_and_MVC/10_L4_models_eloquent/models_eloquent.pptx
+++ b/04_PHP_OOP_and_MVC/10_L4_models_eloquent/models_eloquent.pptx
@@ -5,7 +5,7 @@
     <p:sldMasterId id="2147483659" r:id="rId1"/>
   </p:sldMasterIdLst>
   <p:notesMasterIdLst>
-    <p:notesMasterId r:id="rId32"/>
+    <p:notesMasterId r:id="rId31"/>
   </p:notesMasterIdLst>
   <p:sldIdLst>
     <p:sldId id="256" r:id="rId2"/>
@@ -25,34 +25,33 @@
     <p:sldId id="289" r:id="rId16"/>
     <p:sldId id="290" r:id="rId17"/>
     <p:sldId id="291" r:id="rId18"/>
-    <p:sldId id="304" r:id="rId19"/>
-    <p:sldId id="292" r:id="rId20"/>
-    <p:sldId id="293" r:id="rId21"/>
-    <p:sldId id="303" r:id="rId22"/>
-    <p:sldId id="294" r:id="rId23"/>
-    <p:sldId id="295" r:id="rId24"/>
-    <p:sldId id="296" r:id="rId25"/>
-    <p:sldId id="297" r:id="rId26"/>
-    <p:sldId id="298" r:id="rId27"/>
-    <p:sldId id="299" r:id="rId28"/>
-    <p:sldId id="300" r:id="rId29"/>
-    <p:sldId id="305" r:id="rId30"/>
-    <p:sldId id="306" r:id="rId31"/>
+    <p:sldId id="292" r:id="rId19"/>
+    <p:sldId id="293" r:id="rId20"/>
+    <p:sldId id="303" r:id="rId21"/>
+    <p:sldId id="294" r:id="rId22"/>
+    <p:sldId id="295" r:id="rId23"/>
+    <p:sldId id="296" r:id="rId24"/>
+    <p:sldId id="297" r:id="rId25"/>
+    <p:sldId id="298" r:id="rId26"/>
+    <p:sldId id="299" r:id="rId27"/>
+    <p:sldId id="300" r:id="rId28"/>
+    <p:sldId id="305" r:id="rId29"/>
+    <p:sldId id="306" r:id="rId30"/>
   </p:sldIdLst>
   <p:sldSz cx="9144000" cy="5143500" type="screen16x9"/>
   <p:notesSz cx="6858000" cy="9144000"/>
   <p:embeddedFontLst>
     <p:embeddedFont>
       <p:font typeface="Syncopate" panose="020B0604020202020204" charset="0"/>
-      <p:regular r:id="rId33"/>
-      <p:bold r:id="rId34"/>
+      <p:regular r:id="rId32"/>
+      <p:bold r:id="rId33"/>
     </p:embeddedFont>
     <p:embeddedFont>
       <p:font typeface="Calibri" panose="020F0502020204030204" pitchFamily="34" charset="0"/>
-      <p:regular r:id="rId35"/>
-      <p:bold r:id="rId36"/>
-      <p:italic r:id="rId37"/>
-      <p:boldItalic r:id="rId38"/>
+      <p:regular r:id="rId34"/>
+      <p:bold r:id="rId35"/>
+      <p:italic r:id="rId36"/>
+      <p:boldItalic r:id="rId37"/>
     </p:embeddedFont>
   </p:embeddedFontLst>
   <p:defaultTextStyle>
@@ -1989,136 +1988,6 @@
   <p:cSld>
     <p:spTree>
       <p:nvGrpSpPr>
-        <p:cNvPr id="1" name="Shape 287"/>
-        <p:cNvGrpSpPr/>
-        <p:nvPr/>
-      </p:nvGrpSpPr>
-      <p:grpSpPr>
-        <a:xfrm>
-          <a:off x="0" y="0"/>
-          <a:ext cx="0" cy="0"/>
-          <a:chOff x="0" y="0"/>
-          <a:chExt cx="0" cy="0"/>
-        </a:xfrm>
-      </p:grpSpPr>
-      <p:sp>
-        <p:nvSpPr>
-          <p:cNvPr id="288" name="Google Shape;288;g236e22502e_0_121:notes"/>
-          <p:cNvSpPr>
-            <a:spLocks noGrp="1" noRot="1" noChangeAspect="1"/>
-          </p:cNvSpPr>
-          <p:nvPr>
-            <p:ph type="sldImg" idx="2"/>
-          </p:nvPr>
-        </p:nvSpPr>
-        <p:spPr>
-          <a:xfrm>
-            <a:off x="381000" y="685800"/>
-            <a:ext cx="6096000" cy="3429000"/>
-          </a:xfrm>
-          <a:custGeom>
-            <a:avLst/>
-            <a:gdLst/>
-            <a:ahLst/>
-            <a:cxnLst/>
-            <a:rect l="l" t="t" r="r" b="b"/>
-            <a:pathLst>
-              <a:path w="120000" h="120000" extrusionOk="0">
-                <a:moveTo>
-                  <a:pt x="0" y="0"/>
-                </a:moveTo>
-                <a:lnTo>
-                  <a:pt x="120000" y="0"/>
-                </a:lnTo>
-                <a:lnTo>
-                  <a:pt x="120000" y="120000"/>
-                </a:lnTo>
-                <a:lnTo>
-                  <a:pt x="0" y="120000"/>
-                </a:lnTo>
-                <a:close/>
-              </a:path>
-            </a:pathLst>
-          </a:custGeom>
-          <a:noFill/>
-          <a:ln w="9525" cap="flat" cmpd="sng">
-            <a:solidFill>
-              <a:srgbClr val="000000"/>
-            </a:solidFill>
-            <a:prstDash val="solid"/>
-            <a:round/>
-            <a:headEnd type="none" w="sm" len="sm"/>
-            <a:tailEnd type="none" w="sm" len="sm"/>
-          </a:ln>
-        </p:spPr>
-      </p:sp>
-      <p:sp>
-        <p:nvSpPr>
-          <p:cNvPr id="289" name="Google Shape;289;g236e22502e_0_121:notes"/>
-          <p:cNvSpPr txBox="1">
-            <a:spLocks noGrp="1"/>
-          </p:cNvSpPr>
-          <p:nvPr>
-            <p:ph type="body" idx="1"/>
-          </p:nvPr>
-        </p:nvSpPr>
-        <p:spPr>
-          <a:xfrm>
-            <a:off x="685800" y="4343400"/>
-            <a:ext cx="5486400" cy="4114800"/>
-          </a:xfrm>
-          <a:prstGeom prst="rect">
-            <a:avLst/>
-          </a:prstGeom>
-          <a:noFill/>
-          <a:ln>
-            <a:noFill/>
-          </a:ln>
-        </p:spPr>
-        <p:txBody>
-          <a:bodyPr spcFirstLastPara="1" wrap="square" lIns="91425" tIns="91425" rIns="91425" bIns="91425" anchor="t" anchorCtr="0">
-            <a:noAutofit/>
-          </a:bodyPr>
-          <a:lstStyle/>
-          <a:p>
-            <a:pPr marL="0" marR="0" lvl="0" indent="0" algn="l" rtl="0">
-              <a:spcBef>
-                <a:spcPts val="0"/>
-              </a:spcBef>
-              <a:spcAft>
-                <a:spcPts val="0"/>
-              </a:spcAft>
-              <a:buClr>
-                <a:schemeClr val="dk1"/>
-              </a:buClr>
-              <a:buFont typeface="Arial"/>
-              <a:buNone/>
-            </a:pPr>
-            <a:endParaRPr sz="1100" b="0" i="0" u="none" strike="noStrike" cap="none">
-              <a:solidFill>
-                <a:schemeClr val="dk1"/>
-              </a:solidFill>
-              <a:latin typeface="Arial"/>
-              <a:ea typeface="Arial"/>
-              <a:cs typeface="Arial"/>
-              <a:sym typeface="Arial"/>
-            </a:endParaRPr>
-          </a:p>
-        </p:txBody>
-      </p:sp>
-    </p:spTree>
-  </p:cSld>
-  <p:clrMapOvr>
-    <a:masterClrMapping/>
-  </p:clrMapOvr>
-</p:notes>
-</file>
-
-<file path=ppt/notesSlides/notesSlide19.xml><?xml version="1.0" encoding="utf-8"?>
-<p:notes xmlns:a="http://schemas.openxmlformats.org/drawingml/2006/main" xmlns:r="http://schemas.openxmlformats.org/officeDocument/2006/relationships" xmlns:p="http://schemas.openxmlformats.org/presentationml/2006/main" showMasterSp="0" showMasterPhAnim="0">
-  <p:cSld>
-    <p:spTree>
-      <p:nvGrpSpPr>
         <p:cNvPr id="1" name="Shape 294"/>
         <p:cNvGrpSpPr/>
         <p:nvPr/>
@@ -2185,6 +2054,136 @@
       <p:sp>
         <p:nvSpPr>
           <p:cNvPr id="296" name="Google Shape;296;g236e22502e_0_128:notes"/>
+          <p:cNvSpPr txBox="1">
+            <a:spLocks noGrp="1"/>
+          </p:cNvSpPr>
+          <p:nvPr>
+            <p:ph type="body" idx="1"/>
+          </p:nvPr>
+        </p:nvSpPr>
+        <p:spPr>
+          <a:xfrm>
+            <a:off x="685800" y="4343400"/>
+            <a:ext cx="5486400" cy="4114800"/>
+          </a:xfrm>
+          <a:prstGeom prst="rect">
+            <a:avLst/>
+          </a:prstGeom>
+          <a:noFill/>
+          <a:ln>
+            <a:noFill/>
+          </a:ln>
+        </p:spPr>
+        <p:txBody>
+          <a:bodyPr spcFirstLastPara="1" wrap="square" lIns="91425" tIns="91425" rIns="91425" bIns="91425" anchor="t" anchorCtr="0">
+            <a:noAutofit/>
+          </a:bodyPr>
+          <a:lstStyle/>
+          <a:p>
+            <a:pPr marL="0" marR="0" lvl="0" indent="0" algn="l" rtl="0">
+              <a:spcBef>
+                <a:spcPts val="0"/>
+              </a:spcBef>
+              <a:spcAft>
+                <a:spcPts val="0"/>
+              </a:spcAft>
+              <a:buClr>
+                <a:schemeClr val="dk1"/>
+              </a:buClr>
+              <a:buFont typeface="Arial"/>
+              <a:buNone/>
+            </a:pPr>
+            <a:endParaRPr sz="1100" b="0" i="0" u="none" strike="noStrike" cap="none">
+              <a:solidFill>
+                <a:schemeClr val="dk1"/>
+              </a:solidFill>
+              <a:latin typeface="Arial"/>
+              <a:ea typeface="Arial"/>
+              <a:cs typeface="Arial"/>
+              <a:sym typeface="Arial"/>
+            </a:endParaRPr>
+          </a:p>
+        </p:txBody>
+      </p:sp>
+    </p:spTree>
+  </p:cSld>
+  <p:clrMapOvr>
+    <a:masterClrMapping/>
+  </p:clrMapOvr>
+</p:notes>
+</file>
+
+<file path=ppt/notesSlides/notesSlide19.xml><?xml version="1.0" encoding="utf-8"?>
+<p:notes xmlns:a="http://schemas.openxmlformats.org/drawingml/2006/main" xmlns:r="http://schemas.openxmlformats.org/officeDocument/2006/relationships" xmlns:p="http://schemas.openxmlformats.org/presentationml/2006/main" showMasterSp="0" showMasterPhAnim="0">
+  <p:cSld>
+    <p:spTree>
+      <p:nvGrpSpPr>
+        <p:cNvPr id="1" name="Shape 301"/>
+        <p:cNvGrpSpPr/>
+        <p:nvPr/>
+      </p:nvGrpSpPr>
+      <p:grpSpPr>
+        <a:xfrm>
+          <a:off x="0" y="0"/>
+          <a:ext cx="0" cy="0"/>
+          <a:chOff x="0" y="0"/>
+          <a:chExt cx="0" cy="0"/>
+        </a:xfrm>
+      </p:grpSpPr>
+      <p:sp>
+        <p:nvSpPr>
+          <p:cNvPr id="302" name="Google Shape;302;g237403e67d_0_32:notes"/>
+          <p:cNvSpPr>
+            <a:spLocks noGrp="1" noRot="1" noChangeAspect="1"/>
+          </p:cNvSpPr>
+          <p:nvPr>
+            <p:ph type="sldImg" idx="2"/>
+          </p:nvPr>
+        </p:nvSpPr>
+        <p:spPr>
+          <a:xfrm>
+            <a:off x="381000" y="685800"/>
+            <a:ext cx="6096000" cy="3429000"/>
+          </a:xfrm>
+          <a:custGeom>
+            <a:avLst/>
+            <a:gdLst/>
+            <a:ahLst/>
+            <a:cxnLst/>
+            <a:rect l="l" t="t" r="r" b="b"/>
+            <a:pathLst>
+              <a:path w="120000" h="120000" extrusionOk="0">
+                <a:moveTo>
+                  <a:pt x="0" y="0"/>
+                </a:moveTo>
+                <a:lnTo>
+                  <a:pt x="120000" y="0"/>
+                </a:lnTo>
+                <a:lnTo>
+                  <a:pt x="120000" y="120000"/>
+                </a:lnTo>
+                <a:lnTo>
+                  <a:pt x="0" y="120000"/>
+                </a:lnTo>
+                <a:close/>
+              </a:path>
+            </a:pathLst>
+          </a:custGeom>
+          <a:noFill/>
+          <a:ln w="9525" cap="flat" cmpd="sng">
+            <a:solidFill>
+              <a:srgbClr val="000000"/>
+            </a:solidFill>
+            <a:prstDash val="solid"/>
+            <a:round/>
+            <a:headEnd type="none" w="sm" len="sm"/>
+            <a:tailEnd type="none" w="sm" len="sm"/>
+          </a:ln>
+        </p:spPr>
+      </p:sp>
+      <p:sp>
+        <p:nvSpPr>
+          <p:cNvPr id="303" name="Google Shape;303;g237403e67d_0_32:notes"/>
           <p:cNvSpPr txBox="1">
             <a:spLocks noGrp="1"/>
           </p:cNvSpPr>
@@ -2509,136 +2508,6 @@
   <p:cSld>
     <p:spTree>
       <p:nvGrpSpPr>
-        <p:cNvPr id="1" name="Shape 301"/>
-        <p:cNvGrpSpPr/>
-        <p:nvPr/>
-      </p:nvGrpSpPr>
-      <p:grpSpPr>
-        <a:xfrm>
-          <a:off x="0" y="0"/>
-          <a:ext cx="0" cy="0"/>
-          <a:chOff x="0" y="0"/>
-          <a:chExt cx="0" cy="0"/>
-        </a:xfrm>
-      </p:grpSpPr>
-      <p:sp>
-        <p:nvSpPr>
-          <p:cNvPr id="302" name="Google Shape;302;g237403e67d_0_32:notes"/>
-          <p:cNvSpPr>
-            <a:spLocks noGrp="1" noRot="1" noChangeAspect="1"/>
-          </p:cNvSpPr>
-          <p:nvPr>
-            <p:ph type="sldImg" idx="2"/>
-          </p:nvPr>
-        </p:nvSpPr>
-        <p:spPr>
-          <a:xfrm>
-            <a:off x="381000" y="685800"/>
-            <a:ext cx="6096000" cy="3429000"/>
-          </a:xfrm>
-          <a:custGeom>
-            <a:avLst/>
-            <a:gdLst/>
-            <a:ahLst/>
-            <a:cxnLst/>
-            <a:rect l="l" t="t" r="r" b="b"/>
-            <a:pathLst>
-              <a:path w="120000" h="120000" extrusionOk="0">
-                <a:moveTo>
-                  <a:pt x="0" y="0"/>
-                </a:moveTo>
-                <a:lnTo>
-                  <a:pt x="120000" y="0"/>
-                </a:lnTo>
-                <a:lnTo>
-                  <a:pt x="120000" y="120000"/>
-                </a:lnTo>
-                <a:lnTo>
-                  <a:pt x="0" y="120000"/>
-                </a:lnTo>
-                <a:close/>
-              </a:path>
-            </a:pathLst>
-          </a:custGeom>
-          <a:noFill/>
-          <a:ln w="9525" cap="flat" cmpd="sng">
-            <a:solidFill>
-              <a:srgbClr val="000000"/>
-            </a:solidFill>
-            <a:prstDash val="solid"/>
-            <a:round/>
-            <a:headEnd type="none" w="sm" len="sm"/>
-            <a:tailEnd type="none" w="sm" len="sm"/>
-          </a:ln>
-        </p:spPr>
-      </p:sp>
-      <p:sp>
-        <p:nvSpPr>
-          <p:cNvPr id="303" name="Google Shape;303;g237403e67d_0_32:notes"/>
-          <p:cNvSpPr txBox="1">
-            <a:spLocks noGrp="1"/>
-          </p:cNvSpPr>
-          <p:nvPr>
-            <p:ph type="body" idx="1"/>
-          </p:nvPr>
-        </p:nvSpPr>
-        <p:spPr>
-          <a:xfrm>
-            <a:off x="685800" y="4343400"/>
-            <a:ext cx="5486400" cy="4114800"/>
-          </a:xfrm>
-          <a:prstGeom prst="rect">
-            <a:avLst/>
-          </a:prstGeom>
-          <a:noFill/>
-          <a:ln>
-            <a:noFill/>
-          </a:ln>
-        </p:spPr>
-        <p:txBody>
-          <a:bodyPr spcFirstLastPara="1" wrap="square" lIns="91425" tIns="91425" rIns="91425" bIns="91425" anchor="t" anchorCtr="0">
-            <a:noAutofit/>
-          </a:bodyPr>
-          <a:lstStyle/>
-          <a:p>
-            <a:pPr marL="0" marR="0" lvl="0" indent="0" algn="l" rtl="0">
-              <a:spcBef>
-                <a:spcPts val="0"/>
-              </a:spcBef>
-              <a:spcAft>
-                <a:spcPts val="0"/>
-              </a:spcAft>
-              <a:buClr>
-                <a:schemeClr val="dk1"/>
-              </a:buClr>
-              <a:buFont typeface="Arial"/>
-              <a:buNone/>
-            </a:pPr>
-            <a:endParaRPr sz="1100" b="0" i="0" u="none" strike="noStrike" cap="none">
-              <a:solidFill>
-                <a:schemeClr val="dk1"/>
-              </a:solidFill>
-              <a:latin typeface="Arial"/>
-              <a:ea typeface="Arial"/>
-              <a:cs typeface="Arial"/>
-              <a:sym typeface="Arial"/>
-            </a:endParaRPr>
-          </a:p>
-        </p:txBody>
-      </p:sp>
-    </p:spTree>
-  </p:cSld>
-  <p:clrMapOvr>
-    <a:masterClrMapping/>
-  </p:clrMapOvr>
-</p:notes>
-</file>
-
-<file path=ppt/notesSlides/notesSlide22.xml><?xml version="1.0" encoding="utf-8"?>
-<p:notes xmlns:a="http://schemas.openxmlformats.org/drawingml/2006/main" xmlns:r="http://schemas.openxmlformats.org/officeDocument/2006/relationships" xmlns:p="http://schemas.openxmlformats.org/presentationml/2006/main" showMasterSp="0" showMasterPhAnim="0">
-  <p:cSld>
-    <p:spTree>
-      <p:nvGrpSpPr>
         <p:cNvPr id="1" name="Shape 308"/>
         <p:cNvGrpSpPr/>
         <p:nvPr/>
@@ -2764,7 +2633,7 @@
 </p:notes>
 </file>
 
-<file path=ppt/notesSlides/notesSlide23.xml><?xml version="1.0" encoding="utf-8"?>
+<file path=ppt/notesSlides/notesSlide22.xml><?xml version="1.0" encoding="utf-8"?>
 <p:notes xmlns:a="http://schemas.openxmlformats.org/drawingml/2006/main" xmlns:r="http://schemas.openxmlformats.org/officeDocument/2006/relationships" xmlns:p="http://schemas.openxmlformats.org/presentationml/2006/main" showMasterSp="0" showMasterPhAnim="0">
   <p:cSld>
     <p:spTree>
@@ -2894,7 +2763,7 @@
 </p:notes>
 </file>
 
-<file path=ppt/notesSlides/notesSlide24.xml><?xml version="1.0" encoding="utf-8"?>
+<file path=ppt/notesSlides/notesSlide23.xml><?xml version="1.0" encoding="utf-8"?>
 <p:notes xmlns:a="http://schemas.openxmlformats.org/drawingml/2006/main" xmlns:r="http://schemas.openxmlformats.org/officeDocument/2006/relationships" xmlns:p="http://schemas.openxmlformats.org/presentationml/2006/main" showMasterSp="0" showMasterPhAnim="0">
   <p:cSld>
     <p:spTree>
@@ -3024,7 +2893,7 @@
 </p:notes>
 </file>
 
-<file path=ppt/notesSlides/notesSlide25.xml><?xml version="1.0" encoding="utf-8"?>
+<file path=ppt/notesSlides/notesSlide24.xml><?xml version="1.0" encoding="utf-8"?>
 <p:notes xmlns:a="http://schemas.openxmlformats.org/drawingml/2006/main" xmlns:r="http://schemas.openxmlformats.org/officeDocument/2006/relationships" xmlns:p="http://schemas.openxmlformats.org/presentationml/2006/main" showMasterSp="0" showMasterPhAnim="0">
   <p:cSld>
     <p:spTree>
@@ -3154,7 +3023,7 @@
 </p:notes>
 </file>
 
-<file path=ppt/notesSlides/notesSlide26.xml><?xml version="1.0" encoding="utf-8"?>
+<file path=ppt/notesSlides/notesSlide25.xml><?xml version="1.0" encoding="utf-8"?>
 <p:notes xmlns:a="http://schemas.openxmlformats.org/drawingml/2006/main" xmlns:r="http://schemas.openxmlformats.org/officeDocument/2006/relationships" xmlns:p="http://schemas.openxmlformats.org/presentationml/2006/main" showMasterSp="0" showMasterPhAnim="0">
   <p:cSld>
     <p:spTree>
@@ -3284,7 +3153,7 @@
 </p:notes>
 </file>
 
-<file path=ppt/notesSlides/notesSlide27.xml><?xml version="1.0" encoding="utf-8"?>
+<file path=ppt/notesSlides/notesSlide26.xml><?xml version="1.0" encoding="utf-8"?>
 <p:notes xmlns:a="http://schemas.openxmlformats.org/drawingml/2006/main" xmlns:r="http://schemas.openxmlformats.org/officeDocument/2006/relationships" xmlns:p="http://schemas.openxmlformats.org/presentationml/2006/main" showMasterSp="0" showMasterPhAnim="0">
   <p:cSld>
     <p:spTree>
@@ -3414,7 +3283,7 @@
 </p:notes>
 </file>
 
-<file path=ppt/notesSlides/notesSlide28.xml><?xml version="1.0" encoding="utf-8"?>
+<file path=ppt/notesSlides/notesSlide27.xml><?xml version="1.0" encoding="utf-8"?>
 <p:notes xmlns:a="http://schemas.openxmlformats.org/drawingml/2006/main" xmlns:r="http://schemas.openxmlformats.org/officeDocument/2006/relationships" xmlns:p="http://schemas.openxmlformats.org/presentationml/2006/main" showMasterSp="0" showMasterPhAnim="0">
   <p:cSld>
     <p:spTree>
@@ -3485,6 +3354,136 @@
       <p:sp>
         <p:nvSpPr>
           <p:cNvPr id="352" name="Google Shape;352;g2375316413_0_25:notes"/>
+          <p:cNvSpPr txBox="1">
+            <a:spLocks noGrp="1"/>
+          </p:cNvSpPr>
+          <p:nvPr>
+            <p:ph type="body" idx="1"/>
+          </p:nvPr>
+        </p:nvSpPr>
+        <p:spPr>
+          <a:xfrm>
+            <a:off x="685800" y="4343400"/>
+            <a:ext cx="5486400" cy="4114800"/>
+          </a:xfrm>
+          <a:prstGeom prst="rect">
+            <a:avLst/>
+          </a:prstGeom>
+          <a:noFill/>
+          <a:ln>
+            <a:noFill/>
+          </a:ln>
+        </p:spPr>
+        <p:txBody>
+          <a:bodyPr spcFirstLastPara="1" wrap="square" lIns="91425" tIns="91425" rIns="91425" bIns="91425" anchor="t" anchorCtr="0">
+            <a:noAutofit/>
+          </a:bodyPr>
+          <a:lstStyle/>
+          <a:p>
+            <a:pPr marL="0" marR="0" lvl="0" indent="0" algn="l" rtl="0">
+              <a:spcBef>
+                <a:spcPts val="0"/>
+              </a:spcBef>
+              <a:spcAft>
+                <a:spcPts val="0"/>
+              </a:spcAft>
+              <a:buClr>
+                <a:schemeClr val="dk1"/>
+              </a:buClr>
+              <a:buFont typeface="Arial"/>
+              <a:buNone/>
+            </a:pPr>
+            <a:endParaRPr sz="1100" b="0" i="0" u="none" strike="noStrike" cap="none">
+              <a:solidFill>
+                <a:schemeClr val="dk1"/>
+              </a:solidFill>
+              <a:latin typeface="Arial"/>
+              <a:ea typeface="Arial"/>
+              <a:cs typeface="Arial"/>
+              <a:sym typeface="Arial"/>
+            </a:endParaRPr>
+          </a:p>
+        </p:txBody>
+      </p:sp>
+    </p:spTree>
+  </p:cSld>
+  <p:clrMapOvr>
+    <a:masterClrMapping/>
+  </p:clrMapOvr>
+</p:notes>
+</file>
+
+<file path=ppt/notesSlides/notesSlide28.xml><?xml version="1.0" encoding="utf-8"?>
+<p:notes xmlns:a="http://schemas.openxmlformats.org/drawingml/2006/main" xmlns:r="http://schemas.openxmlformats.org/officeDocument/2006/relationships" xmlns:p="http://schemas.openxmlformats.org/presentationml/2006/main" showMasterSp="0" showMasterPhAnim="0">
+  <p:cSld>
+    <p:spTree>
+      <p:nvGrpSpPr>
+        <p:cNvPr id="1" name="Shape 364"/>
+        <p:cNvGrpSpPr/>
+        <p:nvPr/>
+      </p:nvGrpSpPr>
+      <p:grpSpPr>
+        <a:xfrm>
+          <a:off x="0" y="0"/>
+          <a:ext cx="0" cy="0"/>
+          <a:chOff x="0" y="0"/>
+          <a:chExt cx="0" cy="0"/>
+        </a:xfrm>
+      </p:grpSpPr>
+      <p:sp>
+        <p:nvSpPr>
+          <p:cNvPr id="365" name="Google Shape;365;g237403e67d_0_38:notes"/>
+          <p:cNvSpPr>
+            <a:spLocks noGrp="1" noRot="1" noChangeAspect="1"/>
+          </p:cNvSpPr>
+          <p:nvPr>
+            <p:ph type="sldImg" idx="2"/>
+          </p:nvPr>
+        </p:nvSpPr>
+        <p:spPr>
+          <a:xfrm>
+            <a:off x="381000" y="685800"/>
+            <a:ext cx="6096000" cy="3429000"/>
+          </a:xfrm>
+          <a:custGeom>
+            <a:avLst/>
+            <a:gdLst/>
+            <a:ahLst/>
+            <a:cxnLst/>
+            <a:rect l="l" t="t" r="r" b="b"/>
+            <a:pathLst>
+              <a:path w="120000" h="120000" extrusionOk="0">
+                <a:moveTo>
+                  <a:pt x="0" y="0"/>
+                </a:moveTo>
+                <a:lnTo>
+                  <a:pt x="120000" y="0"/>
+                </a:lnTo>
+                <a:lnTo>
+                  <a:pt x="120000" y="120000"/>
+                </a:lnTo>
+                <a:lnTo>
+                  <a:pt x="0" y="120000"/>
+                </a:lnTo>
+                <a:close/>
+              </a:path>
+            </a:pathLst>
+          </a:custGeom>
+          <a:noFill/>
+          <a:ln w="9525" cap="flat" cmpd="sng">
+            <a:solidFill>
+              <a:srgbClr val="000000"/>
+            </a:solidFill>
+            <a:prstDash val="solid"/>
+            <a:round/>
+            <a:headEnd type="none" w="sm" len="sm"/>
+            <a:tailEnd type="none" w="sm" len="sm"/>
+          </a:ln>
+        </p:spPr>
+      </p:sp>
+      <p:sp>
+        <p:nvSpPr>
+          <p:cNvPr id="366" name="Google Shape;366;g237403e67d_0_38:notes"/>
           <p:cNvSpPr txBox="1">
             <a:spLocks noGrp="1"/>
           </p:cNvSpPr>
@@ -3745,136 +3744,6 @@
       <p:sp>
         <p:nvSpPr>
           <p:cNvPr id="68" name="Google Shape;68;g24e5cded1e_0_0:notes"/>
-          <p:cNvSpPr txBox="1">
-            <a:spLocks noGrp="1"/>
-          </p:cNvSpPr>
-          <p:nvPr>
-            <p:ph type="body" idx="1"/>
-          </p:nvPr>
-        </p:nvSpPr>
-        <p:spPr>
-          <a:xfrm>
-            <a:off x="685800" y="4343400"/>
-            <a:ext cx="5486400" cy="4114800"/>
-          </a:xfrm>
-          <a:prstGeom prst="rect">
-            <a:avLst/>
-          </a:prstGeom>
-          <a:noFill/>
-          <a:ln>
-            <a:noFill/>
-          </a:ln>
-        </p:spPr>
-        <p:txBody>
-          <a:bodyPr spcFirstLastPara="1" wrap="square" lIns="91425" tIns="91425" rIns="91425" bIns="91425" anchor="t" anchorCtr="0">
-            <a:noAutofit/>
-          </a:bodyPr>
-          <a:lstStyle/>
-          <a:p>
-            <a:pPr marL="0" marR="0" lvl="0" indent="0" algn="l" rtl="0">
-              <a:spcBef>
-                <a:spcPts val="0"/>
-              </a:spcBef>
-              <a:spcAft>
-                <a:spcPts val="0"/>
-              </a:spcAft>
-              <a:buClr>
-                <a:schemeClr val="dk1"/>
-              </a:buClr>
-              <a:buFont typeface="Arial"/>
-              <a:buNone/>
-            </a:pPr>
-            <a:endParaRPr sz="1100" b="0" i="0" u="none" strike="noStrike" cap="none">
-              <a:solidFill>
-                <a:schemeClr val="dk1"/>
-              </a:solidFill>
-              <a:latin typeface="Arial"/>
-              <a:ea typeface="Arial"/>
-              <a:cs typeface="Arial"/>
-              <a:sym typeface="Arial"/>
-            </a:endParaRPr>
-          </a:p>
-        </p:txBody>
-      </p:sp>
-    </p:spTree>
-  </p:cSld>
-  <p:clrMapOvr>
-    <a:masterClrMapping/>
-  </p:clrMapOvr>
-</p:notes>
-</file>
-
-<file path=ppt/notesSlides/notesSlide30.xml><?xml version="1.0" encoding="utf-8"?>
-<p:notes xmlns:a="http://schemas.openxmlformats.org/drawingml/2006/main" xmlns:r="http://schemas.openxmlformats.org/officeDocument/2006/relationships" xmlns:p="http://schemas.openxmlformats.org/presentationml/2006/main" showMasterSp="0" showMasterPhAnim="0">
-  <p:cSld>
-    <p:spTree>
-      <p:nvGrpSpPr>
-        <p:cNvPr id="1" name="Shape 364"/>
-        <p:cNvGrpSpPr/>
-        <p:nvPr/>
-      </p:nvGrpSpPr>
-      <p:grpSpPr>
-        <a:xfrm>
-          <a:off x="0" y="0"/>
-          <a:ext cx="0" cy="0"/>
-          <a:chOff x="0" y="0"/>
-          <a:chExt cx="0" cy="0"/>
-        </a:xfrm>
-      </p:grpSpPr>
-      <p:sp>
-        <p:nvSpPr>
-          <p:cNvPr id="365" name="Google Shape;365;g237403e67d_0_38:notes"/>
-          <p:cNvSpPr>
-            <a:spLocks noGrp="1" noRot="1" noChangeAspect="1"/>
-          </p:cNvSpPr>
-          <p:nvPr>
-            <p:ph type="sldImg" idx="2"/>
-          </p:nvPr>
-        </p:nvSpPr>
-        <p:spPr>
-          <a:xfrm>
-            <a:off x="381000" y="685800"/>
-            <a:ext cx="6096000" cy="3429000"/>
-          </a:xfrm>
-          <a:custGeom>
-            <a:avLst/>
-            <a:gdLst/>
-            <a:ahLst/>
-            <a:cxnLst/>
-            <a:rect l="l" t="t" r="r" b="b"/>
-            <a:pathLst>
-              <a:path w="120000" h="120000" extrusionOk="0">
-                <a:moveTo>
-                  <a:pt x="0" y="0"/>
-                </a:moveTo>
-                <a:lnTo>
-                  <a:pt x="120000" y="0"/>
-                </a:lnTo>
-                <a:lnTo>
-                  <a:pt x="120000" y="120000"/>
-                </a:lnTo>
-                <a:lnTo>
-                  <a:pt x="0" y="120000"/>
-                </a:lnTo>
-                <a:close/>
-              </a:path>
-            </a:pathLst>
-          </a:custGeom>
-          <a:noFill/>
-          <a:ln w="9525" cap="flat" cmpd="sng">
-            <a:solidFill>
-              <a:srgbClr val="000000"/>
-            </a:solidFill>
-            <a:prstDash val="solid"/>
-            <a:round/>
-            <a:headEnd type="none" w="sm" len="sm"/>
-            <a:tailEnd type="none" w="sm" len="sm"/>
-          </a:ln>
-        </p:spPr>
-      </p:sp>
-      <p:sp>
-        <p:nvSpPr>
-          <p:cNvPr id="366" name="Google Shape;366;g237403e67d_0_38:notes"/>
           <p:cNvSpPr txBox="1">
             <a:spLocks noGrp="1"/>
           </p:cNvSpPr>
@@ -17385,425 +17254,6 @@
   <p:cSld>
     <p:spTree>
       <p:nvGrpSpPr>
-        <p:cNvPr id="1" name="Shape 290"/>
-        <p:cNvGrpSpPr/>
-        <p:nvPr/>
-      </p:nvGrpSpPr>
-      <p:grpSpPr>
-        <a:xfrm>
-          <a:off x="0" y="0"/>
-          <a:ext cx="0" cy="0"/>
-          <a:chOff x="0" y="0"/>
-          <a:chExt cx="0" cy="0"/>
-        </a:xfrm>
-      </p:grpSpPr>
-      <p:sp>
-        <p:nvSpPr>
-          <p:cNvPr id="291" name="Google Shape;291;p48"/>
-          <p:cNvSpPr/>
-          <p:nvPr/>
-        </p:nvSpPr>
-        <p:spPr>
-          <a:xfrm>
-            <a:off x="0" y="0"/>
-            <a:ext cx="9144000" cy="764400"/>
-          </a:xfrm>
-          <a:prstGeom prst="rect">
-            <a:avLst/>
-          </a:prstGeom>
-          <a:solidFill>
-            <a:srgbClr val="9933FF"/>
-          </a:solidFill>
-          <a:ln>
-            <a:noFill/>
-          </a:ln>
-        </p:spPr>
-        <p:txBody>
-          <a:bodyPr spcFirstLastPara="1" wrap="square" lIns="91425" tIns="91425" rIns="91425" bIns="91425" anchor="ctr" anchorCtr="0">
-            <a:noAutofit/>
-          </a:bodyPr>
-          <a:lstStyle/>
-          <a:p>
-            <a:pPr marL="0" marR="0" lvl="0" indent="0" algn="l" rtl="0">
-              <a:lnSpc>
-                <a:spcPct val="100000"/>
-              </a:lnSpc>
-              <a:spcBef>
-                <a:spcPts val="0"/>
-              </a:spcBef>
-              <a:spcAft>
-                <a:spcPts val="0"/>
-              </a:spcAft>
-              <a:buClr>
-                <a:srgbClr val="000000"/>
-              </a:buClr>
-              <a:buFont typeface="Arial"/>
-              <a:buNone/>
-            </a:pPr>
-            <a:endParaRPr sz="1400" b="0" i="0" u="none" strike="noStrike" cap="none">
-              <a:solidFill>
-                <a:srgbClr val="000000"/>
-              </a:solidFill>
-              <a:latin typeface="Arial"/>
-              <a:ea typeface="Arial"/>
-              <a:cs typeface="Arial"/>
-              <a:sym typeface="Arial"/>
-            </a:endParaRPr>
-          </a:p>
-        </p:txBody>
-      </p:sp>
-      <p:sp>
-        <p:nvSpPr>
-          <p:cNvPr id="292" name="Google Shape;292;p48"/>
-          <p:cNvSpPr txBox="1">
-            <a:spLocks noGrp="1"/>
-          </p:cNvSpPr>
-          <p:nvPr>
-            <p:ph type="body" idx="1"/>
-          </p:nvPr>
-        </p:nvSpPr>
-        <p:spPr>
-          <a:xfrm>
-            <a:off x="311700" y="1152475"/>
-            <a:ext cx="8520600" cy="3416400"/>
-          </a:xfrm>
-          <a:prstGeom prst="rect">
-            <a:avLst/>
-          </a:prstGeom>
-          <a:noFill/>
-          <a:ln>
-            <a:noFill/>
-          </a:ln>
-        </p:spPr>
-        <p:txBody>
-          <a:bodyPr spcFirstLastPara="1" wrap="square" lIns="91425" tIns="91425" rIns="91425" bIns="91425" anchor="t" anchorCtr="0">
-            <a:noAutofit/>
-          </a:bodyPr>
-          <a:lstStyle/>
-          <a:p>
-            <a:pPr marL="0" marR="0" lvl="0" indent="0" algn="l" rtl="0">
-              <a:lnSpc>
-                <a:spcPct val="100000"/>
-              </a:lnSpc>
-              <a:spcBef>
-                <a:spcPts val="0"/>
-              </a:spcBef>
-              <a:spcAft>
-                <a:spcPts val="0"/>
-              </a:spcAft>
-              <a:buClr>
-                <a:schemeClr val="dk1"/>
-              </a:buClr>
-              <a:buSzPts val="1100"/>
-              <a:buFont typeface="Arial"/>
-              <a:buNone/>
-            </a:pPr>
-            <a:r>
-              <a:rPr lang="bg-BG" dirty="0" smtClean="0">
-                <a:solidFill>
-                  <a:srgbClr val="666666"/>
-                </a:solidFill>
-              </a:rPr>
-              <a:t>Или извикан като метод </a:t>
-            </a:r>
-            <a:r>
-              <a:rPr lang="en-US" dirty="0" smtClean="0">
-                <a:solidFill>
-                  <a:srgbClr val="666666"/>
-                </a:solidFill>
-              </a:rPr>
-              <a:t>profile()</a:t>
-            </a:r>
-            <a:r>
-              <a:rPr lang="bg-BG" dirty="0" smtClean="0">
-                <a:solidFill>
-                  <a:srgbClr val="666666"/>
-                </a:solidFill>
-              </a:rPr>
-              <a:t> – да </a:t>
-            </a:r>
-            <a:r>
-              <a:rPr lang="bg-BG" dirty="0" err="1" smtClean="0">
-                <a:solidFill>
-                  <a:srgbClr val="666666"/>
-                </a:solidFill>
-              </a:rPr>
-              <a:t>достъпим</a:t>
-            </a:r>
-            <a:r>
-              <a:rPr lang="bg-BG" dirty="0" smtClean="0">
-                <a:solidFill>
-                  <a:srgbClr val="666666"/>
-                </a:solidFill>
-              </a:rPr>
-              <a:t> свойствата на свързания клас </a:t>
-            </a:r>
-            <a:r>
-              <a:rPr lang="en-US" dirty="0" smtClean="0">
-                <a:solidFill>
-                  <a:srgbClr val="666666"/>
-                </a:solidFill>
-              </a:rPr>
-              <a:t>Profile.</a:t>
-            </a:r>
-            <a:endParaRPr i="1" dirty="0">
-              <a:solidFill>
-                <a:srgbClr val="666666"/>
-              </a:solidFill>
-            </a:endParaRPr>
-          </a:p>
-          <a:p>
-            <a:pPr marL="0" marR="0" lvl="0" indent="0" algn="l" rtl="0">
-              <a:lnSpc>
-                <a:spcPct val="100000"/>
-              </a:lnSpc>
-              <a:spcBef>
-                <a:spcPts val="0"/>
-              </a:spcBef>
-              <a:spcAft>
-                <a:spcPts val="0"/>
-              </a:spcAft>
-              <a:buClr>
-                <a:schemeClr val="dk1"/>
-              </a:buClr>
-              <a:buSzPts val="1100"/>
-              <a:buFont typeface="Arial"/>
-              <a:buNone/>
-            </a:pPr>
-            <a:endParaRPr dirty="0">
-              <a:solidFill>
-                <a:srgbClr val="666666"/>
-              </a:solidFill>
-            </a:endParaRPr>
-          </a:p>
-          <a:p>
-            <a:pPr marL="0" marR="0" lvl="0" indent="0" algn="l" rtl="0">
-              <a:lnSpc>
-                <a:spcPct val="100000"/>
-              </a:lnSpc>
-              <a:spcBef>
-                <a:spcPts val="0"/>
-              </a:spcBef>
-              <a:spcAft>
-                <a:spcPts val="0"/>
-              </a:spcAft>
-              <a:buClr>
-                <a:schemeClr val="dk1"/>
-              </a:buClr>
-              <a:buSzPts val="1100"/>
-              <a:buFont typeface="Arial"/>
-              <a:buNone/>
-            </a:pPr>
-            <a:r>
-              <a:rPr lang="en" dirty="0">
-                <a:solidFill>
-                  <a:srgbClr val="666666"/>
-                </a:solidFill>
-              </a:rPr>
-              <a:t>$profile = User::find(1)-&gt;</a:t>
-            </a:r>
-            <a:r>
-              <a:rPr lang="en" dirty="0" smtClean="0">
-                <a:solidFill>
-                  <a:srgbClr val="666666"/>
-                </a:solidFill>
-              </a:rPr>
-              <a:t>profile</a:t>
-            </a:r>
-            <a:r>
-              <a:rPr lang="en-US" dirty="0" smtClean="0">
-                <a:solidFill>
-                  <a:srgbClr val="666666"/>
-                </a:solidFill>
-              </a:rPr>
-              <a:t>()-&gt;</a:t>
-            </a:r>
-            <a:r>
-              <a:rPr lang="en-US" dirty="0" err="1" smtClean="0">
-                <a:solidFill>
-                  <a:srgbClr val="666666"/>
-                </a:solidFill>
-              </a:rPr>
-              <a:t>first_name</a:t>
-            </a:r>
-            <a:r>
-              <a:rPr lang="en" dirty="0" smtClean="0">
-                <a:solidFill>
-                  <a:srgbClr val="666666"/>
-                </a:solidFill>
-              </a:rPr>
-              <a:t>;</a:t>
-            </a:r>
-            <a:endParaRPr lang="bg-BG" dirty="0">
-              <a:solidFill>
-                <a:srgbClr val="666666"/>
-              </a:solidFill>
-            </a:endParaRPr>
-          </a:p>
-          <a:p>
-            <a:pPr marL="0" marR="0" lvl="0" indent="0" algn="l" rtl="0">
-              <a:lnSpc>
-                <a:spcPct val="100000"/>
-              </a:lnSpc>
-              <a:spcBef>
-                <a:spcPts val="0"/>
-              </a:spcBef>
-              <a:spcAft>
-                <a:spcPts val="0"/>
-              </a:spcAft>
-              <a:buClr>
-                <a:schemeClr val="dk1"/>
-              </a:buClr>
-              <a:buSzPts val="1100"/>
-              <a:buFont typeface="Arial"/>
-              <a:buNone/>
-            </a:pPr>
-            <a:endParaRPr dirty="0">
-              <a:solidFill>
-                <a:srgbClr val="666666"/>
-              </a:solidFill>
-            </a:endParaRPr>
-          </a:p>
-          <a:p>
-            <a:pPr marL="0" marR="0" lvl="0" indent="0" algn="l" rtl="0">
-              <a:lnSpc>
-                <a:spcPct val="100000"/>
-              </a:lnSpc>
-              <a:spcBef>
-                <a:spcPts val="0"/>
-              </a:spcBef>
-              <a:spcAft>
-                <a:spcPts val="0"/>
-              </a:spcAft>
-              <a:buClr>
-                <a:schemeClr val="dk2"/>
-              </a:buClr>
-              <a:buFont typeface="Arial"/>
-              <a:buNone/>
-            </a:pPr>
-            <a:endParaRPr dirty="0">
-              <a:solidFill>
-                <a:srgbClr val="666666"/>
-              </a:solidFill>
-            </a:endParaRPr>
-          </a:p>
-        </p:txBody>
-      </p:sp>
-      <p:sp>
-        <p:nvSpPr>
-          <p:cNvPr id="293" name="Google Shape;293;p48"/>
-          <p:cNvSpPr txBox="1"/>
-          <p:nvPr/>
-        </p:nvSpPr>
-        <p:spPr>
-          <a:xfrm>
-            <a:off x="0" y="30300"/>
-            <a:ext cx="6805500" cy="703800"/>
-          </a:xfrm>
-          <a:prstGeom prst="rect">
-            <a:avLst/>
-          </a:prstGeom>
-          <a:solidFill>
-            <a:srgbClr val="9933FF"/>
-          </a:solidFill>
-          <a:ln>
-            <a:noFill/>
-          </a:ln>
-        </p:spPr>
-        <p:txBody>
-          <a:bodyPr spcFirstLastPara="1" wrap="square" lIns="91425" tIns="91425" rIns="91425" bIns="91425" anchor="t" anchorCtr="0">
-            <a:noAutofit/>
-          </a:bodyPr>
-          <a:lstStyle/>
-          <a:p>
-            <a:pPr marL="0" lvl="0" indent="457200" algn="l" rtl="0">
-              <a:spcBef>
-                <a:spcPts val="0"/>
-              </a:spcBef>
-              <a:spcAft>
-                <a:spcPts val="0"/>
-              </a:spcAft>
-              <a:buClr>
-                <a:schemeClr val="dk1"/>
-              </a:buClr>
-              <a:buFont typeface="Calibri"/>
-              <a:buNone/>
-            </a:pPr>
-            <a:r>
-              <a:rPr lang="en" sz="3200" b="1">
-                <a:solidFill>
-                  <a:schemeClr val="lt1"/>
-                </a:solidFill>
-                <a:latin typeface="Calibri"/>
-                <a:ea typeface="Calibri"/>
-                <a:cs typeface="Calibri"/>
-                <a:sym typeface="Calibri"/>
-              </a:rPr>
-              <a:t>Eloquent Relationships</a:t>
-            </a:r>
-            <a:endParaRPr sz="3000" b="1">
-              <a:solidFill>
-                <a:schemeClr val="lt1"/>
-              </a:solidFill>
-              <a:latin typeface="Calibri"/>
-              <a:ea typeface="Calibri"/>
-              <a:cs typeface="Calibri"/>
-              <a:sym typeface="Calibri"/>
-            </a:endParaRPr>
-          </a:p>
-          <a:p>
-            <a:pPr marL="457200" marR="0" lvl="0" indent="0" algn="l" rtl="0">
-              <a:lnSpc>
-                <a:spcPct val="100000"/>
-              </a:lnSpc>
-              <a:spcBef>
-                <a:spcPts val="0"/>
-              </a:spcBef>
-              <a:spcAft>
-                <a:spcPts val="0"/>
-              </a:spcAft>
-              <a:buClr>
-                <a:srgbClr val="FFFFFF"/>
-              </a:buClr>
-              <a:buFont typeface="Arial"/>
-              <a:buNone/>
-            </a:pPr>
-            <a:endParaRPr sz="3600" b="1">
-              <a:solidFill>
-                <a:srgbClr val="FFFFFF"/>
-              </a:solidFill>
-            </a:endParaRPr>
-          </a:p>
-        </p:txBody>
-      </p:sp>
-    </p:spTree>
-    <p:extLst>
-      <p:ext uri="{BB962C8B-B14F-4D97-AF65-F5344CB8AC3E}">
-        <p14:creationId xmlns:p14="http://schemas.microsoft.com/office/powerpoint/2010/main" val="3900243181"/>
-      </p:ext>
-    </p:extLst>
-  </p:cSld>
-  <p:clrMapOvr>
-    <a:masterClrMapping/>
-  </p:clrMapOvr>
-  <p:transition spd="slow">
-    <p:fade thruBlk="1"/>
-  </p:transition>
-  <p:timing>
-    <p:tnLst>
-      <p:par>
-        <p:cTn id="1" dur="indefinite" restart="never" nodeType="tmRoot"/>
-      </p:par>
-    </p:tnLst>
-  </p:timing>
-</p:sld>
-</file>
-
-<file path=ppt/slides/slide19.xml><?xml version="1.0" encoding="utf-8"?>
-<p:sld xmlns:a="http://schemas.openxmlformats.org/drawingml/2006/main" xmlns:r="http://schemas.openxmlformats.org/officeDocument/2006/relationships" xmlns:p="http://schemas.openxmlformats.org/presentationml/2006/main">
-  <p:cSld>
-    <p:spTree>
-      <p:nvGrpSpPr>
         <p:cNvPr id="1" name="Shape 297"/>
         <p:cNvGrpSpPr/>
         <p:nvPr/>
@@ -18247,6 +17697,524 @@
       </p:par>
     </p:tnLst>
   </p:timing>
+</p:sld>
+</file>
+
+<file path=ppt/slides/slide19.xml><?xml version="1.0" encoding="utf-8"?>
+<p:sld xmlns:a="http://schemas.openxmlformats.org/drawingml/2006/main" xmlns:r="http://schemas.openxmlformats.org/officeDocument/2006/relationships" xmlns:p="http://schemas.openxmlformats.org/presentationml/2006/main">
+  <p:cSld>
+    <p:spTree>
+      <p:nvGrpSpPr>
+        <p:cNvPr id="1" name="Shape 304"/>
+        <p:cNvGrpSpPr/>
+        <p:nvPr/>
+      </p:nvGrpSpPr>
+      <p:grpSpPr>
+        <a:xfrm>
+          <a:off x="0" y="0"/>
+          <a:ext cx="0" cy="0"/>
+          <a:chOff x="0" y="0"/>
+          <a:chExt cx="0" cy="0"/>
+        </a:xfrm>
+      </p:grpSpPr>
+      <p:sp>
+        <p:nvSpPr>
+          <p:cNvPr id="305" name="Google Shape;305;p50"/>
+          <p:cNvSpPr/>
+          <p:nvPr/>
+        </p:nvSpPr>
+        <p:spPr>
+          <a:xfrm>
+            <a:off x="0" y="0"/>
+            <a:ext cx="9144000" cy="764400"/>
+          </a:xfrm>
+          <a:prstGeom prst="rect">
+            <a:avLst/>
+          </a:prstGeom>
+          <a:solidFill>
+            <a:srgbClr val="9933FF"/>
+          </a:solidFill>
+          <a:ln>
+            <a:noFill/>
+          </a:ln>
+        </p:spPr>
+        <p:txBody>
+          <a:bodyPr spcFirstLastPara="1" wrap="square" lIns="91425" tIns="91425" rIns="91425" bIns="91425" anchor="ctr" anchorCtr="0">
+            <a:noAutofit/>
+          </a:bodyPr>
+          <a:lstStyle/>
+          <a:p>
+            <a:pPr marL="0" marR="0" lvl="0" indent="0" algn="l" rtl="0">
+              <a:lnSpc>
+                <a:spcPct val="100000"/>
+              </a:lnSpc>
+              <a:spcBef>
+                <a:spcPts val="0"/>
+              </a:spcBef>
+              <a:spcAft>
+                <a:spcPts val="0"/>
+              </a:spcAft>
+              <a:buClr>
+                <a:srgbClr val="000000"/>
+              </a:buClr>
+              <a:buFont typeface="Arial"/>
+              <a:buNone/>
+            </a:pPr>
+            <a:endParaRPr sz="1400" b="0" i="0" u="none" strike="noStrike" cap="none">
+              <a:solidFill>
+                <a:srgbClr val="000000"/>
+              </a:solidFill>
+              <a:latin typeface="Arial"/>
+              <a:ea typeface="Arial"/>
+              <a:cs typeface="Arial"/>
+              <a:sym typeface="Arial"/>
+            </a:endParaRPr>
+          </a:p>
+        </p:txBody>
+      </p:sp>
+      <p:sp>
+        <p:nvSpPr>
+          <p:cNvPr id="306" name="Google Shape;306;p50"/>
+          <p:cNvSpPr txBox="1">
+            <a:spLocks noGrp="1"/>
+          </p:cNvSpPr>
+          <p:nvPr>
+            <p:ph type="body" idx="1"/>
+          </p:nvPr>
+        </p:nvSpPr>
+        <p:spPr>
+          <a:xfrm>
+            <a:off x="311700" y="1152475"/>
+            <a:ext cx="8520600" cy="3416400"/>
+          </a:xfrm>
+          <a:prstGeom prst="rect">
+            <a:avLst/>
+          </a:prstGeom>
+          <a:noFill/>
+          <a:ln>
+            <a:noFill/>
+          </a:ln>
+        </p:spPr>
+        <p:txBody>
+          <a:bodyPr spcFirstLastPara="1" wrap="square" lIns="91425" tIns="91425" rIns="91425" bIns="91425" anchor="t" anchorCtr="0">
+            <a:noAutofit/>
+          </a:bodyPr>
+          <a:lstStyle/>
+          <a:p>
+            <a:pPr marL="0" lvl="0" indent="0" algn="l" rtl="0">
+              <a:spcBef>
+                <a:spcPts val="0"/>
+              </a:spcBef>
+              <a:spcAft>
+                <a:spcPts val="0"/>
+              </a:spcAft>
+              <a:buClr>
+                <a:schemeClr val="dk1"/>
+              </a:buClr>
+              <a:buSzPts val="1100"/>
+              <a:buFont typeface="Arial"/>
+              <a:buNone/>
+            </a:pPr>
+            <a:r>
+              <a:rPr lang="en" sz="1400">
+                <a:solidFill>
+                  <a:schemeClr val="dk1"/>
+                </a:solidFill>
+              </a:rPr>
+              <a:t>Дефинираме обратната връзка чрез методът </a:t>
+            </a:r>
+            <a:r>
+              <a:rPr lang="en" sz="1400">
+                <a:solidFill>
+                  <a:srgbClr val="9933FF"/>
+                </a:solidFill>
+              </a:rPr>
+              <a:t>belongsTo</a:t>
+            </a:r>
+            <a:r>
+              <a:rPr lang="en" sz="1400">
+                <a:solidFill>
+                  <a:schemeClr val="dk1"/>
+                </a:solidFill>
+              </a:rPr>
+              <a:t>:</a:t>
+            </a:r>
+            <a:endParaRPr sz="1400">
+              <a:solidFill>
+                <a:schemeClr val="dk1"/>
+              </a:solidFill>
+            </a:endParaRPr>
+          </a:p>
+          <a:p>
+            <a:pPr marL="0" lvl="0" indent="0" algn="l" rtl="0">
+              <a:lnSpc>
+                <a:spcPct val="100000"/>
+              </a:lnSpc>
+              <a:spcBef>
+                <a:spcPts val="0"/>
+              </a:spcBef>
+              <a:spcAft>
+                <a:spcPts val="0"/>
+              </a:spcAft>
+              <a:buClr>
+                <a:schemeClr val="dk2"/>
+              </a:buClr>
+              <a:buFont typeface="Arial"/>
+              <a:buNone/>
+            </a:pPr>
+            <a:endParaRPr sz="1400" b="1">
+              <a:solidFill>
+                <a:schemeClr val="dk1"/>
+              </a:solidFill>
+            </a:endParaRPr>
+          </a:p>
+          <a:p>
+            <a:pPr marL="0" marR="0" lvl="0" indent="0" algn="l" rtl="0">
+              <a:lnSpc>
+                <a:spcPct val="100000"/>
+              </a:lnSpc>
+              <a:spcBef>
+                <a:spcPts val="0"/>
+              </a:spcBef>
+              <a:spcAft>
+                <a:spcPts val="0"/>
+              </a:spcAft>
+              <a:buClr>
+                <a:schemeClr val="dk1"/>
+              </a:buClr>
+              <a:buSzPts val="1100"/>
+              <a:buFont typeface="Arial"/>
+              <a:buNone/>
+            </a:pPr>
+            <a:r>
+              <a:rPr lang="en" sz="1400">
+                <a:solidFill>
+                  <a:schemeClr val="dk1"/>
+                </a:solidFill>
+              </a:rPr>
+              <a:t>namespace App;</a:t>
+            </a:r>
+            <a:br>
+              <a:rPr lang="en" sz="1400">
+                <a:solidFill>
+                  <a:schemeClr val="dk1"/>
+                </a:solidFill>
+              </a:rPr>
+            </a:br>
+            <a:r>
+              <a:rPr lang="en" sz="1400">
+                <a:solidFill>
+                  <a:schemeClr val="dk1"/>
+                </a:solidFill>
+              </a:rPr>
+              <a:t/>
+            </a:r>
+            <a:br>
+              <a:rPr lang="en" sz="1400">
+                <a:solidFill>
+                  <a:schemeClr val="dk1"/>
+                </a:solidFill>
+              </a:rPr>
+            </a:br>
+            <a:r>
+              <a:rPr lang="en" sz="1400">
+                <a:solidFill>
+                  <a:schemeClr val="dk1"/>
+                </a:solidFill>
+              </a:rPr>
+              <a:t>use Illuminate\Database\Eloquent\Model;</a:t>
+            </a:r>
+            <a:br>
+              <a:rPr lang="en" sz="1400">
+                <a:solidFill>
+                  <a:schemeClr val="dk1"/>
+                </a:solidFill>
+              </a:rPr>
+            </a:br>
+            <a:r>
+              <a:rPr lang="en" sz="1400">
+                <a:solidFill>
+                  <a:schemeClr val="dk1"/>
+                </a:solidFill>
+              </a:rPr>
+              <a:t/>
+            </a:r>
+            <a:br>
+              <a:rPr lang="en" sz="1400">
+                <a:solidFill>
+                  <a:schemeClr val="dk1"/>
+                </a:solidFill>
+              </a:rPr>
+            </a:br>
+            <a:r>
+              <a:rPr lang="en" sz="1400">
+                <a:solidFill>
+                  <a:schemeClr val="dk1"/>
+                </a:solidFill>
+              </a:rPr>
+              <a:t>class Profile extends Model</a:t>
+            </a:r>
+            <a:br>
+              <a:rPr lang="en" sz="1400">
+                <a:solidFill>
+                  <a:schemeClr val="dk1"/>
+                </a:solidFill>
+              </a:rPr>
+            </a:br>
+            <a:r>
+              <a:rPr lang="en" sz="1400">
+                <a:solidFill>
+                  <a:schemeClr val="dk1"/>
+                </a:solidFill>
+              </a:rPr>
+              <a:t>{</a:t>
+            </a:r>
+            <a:br>
+              <a:rPr lang="en" sz="1400">
+                <a:solidFill>
+                  <a:schemeClr val="dk1"/>
+                </a:solidFill>
+              </a:rPr>
+            </a:br>
+            <a:r>
+              <a:rPr lang="en" sz="1400">
+                <a:solidFill>
+                  <a:schemeClr val="dk1"/>
+                </a:solidFill>
+              </a:rPr>
+              <a:t>    /**</a:t>
+            </a:r>
+            <a:br>
+              <a:rPr lang="en" sz="1400">
+                <a:solidFill>
+                  <a:schemeClr val="dk1"/>
+                </a:solidFill>
+              </a:rPr>
+            </a:br>
+            <a:r>
+              <a:rPr lang="en" sz="1400">
+                <a:solidFill>
+                  <a:schemeClr val="dk1"/>
+                </a:solidFill>
+              </a:rPr>
+              <a:t>     * Get the user that owns the profile.</a:t>
+            </a:r>
+            <a:br>
+              <a:rPr lang="en" sz="1400">
+                <a:solidFill>
+                  <a:schemeClr val="dk1"/>
+                </a:solidFill>
+              </a:rPr>
+            </a:br>
+            <a:r>
+              <a:rPr lang="en" sz="1400">
+                <a:solidFill>
+                  <a:schemeClr val="dk1"/>
+                </a:solidFill>
+              </a:rPr>
+              <a:t>     */</a:t>
+            </a:r>
+            <a:br>
+              <a:rPr lang="en" sz="1400">
+                <a:solidFill>
+                  <a:schemeClr val="dk1"/>
+                </a:solidFill>
+              </a:rPr>
+            </a:br>
+            <a:r>
+              <a:rPr lang="en" sz="1400">
+                <a:solidFill>
+                  <a:schemeClr val="dk1"/>
+                </a:solidFill>
+              </a:rPr>
+              <a:t>    public function user()</a:t>
+            </a:r>
+            <a:br>
+              <a:rPr lang="en" sz="1400">
+                <a:solidFill>
+                  <a:schemeClr val="dk1"/>
+                </a:solidFill>
+              </a:rPr>
+            </a:br>
+            <a:r>
+              <a:rPr lang="en" sz="1400">
+                <a:solidFill>
+                  <a:schemeClr val="dk1"/>
+                </a:solidFill>
+              </a:rPr>
+              <a:t>    {</a:t>
+            </a:r>
+            <a:br>
+              <a:rPr lang="en" sz="1400">
+                <a:solidFill>
+                  <a:schemeClr val="dk1"/>
+                </a:solidFill>
+              </a:rPr>
+            </a:br>
+            <a:r>
+              <a:rPr lang="en" sz="1400">
+                <a:solidFill>
+                  <a:schemeClr val="dk1"/>
+                </a:solidFill>
+              </a:rPr>
+              <a:t>        return $this-&gt;belongsTo('App\User');</a:t>
+            </a:r>
+            <a:br>
+              <a:rPr lang="en" sz="1400">
+                <a:solidFill>
+                  <a:schemeClr val="dk1"/>
+                </a:solidFill>
+              </a:rPr>
+            </a:br>
+            <a:r>
+              <a:rPr lang="en" sz="1400">
+                <a:solidFill>
+                  <a:schemeClr val="dk1"/>
+                </a:solidFill>
+              </a:rPr>
+              <a:t>    }</a:t>
+            </a:r>
+            <a:br>
+              <a:rPr lang="en" sz="1400">
+                <a:solidFill>
+                  <a:schemeClr val="dk1"/>
+                </a:solidFill>
+              </a:rPr>
+            </a:br>
+            <a:r>
+              <a:rPr lang="en" sz="1400">
+                <a:solidFill>
+                  <a:schemeClr val="dk1"/>
+                </a:solidFill>
+              </a:rPr>
+              <a:t>}</a:t>
+            </a:r>
+            <a:endParaRPr sz="1400">
+              <a:solidFill>
+                <a:schemeClr val="dk1"/>
+              </a:solidFill>
+            </a:endParaRPr>
+          </a:p>
+          <a:p>
+            <a:pPr marL="0" marR="0" lvl="0" indent="0" algn="l" rtl="0">
+              <a:lnSpc>
+                <a:spcPct val="100000"/>
+              </a:lnSpc>
+              <a:spcBef>
+                <a:spcPts val="0"/>
+              </a:spcBef>
+              <a:spcAft>
+                <a:spcPts val="0"/>
+              </a:spcAft>
+              <a:buClr>
+                <a:schemeClr val="dk2"/>
+              </a:buClr>
+              <a:buFont typeface="Arial"/>
+              <a:buNone/>
+            </a:pPr>
+            <a:endParaRPr sz="1400" b="1">
+              <a:solidFill>
+                <a:schemeClr val="dk1"/>
+              </a:solidFill>
+            </a:endParaRPr>
+          </a:p>
+        </p:txBody>
+      </p:sp>
+      <p:sp>
+        <p:nvSpPr>
+          <p:cNvPr id="307" name="Google Shape;307;p50"/>
+          <p:cNvSpPr txBox="1"/>
+          <p:nvPr/>
+        </p:nvSpPr>
+        <p:spPr>
+          <a:xfrm>
+            <a:off x="0" y="30300"/>
+            <a:ext cx="6805500" cy="703800"/>
+          </a:xfrm>
+          <a:prstGeom prst="rect">
+            <a:avLst/>
+          </a:prstGeom>
+          <a:solidFill>
+            <a:srgbClr val="9933FF"/>
+          </a:solidFill>
+          <a:ln>
+            <a:noFill/>
+          </a:ln>
+        </p:spPr>
+        <p:txBody>
+          <a:bodyPr spcFirstLastPara="1" wrap="square" lIns="91425" tIns="91425" rIns="91425" bIns="91425" anchor="t" anchorCtr="0">
+            <a:noAutofit/>
+          </a:bodyPr>
+          <a:lstStyle/>
+          <a:p>
+            <a:pPr marL="0" lvl="0" indent="457200" algn="l" rtl="0">
+              <a:spcBef>
+                <a:spcPts val="0"/>
+              </a:spcBef>
+              <a:spcAft>
+                <a:spcPts val="0"/>
+              </a:spcAft>
+              <a:buClr>
+                <a:schemeClr val="dk1"/>
+              </a:buClr>
+              <a:buFont typeface="Calibri"/>
+              <a:buNone/>
+            </a:pPr>
+            <a:r>
+              <a:rPr lang="en" sz="3200" b="1">
+                <a:solidFill>
+                  <a:schemeClr val="lt1"/>
+                </a:solidFill>
+                <a:latin typeface="Calibri"/>
+                <a:ea typeface="Calibri"/>
+                <a:cs typeface="Calibri"/>
+                <a:sym typeface="Calibri"/>
+              </a:rPr>
+              <a:t>Eloquent Relationships</a:t>
+            </a:r>
+            <a:endParaRPr sz="3000" b="1">
+              <a:solidFill>
+                <a:schemeClr val="lt1"/>
+              </a:solidFill>
+              <a:latin typeface="Calibri"/>
+              <a:ea typeface="Calibri"/>
+              <a:cs typeface="Calibri"/>
+              <a:sym typeface="Calibri"/>
+            </a:endParaRPr>
+          </a:p>
+          <a:p>
+            <a:pPr marL="457200" marR="0" lvl="0" indent="0" algn="l" rtl="0">
+              <a:lnSpc>
+                <a:spcPct val="100000"/>
+              </a:lnSpc>
+              <a:spcBef>
+                <a:spcPts val="0"/>
+              </a:spcBef>
+              <a:spcAft>
+                <a:spcPts val="0"/>
+              </a:spcAft>
+              <a:buClr>
+                <a:srgbClr val="FFFFFF"/>
+              </a:buClr>
+              <a:buFont typeface="Arial"/>
+              <a:buNone/>
+            </a:pPr>
+            <a:endParaRPr sz="3600" b="1">
+              <a:solidFill>
+                <a:srgbClr val="FFFFFF"/>
+              </a:solidFill>
+            </a:endParaRPr>
+          </a:p>
+        </p:txBody>
+      </p:sp>
+    </p:spTree>
+  </p:cSld>
+  <p:clrMapOvr>
+    <a:masterClrMapping/>
+  </p:clrMapOvr>
+  <p:transition spd="slow">
+    <p:fade thruBlk="1"/>
+  </p:transition>
 </p:sld>
 </file>
 
@@ -18655,52 +18623,56 @@
           </a:bodyPr>
           <a:lstStyle/>
           <a:p>
-            <a:pPr marL="0" lvl="0" indent="0" algn="l" rtl="0">
-              <a:spcBef>
-                <a:spcPts val="0"/>
-              </a:spcBef>
-              <a:spcAft>
-                <a:spcPts val="0"/>
-              </a:spcAft>
-              <a:buClr>
-                <a:schemeClr val="dk1"/>
-              </a:buClr>
-              <a:buSzPts val="1100"/>
-              <a:buFont typeface="Arial"/>
-              <a:buNone/>
-            </a:pPr>
-            <a:r>
-              <a:rPr lang="en" sz="1400">
-                <a:solidFill>
-                  <a:schemeClr val="dk1"/>
-                </a:solidFill>
-              </a:rPr>
-              <a:t>Дефинираме обратната връзка чрез методът </a:t>
-            </a:r>
-            <a:r>
-              <a:rPr lang="en" sz="1400">
-                <a:solidFill>
-                  <a:srgbClr val="9933FF"/>
-                </a:solidFill>
-              </a:rPr>
-              <a:t>belongsTo</a:t>
-            </a:r>
-            <a:r>
-              <a:rPr lang="en" sz="1400">
-                <a:solidFill>
-                  <a:schemeClr val="dk1"/>
-                </a:solidFill>
-              </a:rPr>
-              <a:t>:</a:t>
-            </a:r>
-            <a:endParaRPr sz="1400">
+            <a:pPr marL="0" marR="0" lvl="0" indent="0" algn="l" rtl="0">
+              <a:lnSpc>
+                <a:spcPct val="100000"/>
+              </a:lnSpc>
+              <a:spcBef>
+                <a:spcPts val="0"/>
+              </a:spcBef>
+              <a:spcAft>
+                <a:spcPts val="0"/>
+              </a:spcAft>
+              <a:buClr>
+                <a:schemeClr val="dk2"/>
+              </a:buClr>
+              <a:buFont typeface="Arial"/>
+              <a:buNone/>
+            </a:pPr>
+            <a:r>
+              <a:rPr lang="bg-BG" sz="1400" dirty="0" smtClean="0">
+                <a:solidFill>
+                  <a:schemeClr val="dk1"/>
+                </a:solidFill>
+              </a:rPr>
+              <a:t>Получаваме възможност да </a:t>
+            </a:r>
+          </a:p>
+          <a:p>
+            <a:pPr marL="0" marR="0" lvl="0" indent="0" algn="l" rtl="0">
+              <a:lnSpc>
+                <a:spcPct val="100000"/>
+              </a:lnSpc>
+              <a:spcBef>
+                <a:spcPts val="0"/>
+              </a:spcBef>
+              <a:spcAft>
+                <a:spcPts val="0"/>
+              </a:spcAft>
+              <a:buClr>
+                <a:schemeClr val="dk2"/>
+              </a:buClr>
+              <a:buFont typeface="Arial"/>
+              <a:buNone/>
+            </a:pPr>
+            <a:endParaRPr lang="bg-BG" sz="1400" dirty="0">
               <a:solidFill>
                 <a:schemeClr val="dk1"/>
               </a:solidFill>
             </a:endParaRPr>
           </a:p>
           <a:p>
-            <a:pPr marL="0" lvl="0" indent="0" algn="l" rtl="0">
+            <a:pPr marL="0" marR="0" lvl="0" indent="0" algn="l" rtl="0">
               <a:lnSpc>
                 <a:spcPct val="100000"/>
               </a:lnSpc>
@@ -18716,9 +18688,51 @@
               <a:buFont typeface="Arial"/>
               <a:buNone/>
             </a:pPr>
-            <a:endParaRPr sz="1400" b="1">
+            <a:r>
+              <a:rPr lang="en-US" sz="1400" dirty="0" smtClean="0">
+                <a:solidFill>
+                  <a:srgbClr val="6600FF"/>
+                </a:solidFill>
+              </a:rPr>
+              <a:t>$</a:t>
+            </a:r>
+            <a:r>
+              <a:rPr lang="en-US" sz="1400" dirty="0" err="1" smtClean="0">
+                <a:solidFill>
+                  <a:srgbClr val="6600FF"/>
+                </a:solidFill>
+              </a:rPr>
+              <a:t>profile_user</a:t>
+            </a:r>
+            <a:r>
+              <a:rPr lang="en-US" sz="1400" dirty="0" smtClean="0">
+                <a:solidFill>
+                  <a:srgbClr val="6600FF"/>
+                </a:solidFill>
+              </a:rPr>
+              <a:t> = Profile::find($id)-&gt;user()-&gt;username;</a:t>
+            </a:r>
+          </a:p>
+          <a:p>
+            <a:pPr marL="0" marR="0" lvl="0" indent="0" algn="l" rtl="0">
+              <a:lnSpc>
+                <a:spcPct val="100000"/>
+              </a:lnSpc>
+              <a:spcBef>
+                <a:spcPts val="0"/>
+              </a:spcBef>
+              <a:spcAft>
+                <a:spcPts val="0"/>
+              </a:spcAft>
+              <a:buClr>
+                <a:schemeClr val="dk2"/>
+              </a:buClr>
+              <a:buFont typeface="Arial"/>
+              <a:buNone/>
+            </a:pPr>
+            <a:endParaRPr lang="en-US" sz="1400" dirty="0">
               <a:solidFill>
-                <a:schemeClr val="dk1"/>
+                <a:srgbClr val="6600FF"/>
               </a:solidFill>
             </a:endParaRPr>
           </a:p>
@@ -18734,216 +18748,78 @@
                 <a:spcPts val="0"/>
               </a:spcAft>
               <a:buClr>
-                <a:schemeClr val="dk1"/>
-              </a:buClr>
-              <a:buSzPts val="1100"/>
-              <a:buFont typeface="Arial"/>
-              <a:buNone/>
-            </a:pPr>
-            <a:r>
-              <a:rPr lang="en" sz="1400">
-                <a:solidFill>
-                  <a:schemeClr val="dk1"/>
-                </a:solidFill>
-              </a:rPr>
-              <a:t>namespace App;</a:t>
-            </a:r>
-            <a:br>
-              <a:rPr lang="en" sz="1400">
-                <a:solidFill>
-                  <a:schemeClr val="dk1"/>
-                </a:solidFill>
-              </a:rPr>
-            </a:br>
-            <a:r>
-              <a:rPr lang="en" sz="1400">
-                <a:solidFill>
-                  <a:schemeClr val="dk1"/>
-                </a:solidFill>
-              </a:rPr>
-              <a:t/>
-            </a:r>
-            <a:br>
-              <a:rPr lang="en" sz="1400">
-                <a:solidFill>
-                  <a:schemeClr val="dk1"/>
-                </a:solidFill>
-              </a:rPr>
-            </a:br>
-            <a:r>
-              <a:rPr lang="en" sz="1400">
-                <a:solidFill>
-                  <a:schemeClr val="dk1"/>
-                </a:solidFill>
-              </a:rPr>
-              <a:t>use Illuminate\Database\Eloquent\Model;</a:t>
-            </a:r>
-            <a:br>
-              <a:rPr lang="en" sz="1400">
-                <a:solidFill>
-                  <a:schemeClr val="dk1"/>
-                </a:solidFill>
-              </a:rPr>
-            </a:br>
-            <a:r>
-              <a:rPr lang="en" sz="1400">
-                <a:solidFill>
-                  <a:schemeClr val="dk1"/>
-                </a:solidFill>
-              </a:rPr>
-              <a:t/>
-            </a:r>
-            <a:br>
-              <a:rPr lang="en" sz="1400">
-                <a:solidFill>
-                  <a:schemeClr val="dk1"/>
-                </a:solidFill>
-              </a:rPr>
-            </a:br>
-            <a:r>
-              <a:rPr lang="en" sz="1400">
-                <a:solidFill>
-                  <a:schemeClr val="dk1"/>
-                </a:solidFill>
-              </a:rPr>
-              <a:t>class Profile extends Model</a:t>
-            </a:r>
-            <a:br>
-              <a:rPr lang="en" sz="1400">
-                <a:solidFill>
-                  <a:schemeClr val="dk1"/>
-                </a:solidFill>
-              </a:rPr>
-            </a:br>
-            <a:r>
-              <a:rPr lang="en" sz="1400">
-                <a:solidFill>
-                  <a:schemeClr val="dk1"/>
-                </a:solidFill>
-              </a:rPr>
-              <a:t>{</a:t>
-            </a:r>
-            <a:br>
-              <a:rPr lang="en" sz="1400">
-                <a:solidFill>
-                  <a:schemeClr val="dk1"/>
-                </a:solidFill>
-              </a:rPr>
-            </a:br>
-            <a:r>
-              <a:rPr lang="en" sz="1400">
-                <a:solidFill>
-                  <a:schemeClr val="dk1"/>
-                </a:solidFill>
-              </a:rPr>
-              <a:t>    /**</a:t>
-            </a:r>
-            <a:br>
-              <a:rPr lang="en" sz="1400">
-                <a:solidFill>
-                  <a:schemeClr val="dk1"/>
-                </a:solidFill>
-              </a:rPr>
-            </a:br>
-            <a:r>
-              <a:rPr lang="en" sz="1400">
-                <a:solidFill>
-                  <a:schemeClr val="dk1"/>
-                </a:solidFill>
-              </a:rPr>
-              <a:t>     * Get the user that owns the profile.</a:t>
-            </a:r>
-            <a:br>
-              <a:rPr lang="en" sz="1400">
-                <a:solidFill>
-                  <a:schemeClr val="dk1"/>
-                </a:solidFill>
-              </a:rPr>
-            </a:br>
-            <a:r>
-              <a:rPr lang="en" sz="1400">
-                <a:solidFill>
-                  <a:schemeClr val="dk1"/>
-                </a:solidFill>
-              </a:rPr>
-              <a:t>     */</a:t>
-            </a:r>
-            <a:br>
-              <a:rPr lang="en" sz="1400">
-                <a:solidFill>
-                  <a:schemeClr val="dk1"/>
-                </a:solidFill>
-              </a:rPr>
-            </a:br>
-            <a:r>
-              <a:rPr lang="en" sz="1400">
-                <a:solidFill>
-                  <a:schemeClr val="dk1"/>
-                </a:solidFill>
-              </a:rPr>
-              <a:t>    public function user()</a:t>
-            </a:r>
-            <a:br>
-              <a:rPr lang="en" sz="1400">
-                <a:solidFill>
-                  <a:schemeClr val="dk1"/>
-                </a:solidFill>
-              </a:rPr>
-            </a:br>
-            <a:r>
-              <a:rPr lang="en" sz="1400">
-                <a:solidFill>
-                  <a:schemeClr val="dk1"/>
-                </a:solidFill>
-              </a:rPr>
-              <a:t>    {</a:t>
-            </a:r>
-            <a:br>
-              <a:rPr lang="en" sz="1400">
-                <a:solidFill>
-                  <a:schemeClr val="dk1"/>
-                </a:solidFill>
-              </a:rPr>
-            </a:br>
-            <a:r>
-              <a:rPr lang="en" sz="1400">
-                <a:solidFill>
-                  <a:schemeClr val="dk1"/>
-                </a:solidFill>
-              </a:rPr>
-              <a:t>        return $this-&gt;belongsTo('App\User');</a:t>
-            </a:r>
-            <a:br>
-              <a:rPr lang="en" sz="1400">
-                <a:solidFill>
-                  <a:schemeClr val="dk1"/>
-                </a:solidFill>
-              </a:rPr>
-            </a:br>
-            <a:r>
-              <a:rPr lang="en" sz="1400">
-                <a:solidFill>
-                  <a:schemeClr val="dk1"/>
-                </a:solidFill>
-              </a:rPr>
-              <a:t>    }</a:t>
-            </a:r>
-            <a:br>
-              <a:rPr lang="en" sz="1400">
-                <a:solidFill>
-                  <a:schemeClr val="dk1"/>
-                </a:solidFill>
-              </a:rPr>
-            </a:br>
-            <a:r>
-              <a:rPr lang="en" sz="1400">
-                <a:solidFill>
-                  <a:schemeClr val="dk1"/>
-                </a:solidFill>
-              </a:rPr>
-              <a:t>}</a:t>
-            </a:r>
-            <a:endParaRPr sz="1400">
+                <a:schemeClr val="dk2"/>
+              </a:buClr>
+              <a:buFont typeface="Arial"/>
+              <a:buNone/>
+            </a:pPr>
+            <a:r>
+              <a:rPr lang="bg-BG" sz="1400" dirty="0" err="1" smtClean="0">
+                <a:solidFill>
+                  <a:schemeClr val="dk1"/>
+                </a:solidFill>
+              </a:rPr>
+              <a:t>достъпим</a:t>
+            </a:r>
+            <a:r>
+              <a:rPr lang="bg-BG" sz="1400" dirty="0" smtClean="0">
+                <a:solidFill>
+                  <a:schemeClr val="dk1"/>
+                </a:solidFill>
+              </a:rPr>
+              <a:t> всяко от свойствата на класа обекта от клас </a:t>
+            </a:r>
+            <a:r>
+              <a:rPr lang="en-US" sz="1400" dirty="0" smtClean="0">
+                <a:solidFill>
+                  <a:schemeClr val="dk1"/>
+                </a:solidFill>
+              </a:rPr>
+              <a:t>User </a:t>
+            </a:r>
+            <a:r>
+              <a:rPr lang="bg-BG" sz="1400" dirty="0" smtClean="0">
+                <a:solidFill>
+                  <a:schemeClr val="dk1"/>
+                </a:solidFill>
+              </a:rPr>
+              <a:t>през свързания обект от клас </a:t>
+            </a:r>
+            <a:r>
+              <a:rPr lang="en-US" sz="1400" dirty="0" smtClean="0">
+                <a:solidFill>
+                  <a:schemeClr val="dk1"/>
+                </a:solidFill>
+              </a:rPr>
+              <a:t>Profile.</a:t>
+            </a:r>
+            <a:r>
+              <a:rPr lang="bg-BG" sz="1400" dirty="0" smtClean="0">
+                <a:solidFill>
+                  <a:schemeClr val="dk1"/>
+                </a:solidFill>
+              </a:rPr>
+              <a:t> </a:t>
+            </a:r>
+          </a:p>
+          <a:p>
+            <a:pPr marL="0" marR="0" lvl="0" indent="0" algn="l" rtl="0">
+              <a:lnSpc>
+                <a:spcPct val="100000"/>
+              </a:lnSpc>
+              <a:spcBef>
+                <a:spcPts val="0"/>
+              </a:spcBef>
+              <a:spcAft>
+                <a:spcPts val="0"/>
+              </a:spcAft>
+              <a:buClr>
+                <a:schemeClr val="dk2"/>
+              </a:buClr>
+              <a:buFont typeface="Arial"/>
+              <a:buNone/>
+            </a:pPr>
+            <a:endParaRPr lang="bg-BG" sz="1400" dirty="0">
               <a:solidFill>
                 <a:schemeClr val="dk1"/>
               </a:solidFill>
@@ -18966,9 +18842,192 @@
               <a:buFont typeface="Arial"/>
               <a:buNone/>
             </a:pPr>
-            <a:endParaRPr sz="1400" b="1">
+            <a:r>
+              <a:rPr lang="en-US" sz="1400" dirty="0" smtClean="0">
+                <a:solidFill>
+                  <a:srgbClr val="6600FF"/>
+                </a:solidFill>
+              </a:rPr>
+              <a:t>$</a:t>
+            </a:r>
+            <a:r>
+              <a:rPr lang="en-US" sz="1400" dirty="0" err="1" smtClean="0">
+                <a:solidFill>
+                  <a:srgbClr val="6600FF"/>
+                </a:solidFill>
+              </a:rPr>
+              <a:t>user_first_name</a:t>
+            </a:r>
+            <a:r>
+              <a:rPr lang="en-US" sz="1400" dirty="0" smtClean="0">
+                <a:solidFill>
+                  <a:srgbClr val="6600FF"/>
+                </a:solidFill>
+              </a:rPr>
+              <a:t> = User::find($id)-&gt;profile()-&gt;</a:t>
+            </a:r>
+            <a:r>
+              <a:rPr lang="en-US" sz="1400" dirty="0" err="1" smtClean="0">
+                <a:solidFill>
+                  <a:srgbClr val="6600FF"/>
+                </a:solidFill>
+              </a:rPr>
+              <a:t>first_name</a:t>
+            </a:r>
+            <a:endParaRPr lang="bg-BG" sz="1400" dirty="0" smtClean="0">
               <a:solidFill>
-                <a:schemeClr val="dk1"/>
+                <a:srgbClr val="6600FF"/>
+              </a:solidFill>
+            </a:endParaRPr>
+          </a:p>
+          <a:p>
+            <a:pPr marL="0" marR="0" lvl="0" indent="0" algn="l" rtl="0">
+              <a:lnSpc>
+                <a:spcPct val="100000"/>
+              </a:lnSpc>
+              <a:spcBef>
+                <a:spcPts val="0"/>
+              </a:spcBef>
+              <a:spcAft>
+                <a:spcPts val="0"/>
+              </a:spcAft>
+              <a:buClr>
+                <a:schemeClr val="dk2"/>
+              </a:buClr>
+              <a:buFont typeface="Arial"/>
+              <a:buNone/>
+            </a:pPr>
+            <a:endParaRPr lang="bg-BG" sz="1400" dirty="0">
+              <a:solidFill>
+                <a:schemeClr val="tx1">
+                  <a:lumMod val="85000"/>
+                  <a:lumOff val="15000"/>
+                </a:schemeClr>
+              </a:solidFill>
+            </a:endParaRPr>
+          </a:p>
+          <a:p>
+            <a:pPr marL="0" marR="0" lvl="0" indent="0" algn="l" rtl="0">
+              <a:lnSpc>
+                <a:spcPct val="100000"/>
+              </a:lnSpc>
+              <a:spcBef>
+                <a:spcPts val="0"/>
+              </a:spcBef>
+              <a:spcAft>
+                <a:spcPts val="0"/>
+              </a:spcAft>
+              <a:buClr>
+                <a:schemeClr val="dk2"/>
+              </a:buClr>
+              <a:buFont typeface="Arial"/>
+              <a:buNone/>
+            </a:pPr>
+            <a:r>
+              <a:rPr lang="bg-BG" sz="1400" dirty="0" err="1" smtClean="0">
+                <a:solidFill>
+                  <a:schemeClr val="tx1">
+                    <a:lumMod val="85000"/>
+                    <a:lumOff val="15000"/>
+                  </a:schemeClr>
+                </a:solidFill>
+              </a:rPr>
+              <a:t>Достъпим</a:t>
+            </a:r>
+            <a:r>
+              <a:rPr lang="bg-BG" sz="1400" dirty="0" smtClean="0">
+                <a:solidFill>
+                  <a:schemeClr val="tx1">
+                    <a:lumMod val="85000"/>
+                    <a:lumOff val="15000"/>
+                  </a:schemeClr>
+                </a:solidFill>
+              </a:rPr>
+              <a:t> всяко от свойствата на обекта от клас </a:t>
+            </a:r>
+            <a:r>
+              <a:rPr lang="en-US" sz="1400" dirty="0" smtClean="0">
+                <a:solidFill>
+                  <a:schemeClr val="tx1">
+                    <a:lumMod val="85000"/>
+                    <a:lumOff val="15000"/>
+                  </a:schemeClr>
+                </a:solidFill>
+              </a:rPr>
+              <a:t>Profile </a:t>
+            </a:r>
+            <a:r>
+              <a:rPr lang="bg-BG" sz="1400" dirty="0" smtClean="0">
+                <a:solidFill>
+                  <a:schemeClr val="tx1">
+                    <a:lumMod val="85000"/>
+                    <a:lumOff val="15000"/>
+                  </a:schemeClr>
+                </a:solidFill>
+              </a:rPr>
+              <a:t>през свързания обект от клас </a:t>
+            </a:r>
+            <a:r>
+              <a:rPr lang="en-US" sz="1400" dirty="0" smtClean="0">
+                <a:solidFill>
+                  <a:schemeClr val="tx1">
+                    <a:lumMod val="85000"/>
+                    <a:lumOff val="15000"/>
+                  </a:schemeClr>
+                </a:solidFill>
+              </a:rPr>
+              <a:t>User</a:t>
+            </a:r>
+          </a:p>
+          <a:p>
+            <a:pPr marL="0" marR="0" lvl="0" indent="0" algn="l" rtl="0">
+              <a:lnSpc>
+                <a:spcPct val="100000"/>
+              </a:lnSpc>
+              <a:spcBef>
+                <a:spcPts val="0"/>
+              </a:spcBef>
+              <a:spcAft>
+                <a:spcPts val="0"/>
+              </a:spcAft>
+              <a:buClr>
+                <a:schemeClr val="dk2"/>
+              </a:buClr>
+              <a:buFont typeface="Arial"/>
+              <a:buNone/>
+            </a:pPr>
+            <a:endParaRPr lang="en-US" sz="1400" dirty="0">
+              <a:solidFill>
+                <a:schemeClr val="tx1">
+                  <a:lumMod val="85000"/>
+                  <a:lumOff val="15000"/>
+                </a:schemeClr>
+              </a:solidFill>
+            </a:endParaRPr>
+          </a:p>
+          <a:p>
+            <a:pPr marL="0" marR="0" lvl="0" indent="0" algn="l" rtl="0">
+              <a:lnSpc>
+                <a:spcPct val="100000"/>
+              </a:lnSpc>
+              <a:spcBef>
+                <a:spcPts val="0"/>
+              </a:spcBef>
+              <a:spcAft>
+                <a:spcPts val="0"/>
+              </a:spcAft>
+              <a:buClr>
+                <a:schemeClr val="dk2"/>
+              </a:buClr>
+              <a:buFont typeface="Arial"/>
+              <a:buNone/>
+            </a:pPr>
+            <a:endParaRPr sz="1400" dirty="0">
+              <a:solidFill>
+                <a:schemeClr val="tx1">
+                  <a:lumMod val="85000"/>
+                  <a:lumOff val="15000"/>
+                </a:schemeClr>
               </a:solidFill>
             </a:endParaRPr>
           </a:p>
@@ -19062,615 +19121,6 @@
         </p:txBody>
       </p:sp>
     </p:spTree>
-  </p:cSld>
-  <p:clrMapOvr>
-    <a:masterClrMapping/>
-  </p:clrMapOvr>
-  <p:transition spd="slow">
-    <p:fade thruBlk="1"/>
-  </p:transition>
-</p:sld>
-</file>
-
-<file path=ppt/slides/slide21.xml><?xml version="1.0" encoding="utf-8"?>
-<p:sld xmlns:a="http://schemas.openxmlformats.org/drawingml/2006/main" xmlns:r="http://schemas.openxmlformats.org/officeDocument/2006/relationships" xmlns:p="http://schemas.openxmlformats.org/presentationml/2006/main">
-  <p:cSld>
-    <p:spTree>
-      <p:nvGrpSpPr>
-        <p:cNvPr id="1" name="Shape 304"/>
-        <p:cNvGrpSpPr/>
-        <p:nvPr/>
-      </p:nvGrpSpPr>
-      <p:grpSpPr>
-        <a:xfrm>
-          <a:off x="0" y="0"/>
-          <a:ext cx="0" cy="0"/>
-          <a:chOff x="0" y="0"/>
-          <a:chExt cx="0" cy="0"/>
-        </a:xfrm>
-      </p:grpSpPr>
-      <p:sp>
-        <p:nvSpPr>
-          <p:cNvPr id="305" name="Google Shape;305;p50"/>
-          <p:cNvSpPr/>
-          <p:nvPr/>
-        </p:nvSpPr>
-        <p:spPr>
-          <a:xfrm>
-            <a:off x="0" y="0"/>
-            <a:ext cx="9144000" cy="764400"/>
-          </a:xfrm>
-          <a:prstGeom prst="rect">
-            <a:avLst/>
-          </a:prstGeom>
-          <a:solidFill>
-            <a:srgbClr val="9933FF"/>
-          </a:solidFill>
-          <a:ln>
-            <a:noFill/>
-          </a:ln>
-        </p:spPr>
-        <p:txBody>
-          <a:bodyPr spcFirstLastPara="1" wrap="square" lIns="91425" tIns="91425" rIns="91425" bIns="91425" anchor="ctr" anchorCtr="0">
-            <a:noAutofit/>
-          </a:bodyPr>
-          <a:lstStyle/>
-          <a:p>
-            <a:pPr marL="0" marR="0" lvl="0" indent="0" algn="l" rtl="0">
-              <a:lnSpc>
-                <a:spcPct val="100000"/>
-              </a:lnSpc>
-              <a:spcBef>
-                <a:spcPts val="0"/>
-              </a:spcBef>
-              <a:spcAft>
-                <a:spcPts val="0"/>
-              </a:spcAft>
-              <a:buClr>
-                <a:srgbClr val="000000"/>
-              </a:buClr>
-              <a:buFont typeface="Arial"/>
-              <a:buNone/>
-            </a:pPr>
-            <a:endParaRPr sz="1400" b="0" i="0" u="none" strike="noStrike" cap="none">
-              <a:solidFill>
-                <a:srgbClr val="000000"/>
-              </a:solidFill>
-              <a:latin typeface="Arial"/>
-              <a:ea typeface="Arial"/>
-              <a:cs typeface="Arial"/>
-              <a:sym typeface="Arial"/>
-            </a:endParaRPr>
-          </a:p>
-        </p:txBody>
-      </p:sp>
-      <p:sp>
-        <p:nvSpPr>
-          <p:cNvPr id="306" name="Google Shape;306;p50"/>
-          <p:cNvSpPr txBox="1">
-            <a:spLocks noGrp="1"/>
-          </p:cNvSpPr>
-          <p:nvPr>
-            <p:ph type="body" idx="1"/>
-          </p:nvPr>
-        </p:nvSpPr>
-        <p:spPr>
-          <a:xfrm>
-            <a:off x="311700" y="1152475"/>
-            <a:ext cx="8520600" cy="3416400"/>
-          </a:xfrm>
-          <a:prstGeom prst="rect">
-            <a:avLst/>
-          </a:prstGeom>
-          <a:noFill/>
-          <a:ln>
-            <a:noFill/>
-          </a:ln>
-        </p:spPr>
-        <p:txBody>
-          <a:bodyPr spcFirstLastPara="1" wrap="square" lIns="91425" tIns="91425" rIns="91425" bIns="91425" anchor="t" anchorCtr="0">
-            <a:noAutofit/>
-          </a:bodyPr>
-          <a:lstStyle/>
-          <a:p>
-            <a:pPr marL="0" marR="0" lvl="0" indent="0" algn="l" rtl="0">
-              <a:lnSpc>
-                <a:spcPct val="100000"/>
-              </a:lnSpc>
-              <a:spcBef>
-                <a:spcPts val="0"/>
-              </a:spcBef>
-              <a:spcAft>
-                <a:spcPts val="0"/>
-              </a:spcAft>
-              <a:buClr>
-                <a:schemeClr val="dk2"/>
-              </a:buClr>
-              <a:buFont typeface="Arial"/>
-              <a:buNone/>
-            </a:pPr>
-            <a:r>
-              <a:rPr lang="bg-BG" sz="1400" dirty="0" smtClean="0">
-                <a:solidFill>
-                  <a:schemeClr val="dk1"/>
-                </a:solidFill>
-              </a:rPr>
-              <a:t>Получаваме възможност да </a:t>
-            </a:r>
-          </a:p>
-          <a:p>
-            <a:pPr marL="0" marR="0" lvl="0" indent="0" algn="l" rtl="0">
-              <a:lnSpc>
-                <a:spcPct val="100000"/>
-              </a:lnSpc>
-              <a:spcBef>
-                <a:spcPts val="0"/>
-              </a:spcBef>
-              <a:spcAft>
-                <a:spcPts val="0"/>
-              </a:spcAft>
-              <a:buClr>
-                <a:schemeClr val="dk2"/>
-              </a:buClr>
-              <a:buFont typeface="Arial"/>
-              <a:buNone/>
-            </a:pPr>
-            <a:endParaRPr lang="bg-BG" sz="1400" dirty="0">
-              <a:solidFill>
-                <a:schemeClr val="dk1"/>
-              </a:solidFill>
-            </a:endParaRPr>
-          </a:p>
-          <a:p>
-            <a:pPr marL="0" marR="0" lvl="0" indent="0" algn="l" rtl="0">
-              <a:lnSpc>
-                <a:spcPct val="100000"/>
-              </a:lnSpc>
-              <a:spcBef>
-                <a:spcPts val="0"/>
-              </a:spcBef>
-              <a:spcAft>
-                <a:spcPts val="0"/>
-              </a:spcAft>
-              <a:buClr>
-                <a:schemeClr val="dk2"/>
-              </a:buClr>
-              <a:buFont typeface="Arial"/>
-              <a:buNone/>
-            </a:pPr>
-            <a:r>
-              <a:rPr lang="en-US" sz="1400" dirty="0" smtClean="0">
-                <a:solidFill>
-                  <a:srgbClr val="6600FF"/>
-                </a:solidFill>
-              </a:rPr>
-              <a:t>$</a:t>
-            </a:r>
-            <a:r>
-              <a:rPr lang="en-US" sz="1400" dirty="0" err="1" smtClean="0">
-                <a:solidFill>
-                  <a:srgbClr val="6600FF"/>
-                </a:solidFill>
-              </a:rPr>
-              <a:t>profile_user</a:t>
-            </a:r>
-            <a:r>
-              <a:rPr lang="en-US" sz="1400" dirty="0" smtClean="0">
-                <a:solidFill>
-                  <a:srgbClr val="6600FF"/>
-                </a:solidFill>
-              </a:rPr>
-              <a:t> = Profile::find($id)-&gt;user()-&gt;username;</a:t>
-            </a:r>
-          </a:p>
-          <a:p>
-            <a:pPr marL="0" marR="0" lvl="0" indent="0" algn="l" rtl="0">
-              <a:lnSpc>
-                <a:spcPct val="100000"/>
-              </a:lnSpc>
-              <a:spcBef>
-                <a:spcPts val="0"/>
-              </a:spcBef>
-              <a:spcAft>
-                <a:spcPts val="0"/>
-              </a:spcAft>
-              <a:buClr>
-                <a:schemeClr val="dk2"/>
-              </a:buClr>
-              <a:buFont typeface="Arial"/>
-              <a:buNone/>
-            </a:pPr>
-            <a:endParaRPr lang="en-US" sz="1400" dirty="0">
-              <a:solidFill>
-                <a:srgbClr val="6600FF"/>
-              </a:solidFill>
-            </a:endParaRPr>
-          </a:p>
-          <a:p>
-            <a:pPr marL="0" marR="0" lvl="0" indent="0" algn="l" rtl="0">
-              <a:lnSpc>
-                <a:spcPct val="100000"/>
-              </a:lnSpc>
-              <a:spcBef>
-                <a:spcPts val="0"/>
-              </a:spcBef>
-              <a:spcAft>
-                <a:spcPts val="0"/>
-              </a:spcAft>
-              <a:buClr>
-                <a:schemeClr val="dk2"/>
-              </a:buClr>
-              <a:buFont typeface="Arial"/>
-              <a:buNone/>
-            </a:pPr>
-            <a:r>
-              <a:rPr lang="bg-BG" sz="1400" dirty="0" err="1" smtClean="0">
-                <a:solidFill>
-                  <a:schemeClr val="dk1"/>
-                </a:solidFill>
-              </a:rPr>
-              <a:t>достъпим</a:t>
-            </a:r>
-            <a:r>
-              <a:rPr lang="bg-BG" sz="1400" dirty="0" smtClean="0">
-                <a:solidFill>
-                  <a:schemeClr val="dk1"/>
-                </a:solidFill>
-              </a:rPr>
-              <a:t> всяко от свойствата на класа обекта от клас </a:t>
-            </a:r>
-            <a:r>
-              <a:rPr lang="en-US" sz="1400" dirty="0" smtClean="0">
-                <a:solidFill>
-                  <a:schemeClr val="dk1"/>
-                </a:solidFill>
-              </a:rPr>
-              <a:t>User </a:t>
-            </a:r>
-            <a:r>
-              <a:rPr lang="bg-BG" sz="1400" dirty="0" smtClean="0">
-                <a:solidFill>
-                  <a:schemeClr val="dk1"/>
-                </a:solidFill>
-              </a:rPr>
-              <a:t>през свързания обект от клас </a:t>
-            </a:r>
-            <a:r>
-              <a:rPr lang="en-US" sz="1400" dirty="0" smtClean="0">
-                <a:solidFill>
-                  <a:schemeClr val="dk1"/>
-                </a:solidFill>
-              </a:rPr>
-              <a:t>Profile.</a:t>
-            </a:r>
-            <a:r>
-              <a:rPr lang="bg-BG" sz="1400" dirty="0" smtClean="0">
-                <a:solidFill>
-                  <a:schemeClr val="dk1"/>
-                </a:solidFill>
-              </a:rPr>
-              <a:t> </a:t>
-            </a:r>
-          </a:p>
-          <a:p>
-            <a:pPr marL="0" marR="0" lvl="0" indent="0" algn="l" rtl="0">
-              <a:lnSpc>
-                <a:spcPct val="100000"/>
-              </a:lnSpc>
-              <a:spcBef>
-                <a:spcPts val="0"/>
-              </a:spcBef>
-              <a:spcAft>
-                <a:spcPts val="0"/>
-              </a:spcAft>
-              <a:buClr>
-                <a:schemeClr val="dk2"/>
-              </a:buClr>
-              <a:buFont typeface="Arial"/>
-              <a:buNone/>
-            </a:pPr>
-            <a:endParaRPr lang="bg-BG" sz="1400" dirty="0">
-              <a:solidFill>
-                <a:schemeClr val="dk1"/>
-              </a:solidFill>
-            </a:endParaRPr>
-          </a:p>
-          <a:p>
-            <a:pPr marL="0" marR="0" lvl="0" indent="0" algn="l" rtl="0">
-              <a:lnSpc>
-                <a:spcPct val="100000"/>
-              </a:lnSpc>
-              <a:spcBef>
-                <a:spcPts val="0"/>
-              </a:spcBef>
-              <a:spcAft>
-                <a:spcPts val="0"/>
-              </a:spcAft>
-              <a:buClr>
-                <a:schemeClr val="dk2"/>
-              </a:buClr>
-              <a:buFont typeface="Arial"/>
-              <a:buNone/>
-            </a:pPr>
-            <a:r>
-              <a:rPr lang="en-US" sz="1400" dirty="0" smtClean="0">
-                <a:solidFill>
-                  <a:srgbClr val="6600FF"/>
-                </a:solidFill>
-              </a:rPr>
-              <a:t>$</a:t>
-            </a:r>
-            <a:r>
-              <a:rPr lang="en-US" sz="1400" dirty="0" err="1" smtClean="0">
-                <a:solidFill>
-                  <a:srgbClr val="6600FF"/>
-                </a:solidFill>
-              </a:rPr>
-              <a:t>user_first_name</a:t>
-            </a:r>
-            <a:r>
-              <a:rPr lang="en-US" sz="1400" dirty="0" smtClean="0">
-                <a:solidFill>
-                  <a:srgbClr val="6600FF"/>
-                </a:solidFill>
-              </a:rPr>
-              <a:t> = User::find($id)-&gt;profile()-&gt;</a:t>
-            </a:r>
-            <a:r>
-              <a:rPr lang="en-US" sz="1400" dirty="0" err="1" smtClean="0">
-                <a:solidFill>
-                  <a:srgbClr val="6600FF"/>
-                </a:solidFill>
-              </a:rPr>
-              <a:t>first_name</a:t>
-            </a:r>
-            <a:endParaRPr lang="bg-BG" sz="1400" dirty="0" smtClean="0">
-              <a:solidFill>
-                <a:srgbClr val="6600FF"/>
-              </a:solidFill>
-            </a:endParaRPr>
-          </a:p>
-          <a:p>
-            <a:pPr marL="0" marR="0" lvl="0" indent="0" algn="l" rtl="0">
-              <a:lnSpc>
-                <a:spcPct val="100000"/>
-              </a:lnSpc>
-              <a:spcBef>
-                <a:spcPts val="0"/>
-              </a:spcBef>
-              <a:spcAft>
-                <a:spcPts val="0"/>
-              </a:spcAft>
-              <a:buClr>
-                <a:schemeClr val="dk2"/>
-              </a:buClr>
-              <a:buFont typeface="Arial"/>
-              <a:buNone/>
-            </a:pPr>
-            <a:endParaRPr lang="bg-BG" sz="1400" dirty="0">
-              <a:solidFill>
-                <a:schemeClr val="tx1">
-                  <a:lumMod val="85000"/>
-                  <a:lumOff val="15000"/>
-                </a:schemeClr>
-              </a:solidFill>
-            </a:endParaRPr>
-          </a:p>
-          <a:p>
-            <a:pPr marL="0" marR="0" lvl="0" indent="0" algn="l" rtl="0">
-              <a:lnSpc>
-                <a:spcPct val="100000"/>
-              </a:lnSpc>
-              <a:spcBef>
-                <a:spcPts val="0"/>
-              </a:spcBef>
-              <a:spcAft>
-                <a:spcPts val="0"/>
-              </a:spcAft>
-              <a:buClr>
-                <a:schemeClr val="dk2"/>
-              </a:buClr>
-              <a:buFont typeface="Arial"/>
-              <a:buNone/>
-            </a:pPr>
-            <a:r>
-              <a:rPr lang="bg-BG" sz="1400" dirty="0" err="1" smtClean="0">
-                <a:solidFill>
-                  <a:schemeClr val="tx1">
-                    <a:lumMod val="85000"/>
-                    <a:lumOff val="15000"/>
-                  </a:schemeClr>
-                </a:solidFill>
-              </a:rPr>
-              <a:t>Достъпим</a:t>
-            </a:r>
-            <a:r>
-              <a:rPr lang="bg-BG" sz="1400" dirty="0" smtClean="0">
-                <a:solidFill>
-                  <a:schemeClr val="tx1">
-                    <a:lumMod val="85000"/>
-                    <a:lumOff val="15000"/>
-                  </a:schemeClr>
-                </a:solidFill>
-              </a:rPr>
-              <a:t> всяко от свойствата на обекта от клас </a:t>
-            </a:r>
-            <a:r>
-              <a:rPr lang="en-US" sz="1400" dirty="0" smtClean="0">
-                <a:solidFill>
-                  <a:schemeClr val="tx1">
-                    <a:lumMod val="85000"/>
-                    <a:lumOff val="15000"/>
-                  </a:schemeClr>
-                </a:solidFill>
-              </a:rPr>
-              <a:t>Profile </a:t>
-            </a:r>
-            <a:r>
-              <a:rPr lang="bg-BG" sz="1400" dirty="0" smtClean="0">
-                <a:solidFill>
-                  <a:schemeClr val="tx1">
-                    <a:lumMod val="85000"/>
-                    <a:lumOff val="15000"/>
-                  </a:schemeClr>
-                </a:solidFill>
-              </a:rPr>
-              <a:t>през свързания обект от клас </a:t>
-            </a:r>
-            <a:r>
-              <a:rPr lang="en-US" sz="1400" dirty="0" smtClean="0">
-                <a:solidFill>
-                  <a:schemeClr val="tx1">
-                    <a:lumMod val="85000"/>
-                    <a:lumOff val="15000"/>
-                  </a:schemeClr>
-                </a:solidFill>
-              </a:rPr>
-              <a:t>User</a:t>
-            </a:r>
-          </a:p>
-          <a:p>
-            <a:pPr marL="0" marR="0" lvl="0" indent="0" algn="l" rtl="0">
-              <a:lnSpc>
-                <a:spcPct val="100000"/>
-              </a:lnSpc>
-              <a:spcBef>
-                <a:spcPts val="0"/>
-              </a:spcBef>
-              <a:spcAft>
-                <a:spcPts val="0"/>
-              </a:spcAft>
-              <a:buClr>
-                <a:schemeClr val="dk2"/>
-              </a:buClr>
-              <a:buFont typeface="Arial"/>
-              <a:buNone/>
-            </a:pPr>
-            <a:endParaRPr lang="en-US" sz="1400" dirty="0">
-              <a:solidFill>
-                <a:schemeClr val="tx1">
-                  <a:lumMod val="85000"/>
-                  <a:lumOff val="15000"/>
-                </a:schemeClr>
-              </a:solidFill>
-            </a:endParaRPr>
-          </a:p>
-          <a:p>
-            <a:pPr marL="0" marR="0" lvl="0" indent="0" algn="l" rtl="0">
-              <a:lnSpc>
-                <a:spcPct val="100000"/>
-              </a:lnSpc>
-              <a:spcBef>
-                <a:spcPts val="0"/>
-              </a:spcBef>
-              <a:spcAft>
-                <a:spcPts val="0"/>
-              </a:spcAft>
-              <a:buClr>
-                <a:schemeClr val="dk2"/>
-              </a:buClr>
-              <a:buFont typeface="Arial"/>
-              <a:buNone/>
-            </a:pPr>
-            <a:endParaRPr sz="1400" dirty="0">
-              <a:solidFill>
-                <a:schemeClr val="tx1">
-                  <a:lumMod val="85000"/>
-                  <a:lumOff val="15000"/>
-                </a:schemeClr>
-              </a:solidFill>
-            </a:endParaRPr>
-          </a:p>
-        </p:txBody>
-      </p:sp>
-      <p:sp>
-        <p:nvSpPr>
-          <p:cNvPr id="307" name="Google Shape;307;p50"/>
-          <p:cNvSpPr txBox="1"/>
-          <p:nvPr/>
-        </p:nvSpPr>
-        <p:spPr>
-          <a:xfrm>
-            <a:off x="0" y="30300"/>
-            <a:ext cx="6805500" cy="703800"/>
-          </a:xfrm>
-          <a:prstGeom prst="rect">
-            <a:avLst/>
-          </a:prstGeom>
-          <a:solidFill>
-            <a:srgbClr val="9933FF"/>
-          </a:solidFill>
-          <a:ln>
-            <a:noFill/>
-          </a:ln>
-        </p:spPr>
-        <p:txBody>
-          <a:bodyPr spcFirstLastPara="1" wrap="square" lIns="91425" tIns="91425" rIns="91425" bIns="91425" anchor="t" anchorCtr="0">
-            <a:noAutofit/>
-          </a:bodyPr>
-          <a:lstStyle/>
-          <a:p>
-            <a:pPr marL="0" lvl="0" indent="457200" algn="l" rtl="0">
-              <a:spcBef>
-                <a:spcPts val="0"/>
-              </a:spcBef>
-              <a:spcAft>
-                <a:spcPts val="0"/>
-              </a:spcAft>
-              <a:buClr>
-                <a:schemeClr val="dk1"/>
-              </a:buClr>
-              <a:buFont typeface="Calibri"/>
-              <a:buNone/>
-            </a:pPr>
-            <a:r>
-              <a:rPr lang="en" sz="3200" b="1">
-                <a:solidFill>
-                  <a:schemeClr val="lt1"/>
-                </a:solidFill>
-                <a:latin typeface="Calibri"/>
-                <a:ea typeface="Calibri"/>
-                <a:cs typeface="Calibri"/>
-                <a:sym typeface="Calibri"/>
-              </a:rPr>
-              <a:t>Eloquent Relationships</a:t>
-            </a:r>
-            <a:endParaRPr sz="3000" b="1">
-              <a:solidFill>
-                <a:schemeClr val="lt1"/>
-              </a:solidFill>
-              <a:latin typeface="Calibri"/>
-              <a:ea typeface="Calibri"/>
-              <a:cs typeface="Calibri"/>
-              <a:sym typeface="Calibri"/>
-            </a:endParaRPr>
-          </a:p>
-          <a:p>
-            <a:pPr marL="457200" marR="0" lvl="0" indent="0" algn="l" rtl="0">
-              <a:lnSpc>
-                <a:spcPct val="100000"/>
-              </a:lnSpc>
-              <a:spcBef>
-                <a:spcPts val="0"/>
-              </a:spcBef>
-              <a:spcAft>
-                <a:spcPts val="0"/>
-              </a:spcAft>
-              <a:buClr>
-                <a:srgbClr val="FFFFFF"/>
-              </a:buClr>
-              <a:buFont typeface="Arial"/>
-              <a:buNone/>
-            </a:pPr>
-            <a:endParaRPr sz="3600" b="1">
-              <a:solidFill>
-                <a:srgbClr val="FFFFFF"/>
-              </a:solidFill>
-            </a:endParaRPr>
-          </a:p>
-        </p:txBody>
-      </p:sp>
-    </p:spTree>
     <p:extLst>
       <p:ext uri="{BB962C8B-B14F-4D97-AF65-F5344CB8AC3E}">
         <p14:creationId xmlns:p14="http://schemas.microsoft.com/office/powerpoint/2010/main" val="2658434236"/>
@@ -19693,7 +19143,7 @@
 </p:sld>
 </file>
 
-<file path=ppt/slides/slide22.xml><?xml version="1.0" encoding="utf-8"?>
+<file path=ppt/slides/slide21.xml><?xml version="1.0" encoding="utf-8"?>
 <p:sld xmlns:a="http://schemas.openxmlformats.org/drawingml/2006/main" xmlns:r="http://schemas.openxmlformats.org/officeDocument/2006/relationships" xmlns:p="http://schemas.openxmlformats.org/presentationml/2006/main">
   <p:cSld>
     <p:spTree>
@@ -20159,7 +19609,7 @@
 </p:sld>
 </file>
 
-<file path=ppt/slides/slide23.xml><?xml version="1.0" encoding="utf-8"?>
+<file path=ppt/slides/slide22.xml><?xml version="1.0" encoding="utf-8"?>
 <p:sld xmlns:a="http://schemas.openxmlformats.org/drawingml/2006/main" xmlns:r="http://schemas.openxmlformats.org/officeDocument/2006/relationships" xmlns:p="http://schemas.openxmlformats.org/presentationml/2006/main">
   <p:cSld>
     <p:spTree>
@@ -20898,7 +20348,7 @@
 </p:sld>
 </file>
 
-<file path=ppt/slides/slide24.xml><?xml version="1.0" encoding="utf-8"?>
+<file path=ppt/slides/slide23.xml><?xml version="1.0" encoding="utf-8"?>
 <p:sld xmlns:a="http://schemas.openxmlformats.org/drawingml/2006/main" xmlns:r="http://schemas.openxmlformats.org/officeDocument/2006/relationships" xmlns:p="http://schemas.openxmlformats.org/presentationml/2006/main">
   <p:cSld>
     <p:spTree>
@@ -21349,7 +20799,7 @@
 </p:sld>
 </file>
 
-<file path=ppt/slides/slide25.xml><?xml version="1.0" encoding="utf-8"?>
+<file path=ppt/slides/slide24.xml><?xml version="1.0" encoding="utf-8"?>
 <p:sld xmlns:a="http://schemas.openxmlformats.org/drawingml/2006/main" xmlns:r="http://schemas.openxmlformats.org/officeDocument/2006/relationships" xmlns:p="http://schemas.openxmlformats.org/presentationml/2006/main">
   <p:cSld>
     <p:spTree>
@@ -21792,7 +21242,7 @@
 </p:sld>
 </file>
 
-<file path=ppt/slides/slide26.xml><?xml version="1.0" encoding="utf-8"?>
+<file path=ppt/slides/slide25.xml><?xml version="1.0" encoding="utf-8"?>
 <p:sld xmlns:a="http://schemas.openxmlformats.org/drawingml/2006/main" xmlns:r="http://schemas.openxmlformats.org/officeDocument/2006/relationships" xmlns:p="http://schemas.openxmlformats.org/presentationml/2006/main">
   <p:cSld>
     <p:spTree>
@@ -22175,7 +21625,7 @@
 </p:sld>
 </file>
 
-<file path=ppt/slides/slide27.xml><?xml version="1.0" encoding="utf-8"?>
+<file path=ppt/slides/slide26.xml><?xml version="1.0" encoding="utf-8"?>
 <p:sld xmlns:a="http://schemas.openxmlformats.org/drawingml/2006/main" xmlns:r="http://schemas.openxmlformats.org/officeDocument/2006/relationships" xmlns:p="http://schemas.openxmlformats.org/presentationml/2006/main">
   <p:cSld>
     <p:spTree>
@@ -22664,7 +22114,7 @@
 </p:sld>
 </file>
 
-<file path=ppt/slides/slide28.xml><?xml version="1.0" encoding="utf-8"?>
+<file path=ppt/slides/slide27.xml><?xml version="1.0" encoding="utf-8"?>
 <p:sld xmlns:a="http://schemas.openxmlformats.org/drawingml/2006/main" xmlns:r="http://schemas.openxmlformats.org/officeDocument/2006/relationships" xmlns:p="http://schemas.openxmlformats.org/presentationml/2006/main">
   <p:cSld>
     <p:spTree>
@@ -23246,6 +22696,721 @@
         </p:txBody>
       </p:sp>
     </p:spTree>
+  </p:cSld>
+  <p:clrMapOvr>
+    <a:masterClrMapping/>
+  </p:clrMapOvr>
+  <p:transition spd="slow">
+    <p:fade thruBlk="1"/>
+  </p:transition>
+  <p:timing>
+    <p:tnLst>
+      <p:par>
+        <p:cTn id="1" dur="indefinite" restart="never" nodeType="tmRoot"/>
+      </p:par>
+    </p:tnLst>
+  </p:timing>
+</p:sld>
+</file>
+
+<file path=ppt/slides/slide28.xml><?xml version="1.0" encoding="utf-8"?>
+<p:sld xmlns:a="http://schemas.openxmlformats.org/drawingml/2006/main" xmlns:r="http://schemas.openxmlformats.org/officeDocument/2006/relationships" xmlns:p="http://schemas.openxmlformats.org/presentationml/2006/main">
+  <p:cSld>
+    <p:spTree>
+      <p:nvGrpSpPr>
+        <p:cNvPr id="1" name="Shape 367"/>
+        <p:cNvGrpSpPr/>
+        <p:nvPr/>
+      </p:nvGrpSpPr>
+      <p:grpSpPr>
+        <a:xfrm>
+          <a:off x="0" y="0"/>
+          <a:ext cx="0" cy="0"/>
+          <a:chOff x="0" y="0"/>
+          <a:chExt cx="0" cy="0"/>
+        </a:xfrm>
+      </p:grpSpPr>
+      <p:sp>
+        <p:nvSpPr>
+          <p:cNvPr id="368" name="Google Shape;368;p59"/>
+          <p:cNvSpPr txBox="1">
+            <a:spLocks noGrp="1"/>
+          </p:cNvSpPr>
+          <p:nvPr>
+            <p:ph type="body" idx="1"/>
+          </p:nvPr>
+        </p:nvSpPr>
+        <p:spPr>
+          <a:xfrm>
+            <a:off x="1095825" y="960375"/>
+            <a:ext cx="7576200" cy="3441000"/>
+          </a:xfrm>
+          <a:prstGeom prst="rect">
+            <a:avLst/>
+          </a:prstGeom>
+          <a:noFill/>
+          <a:ln>
+            <a:noFill/>
+          </a:ln>
+        </p:spPr>
+        <p:txBody>
+          <a:bodyPr spcFirstLastPara="1" wrap="square" lIns="91425" tIns="91425" rIns="91425" bIns="91425" anchor="t" anchorCtr="0">
+            <a:noAutofit/>
+          </a:bodyPr>
+          <a:lstStyle/>
+          <a:p>
+            <a:pPr marL="457200" lvl="0" indent="-298450" algn="l" rtl="0">
+              <a:spcBef>
+                <a:spcPts val="1600"/>
+              </a:spcBef>
+              <a:spcAft>
+                <a:spcPts val="0"/>
+              </a:spcAft>
+              <a:buClr>
+                <a:schemeClr val="dk1"/>
+              </a:buClr>
+              <a:buSzPts val="1100"/>
+              <a:buAutoNum type="arabicPeriod"/>
+            </a:pPr>
+            <a:r>
+              <a:rPr lang="en" sz="1300" dirty="0">
+                <a:solidFill>
+                  <a:schemeClr val="dk1"/>
+                </a:solidFill>
+              </a:rPr>
+              <a:t>Допълнете липсващите методи дефиниращи всички връзки между моделите </a:t>
+            </a:r>
+            <a:endParaRPr sz="1300" dirty="0">
+              <a:solidFill>
+                <a:schemeClr val="dk1"/>
+              </a:solidFill>
+            </a:endParaRPr>
+          </a:p>
+          <a:p>
+            <a:pPr marL="914400" lvl="1" indent="-311150" algn="l" rtl="0">
+              <a:spcBef>
+                <a:spcPts val="0"/>
+              </a:spcBef>
+              <a:spcAft>
+                <a:spcPts val="0"/>
+              </a:spcAft>
+              <a:buClr>
+                <a:schemeClr val="dk1"/>
+              </a:buClr>
+              <a:buSzPts val="1300"/>
+              <a:buAutoNum type="alphaLcPeriod"/>
+            </a:pPr>
+            <a:r>
+              <a:rPr lang="en" sz="1300" dirty="0">
+                <a:solidFill>
+                  <a:schemeClr val="dk1"/>
+                </a:solidFill>
+              </a:rPr>
+              <a:t>User</a:t>
+            </a:r>
+            <a:endParaRPr sz="1300" dirty="0">
+              <a:solidFill>
+                <a:schemeClr val="dk1"/>
+              </a:solidFill>
+            </a:endParaRPr>
+          </a:p>
+          <a:p>
+            <a:pPr marL="914400" lvl="1" indent="-311150" algn="l" rtl="0">
+              <a:spcBef>
+                <a:spcPts val="0"/>
+              </a:spcBef>
+              <a:spcAft>
+                <a:spcPts val="0"/>
+              </a:spcAft>
+              <a:buClr>
+                <a:schemeClr val="dk1"/>
+              </a:buClr>
+              <a:buSzPts val="1300"/>
+              <a:buAutoNum type="alphaLcPeriod"/>
+            </a:pPr>
+            <a:r>
+              <a:rPr lang="en" sz="1300" dirty="0">
+                <a:solidFill>
+                  <a:schemeClr val="dk1"/>
+                </a:solidFill>
+              </a:rPr>
+              <a:t>Profile</a:t>
+            </a:r>
+            <a:endParaRPr sz="1300" dirty="0">
+              <a:solidFill>
+                <a:schemeClr val="dk1"/>
+              </a:solidFill>
+            </a:endParaRPr>
+          </a:p>
+          <a:p>
+            <a:pPr marL="914400" lvl="1" indent="-311150" algn="l" rtl="0">
+              <a:spcBef>
+                <a:spcPts val="0"/>
+              </a:spcBef>
+              <a:spcAft>
+                <a:spcPts val="0"/>
+              </a:spcAft>
+              <a:buClr>
+                <a:schemeClr val="dk1"/>
+              </a:buClr>
+              <a:buSzPts val="1300"/>
+              <a:buAutoNum type="alphaLcPeriod"/>
+            </a:pPr>
+            <a:r>
+              <a:rPr lang="en" sz="1300" dirty="0" smtClean="0">
+                <a:solidFill>
+                  <a:schemeClr val="dk1"/>
+                </a:solidFill>
+              </a:rPr>
+              <a:t>Module</a:t>
+            </a:r>
+            <a:endParaRPr sz="1300" dirty="0">
+              <a:solidFill>
+                <a:schemeClr val="dk1"/>
+              </a:solidFill>
+            </a:endParaRPr>
+          </a:p>
+          <a:p>
+            <a:pPr marL="914400" lvl="1" indent="-311150" algn="l" rtl="0">
+              <a:spcBef>
+                <a:spcPts val="0"/>
+              </a:spcBef>
+              <a:spcAft>
+                <a:spcPts val="0"/>
+              </a:spcAft>
+              <a:buClr>
+                <a:schemeClr val="dk1"/>
+              </a:buClr>
+              <a:buSzPts val="1300"/>
+              <a:buAutoNum type="alphaLcPeriod"/>
+            </a:pPr>
+            <a:r>
+              <a:rPr lang="en" sz="1300" dirty="0">
+                <a:solidFill>
+                  <a:schemeClr val="dk1"/>
+                </a:solidFill>
+              </a:rPr>
+              <a:t>L</a:t>
+            </a:r>
+            <a:r>
+              <a:rPr lang="en" sz="1300" dirty="0" smtClean="0">
+                <a:solidFill>
+                  <a:schemeClr val="dk1"/>
+                </a:solidFill>
+              </a:rPr>
+              <a:t>ecture</a:t>
+            </a:r>
+            <a:endParaRPr sz="1300" dirty="0">
+              <a:solidFill>
+                <a:schemeClr val="dk1"/>
+              </a:solidFill>
+            </a:endParaRPr>
+          </a:p>
+          <a:p>
+            <a:pPr marL="457200" marR="0" lvl="0" indent="-311150" algn="l" rtl="0">
+              <a:lnSpc>
+                <a:spcPct val="115000"/>
+              </a:lnSpc>
+              <a:spcBef>
+                <a:spcPts val="0"/>
+              </a:spcBef>
+              <a:spcAft>
+                <a:spcPts val="0"/>
+              </a:spcAft>
+              <a:buClr>
+                <a:schemeClr val="dk1"/>
+              </a:buClr>
+              <a:buSzPts val="1300"/>
+              <a:buAutoNum type="arabicPeriod"/>
+            </a:pPr>
+            <a:r>
+              <a:rPr lang="en" sz="1300" dirty="0">
+                <a:solidFill>
+                  <a:schemeClr val="dk1"/>
+                </a:solidFill>
+              </a:rPr>
+              <a:t>Разрешете колоните, в които потребителите ще работят със записите</a:t>
+            </a:r>
+            <a:r>
+              <a:rPr lang="en" sz="1300" dirty="0" smtClean="0">
+                <a:solidFill>
+                  <a:schemeClr val="dk1"/>
+                </a:solidFill>
+              </a:rPr>
+              <a:t>.</a:t>
+            </a:r>
+          </a:p>
+          <a:p>
+            <a:pPr marL="457200" marR="0" lvl="0" indent="-311150" algn="l" rtl="0">
+              <a:lnSpc>
+                <a:spcPct val="115000"/>
+              </a:lnSpc>
+              <a:spcBef>
+                <a:spcPts val="0"/>
+              </a:spcBef>
+              <a:spcAft>
+                <a:spcPts val="0"/>
+              </a:spcAft>
+              <a:buClr>
+                <a:schemeClr val="dk1"/>
+              </a:buClr>
+              <a:buSzPts val="1300"/>
+              <a:buAutoNum type="arabicPeriod"/>
+            </a:pPr>
+            <a:r>
+              <a:rPr lang="bg-BG" sz="1300" dirty="0" smtClean="0">
+                <a:solidFill>
+                  <a:schemeClr val="dk1"/>
+                </a:solidFill>
+              </a:rPr>
+              <a:t>Приложението ви трябва да притежава страници </a:t>
+            </a:r>
+          </a:p>
+          <a:p>
+            <a:pPr lvl="1" indent="-311150">
+              <a:spcBef>
+                <a:spcPts val="0"/>
+              </a:spcBef>
+              <a:buClr>
+                <a:schemeClr val="dk1"/>
+              </a:buClr>
+              <a:buSzPts val="1300"/>
+              <a:buFont typeface="Wingdings" panose="05000000000000000000" pitchFamily="2" charset="2"/>
+              <a:buChar char="§"/>
+            </a:pPr>
+            <a:r>
+              <a:rPr lang="bg-BG" sz="1200" dirty="0">
+                <a:solidFill>
+                  <a:schemeClr val="dk1"/>
+                </a:solidFill>
+              </a:rPr>
+              <a:t>Профил на потребителя</a:t>
+            </a:r>
+          </a:p>
+          <a:p>
+            <a:pPr lvl="1" indent="-311150">
+              <a:spcBef>
+                <a:spcPts val="0"/>
+              </a:spcBef>
+              <a:buClr>
+                <a:schemeClr val="dk1"/>
+              </a:buClr>
+              <a:buSzPts val="1300"/>
+              <a:buFont typeface="Wingdings" panose="05000000000000000000" pitchFamily="2" charset="2"/>
+              <a:buChar char="§"/>
+            </a:pPr>
+            <a:r>
+              <a:rPr lang="bg-BG" sz="1200" dirty="0">
+                <a:solidFill>
+                  <a:schemeClr val="dk1"/>
+                </a:solidFill>
+              </a:rPr>
+              <a:t>Списък с </a:t>
+            </a:r>
+            <a:r>
+              <a:rPr lang="bg-BG" sz="1200" dirty="0" smtClean="0">
+                <a:solidFill>
+                  <a:schemeClr val="dk1"/>
+                </a:solidFill>
+              </a:rPr>
+              <a:t>модули</a:t>
+            </a:r>
+            <a:endParaRPr lang="bg-BG" sz="1200" dirty="0">
+              <a:solidFill>
+                <a:schemeClr val="dk1"/>
+              </a:solidFill>
+            </a:endParaRPr>
+          </a:p>
+          <a:p>
+            <a:pPr lvl="1" indent="-311150">
+              <a:spcBef>
+                <a:spcPts val="0"/>
+              </a:spcBef>
+              <a:buClr>
+                <a:schemeClr val="dk1"/>
+              </a:buClr>
+              <a:buSzPts val="1300"/>
+              <a:buFont typeface="Wingdings" panose="05000000000000000000" pitchFamily="2" charset="2"/>
+              <a:buChar char="§"/>
+            </a:pPr>
+            <a:r>
+              <a:rPr lang="bg-BG" sz="1200" dirty="0">
+                <a:solidFill>
+                  <a:schemeClr val="dk1"/>
+                </a:solidFill>
+              </a:rPr>
+              <a:t>Списък с </a:t>
+            </a:r>
+            <a:r>
+              <a:rPr lang="bg-BG" sz="1200" dirty="0" smtClean="0">
+                <a:solidFill>
+                  <a:schemeClr val="dk1"/>
+                </a:solidFill>
+              </a:rPr>
+              <a:t>лекции към всеки модул</a:t>
+            </a:r>
+            <a:endParaRPr lang="bg-BG" sz="900" dirty="0">
+              <a:solidFill>
+                <a:schemeClr val="dk1"/>
+              </a:solidFill>
+            </a:endParaRPr>
+          </a:p>
+          <a:p>
+            <a:pPr marL="603250" lvl="1" indent="0">
+              <a:spcBef>
+                <a:spcPts val="0"/>
+              </a:spcBef>
+              <a:buClr>
+                <a:schemeClr val="dk1"/>
+              </a:buClr>
+              <a:buSzPts val="1300"/>
+            </a:pPr>
+            <a:r>
+              <a:rPr lang="bg-BG" dirty="0">
+                <a:solidFill>
+                  <a:schemeClr val="dk1"/>
+                </a:solidFill>
+              </a:rPr>
+              <a:t>Допълнете липсващите </a:t>
+            </a:r>
+            <a:r>
+              <a:rPr lang="bg-BG" dirty="0" err="1">
+                <a:solidFill>
+                  <a:schemeClr val="dk1"/>
+                </a:solidFill>
+              </a:rPr>
+              <a:t>вюта</a:t>
+            </a:r>
+            <a:r>
+              <a:rPr lang="bg-BG" dirty="0">
+                <a:solidFill>
+                  <a:schemeClr val="dk1"/>
+                </a:solidFill>
+              </a:rPr>
+              <a:t> и методи в контролерите /ако има такива</a:t>
+            </a:r>
+            <a:r>
+              <a:rPr lang="bg-BG" dirty="0" smtClean="0">
+                <a:solidFill>
+                  <a:schemeClr val="dk1"/>
+                </a:solidFill>
+              </a:rPr>
+              <a:t>/</a:t>
+            </a:r>
+            <a:endParaRPr lang="bg-BG" sz="1300" dirty="0" smtClean="0">
+              <a:solidFill>
+                <a:schemeClr val="dk1"/>
+              </a:solidFill>
+            </a:endParaRPr>
+          </a:p>
+          <a:p>
+            <a:pPr marL="457200" marR="0" lvl="0" indent="-311150" algn="l" rtl="0">
+              <a:lnSpc>
+                <a:spcPct val="115000"/>
+              </a:lnSpc>
+              <a:spcBef>
+                <a:spcPts val="0"/>
+              </a:spcBef>
+              <a:spcAft>
+                <a:spcPts val="0"/>
+              </a:spcAft>
+              <a:buClr>
+                <a:schemeClr val="dk1"/>
+              </a:buClr>
+              <a:buSzPts val="1300"/>
+              <a:buAutoNum type="arabicPeriod"/>
+            </a:pPr>
+            <a:r>
+              <a:rPr lang="bg-BG" sz="1300" dirty="0" smtClean="0">
+                <a:solidFill>
+                  <a:schemeClr val="dk1"/>
+                </a:solidFill>
+              </a:rPr>
+              <a:t>Отпечатайте информация на съответните страници</a:t>
+            </a:r>
+          </a:p>
+          <a:p>
+            <a:pPr lvl="1" indent="-311150">
+              <a:spcBef>
+                <a:spcPts val="0"/>
+              </a:spcBef>
+              <a:buClr>
+                <a:schemeClr val="dk1"/>
+              </a:buClr>
+              <a:buSzPts val="1300"/>
+              <a:buFont typeface="Wingdings" panose="05000000000000000000" pitchFamily="2" charset="2"/>
+              <a:buChar char="§"/>
+            </a:pPr>
+            <a:r>
+              <a:rPr lang="bg-BG" dirty="0">
+                <a:solidFill>
+                  <a:schemeClr val="dk1"/>
+                </a:solidFill>
+              </a:rPr>
+              <a:t>Профил на </a:t>
+            </a:r>
+            <a:r>
+              <a:rPr lang="bg-BG" dirty="0" smtClean="0">
+                <a:solidFill>
+                  <a:schemeClr val="dk1"/>
+                </a:solidFill>
+              </a:rPr>
+              <a:t>потребителя</a:t>
+            </a:r>
+          </a:p>
+          <a:p>
+            <a:pPr lvl="1" indent="-311150">
+              <a:spcBef>
+                <a:spcPts val="0"/>
+              </a:spcBef>
+              <a:buClr>
+                <a:schemeClr val="dk1"/>
+              </a:buClr>
+              <a:buSzPts val="1300"/>
+              <a:buFont typeface="Wingdings" panose="05000000000000000000" pitchFamily="2" charset="2"/>
+              <a:buChar char="§"/>
+            </a:pPr>
+            <a:r>
+              <a:rPr lang="bg-BG" dirty="0" smtClean="0">
+                <a:solidFill>
+                  <a:schemeClr val="dk1"/>
+                </a:solidFill>
+              </a:rPr>
+              <a:t>Списък с модулите</a:t>
+            </a:r>
+            <a:endParaRPr lang="bg-BG" dirty="0">
+              <a:solidFill>
+                <a:schemeClr val="dk1"/>
+              </a:solidFill>
+            </a:endParaRPr>
+          </a:p>
+          <a:p>
+            <a:pPr lvl="1" indent="-311150">
+              <a:spcBef>
+                <a:spcPts val="0"/>
+              </a:spcBef>
+              <a:buClr>
+                <a:schemeClr val="dk1"/>
+              </a:buClr>
+              <a:buSzPts val="1300"/>
+              <a:buFont typeface="Wingdings" panose="05000000000000000000" pitchFamily="2" charset="2"/>
+              <a:buChar char="§"/>
+            </a:pPr>
+            <a:r>
+              <a:rPr lang="bg-BG" dirty="0">
+                <a:solidFill>
+                  <a:schemeClr val="dk1"/>
+                </a:solidFill>
+              </a:rPr>
+              <a:t>Списък с </a:t>
+            </a:r>
+            <a:r>
+              <a:rPr lang="bg-BG" dirty="0" smtClean="0">
+                <a:solidFill>
+                  <a:schemeClr val="dk1"/>
+                </a:solidFill>
+              </a:rPr>
+              <a:t>лекции към модул с </a:t>
+            </a:r>
+            <a:r>
+              <a:rPr lang="bg-BG" dirty="0" err="1" smtClean="0">
+                <a:solidFill>
+                  <a:schemeClr val="dk1"/>
+                </a:solidFill>
+              </a:rPr>
+              <a:t>ид</a:t>
+            </a:r>
+            <a:r>
+              <a:rPr lang="bg-BG" dirty="0" smtClean="0">
+                <a:solidFill>
+                  <a:schemeClr val="dk1"/>
+                </a:solidFill>
+              </a:rPr>
+              <a:t> 1</a:t>
+            </a:r>
+            <a:endParaRPr lang="bg-BG" dirty="0">
+              <a:solidFill>
+                <a:schemeClr val="dk1"/>
+              </a:solidFill>
+            </a:endParaRPr>
+          </a:p>
+          <a:p>
+            <a:pPr lvl="1" indent="-311150">
+              <a:spcBef>
+                <a:spcPts val="0"/>
+              </a:spcBef>
+              <a:buClr>
+                <a:schemeClr val="dk1"/>
+              </a:buClr>
+              <a:buSzPts val="1300"/>
+              <a:buAutoNum type="arabicPeriod"/>
+            </a:pPr>
+            <a:endParaRPr lang="bg-BG" sz="900" dirty="0" smtClean="0">
+              <a:solidFill>
+                <a:schemeClr val="dk1"/>
+              </a:solidFill>
+            </a:endParaRPr>
+          </a:p>
+          <a:p>
+            <a:pPr lvl="1" indent="-311150">
+              <a:spcBef>
+                <a:spcPts val="0"/>
+              </a:spcBef>
+              <a:buClr>
+                <a:schemeClr val="dk1"/>
+              </a:buClr>
+              <a:buSzPts val="1300"/>
+              <a:buAutoNum type="arabicPeriod"/>
+            </a:pPr>
+            <a:endParaRPr sz="900" dirty="0">
+              <a:solidFill>
+                <a:schemeClr val="dk1"/>
+              </a:solidFill>
+            </a:endParaRPr>
+          </a:p>
+          <a:p>
+            <a:pPr marL="0" marR="0" lvl="0" indent="0" algn="l" rtl="0">
+              <a:lnSpc>
+                <a:spcPct val="115000"/>
+              </a:lnSpc>
+              <a:spcBef>
+                <a:spcPts val="1600"/>
+              </a:spcBef>
+              <a:spcAft>
+                <a:spcPts val="0"/>
+              </a:spcAft>
+              <a:buNone/>
+            </a:pPr>
+            <a:endParaRPr sz="1300" dirty="0">
+              <a:solidFill>
+                <a:schemeClr val="dk1"/>
+              </a:solidFill>
+            </a:endParaRPr>
+          </a:p>
+        </p:txBody>
+      </p:sp>
+      <p:sp>
+        <p:nvSpPr>
+          <p:cNvPr id="369" name="Google Shape;369;p59"/>
+          <p:cNvSpPr/>
+          <p:nvPr/>
+        </p:nvSpPr>
+        <p:spPr>
+          <a:xfrm>
+            <a:off x="0" y="0"/>
+            <a:ext cx="9144000" cy="764400"/>
+          </a:xfrm>
+          <a:prstGeom prst="rect">
+            <a:avLst/>
+          </a:prstGeom>
+          <a:solidFill>
+            <a:srgbClr val="741B47"/>
+          </a:solidFill>
+          <a:ln>
+            <a:noFill/>
+          </a:ln>
+        </p:spPr>
+        <p:txBody>
+          <a:bodyPr spcFirstLastPara="1" wrap="square" lIns="91425" tIns="91425" rIns="91425" bIns="91425" anchor="ctr" anchorCtr="0">
+            <a:noAutofit/>
+          </a:bodyPr>
+          <a:lstStyle/>
+          <a:p>
+            <a:pPr marL="0" marR="0" lvl="0" indent="0" algn="l" rtl="0">
+              <a:lnSpc>
+                <a:spcPct val="100000"/>
+              </a:lnSpc>
+              <a:spcBef>
+                <a:spcPts val="0"/>
+              </a:spcBef>
+              <a:spcAft>
+                <a:spcPts val="0"/>
+              </a:spcAft>
+              <a:buClr>
+                <a:srgbClr val="000000"/>
+              </a:buClr>
+              <a:buFont typeface="Arial"/>
+              <a:buNone/>
+            </a:pPr>
+            <a:endParaRPr sz="1400" b="0" i="0" u="none" strike="noStrike" cap="none">
+              <a:solidFill>
+                <a:srgbClr val="000000"/>
+              </a:solidFill>
+              <a:latin typeface="Arial"/>
+              <a:ea typeface="Arial"/>
+              <a:cs typeface="Arial"/>
+              <a:sym typeface="Arial"/>
+            </a:endParaRPr>
+          </a:p>
+        </p:txBody>
+      </p:sp>
+      <p:sp>
+        <p:nvSpPr>
+          <p:cNvPr id="370" name="Google Shape;370;p59"/>
+          <p:cNvSpPr txBox="1"/>
+          <p:nvPr/>
+        </p:nvSpPr>
+        <p:spPr>
+          <a:xfrm>
+            <a:off x="0" y="30300"/>
+            <a:ext cx="6805500" cy="703800"/>
+          </a:xfrm>
+          <a:prstGeom prst="rect">
+            <a:avLst/>
+          </a:prstGeom>
+          <a:noFill/>
+          <a:ln>
+            <a:noFill/>
+          </a:ln>
+        </p:spPr>
+        <p:txBody>
+          <a:bodyPr spcFirstLastPara="1" wrap="square" lIns="91425" tIns="91425" rIns="91425" bIns="91425" anchor="t" anchorCtr="0">
+            <a:noAutofit/>
+          </a:bodyPr>
+          <a:lstStyle/>
+          <a:p>
+            <a:pPr marL="457200" marR="0" lvl="0" indent="0" algn="l" rtl="0">
+              <a:lnSpc>
+                <a:spcPct val="100000"/>
+              </a:lnSpc>
+              <a:spcBef>
+                <a:spcPts val="0"/>
+              </a:spcBef>
+              <a:spcAft>
+                <a:spcPts val="0"/>
+              </a:spcAft>
+              <a:buClr>
+                <a:srgbClr val="FFFFFF"/>
+              </a:buClr>
+              <a:buFont typeface="Arial"/>
+              <a:buNone/>
+            </a:pPr>
+            <a:r>
+              <a:rPr lang="en" sz="3600" b="1">
+                <a:solidFill>
+                  <a:srgbClr val="FFFFFF"/>
+                </a:solidFill>
+              </a:rPr>
+              <a:t>Задача</a:t>
+            </a:r>
+            <a:endParaRPr sz="3600" b="1" i="0" u="none" strike="noStrike" cap="none">
+              <a:solidFill>
+                <a:srgbClr val="FFFFFF"/>
+              </a:solidFill>
+              <a:latin typeface="Arial"/>
+              <a:ea typeface="Arial"/>
+              <a:cs typeface="Arial"/>
+              <a:sym typeface="Arial"/>
+            </a:endParaRPr>
+          </a:p>
+        </p:txBody>
+      </p:sp>
+    </p:spTree>
+    <p:extLst>
+      <p:ext uri="{BB962C8B-B14F-4D97-AF65-F5344CB8AC3E}">
+        <p14:creationId xmlns:p14="http://schemas.microsoft.com/office/powerpoint/2010/main" val="135744589"/>
+      </p:ext>
+    </p:extLst>
   </p:cSld>
   <p:clrMapOvr>
     <a:masterClrMapping/>
@@ -23309,514 +23474,230 @@
           </a:bodyPr>
           <a:lstStyle/>
           <a:p>
-            <a:pPr marL="457200" lvl="0" indent="-298450" algn="l" rtl="0">
-              <a:spcBef>
-                <a:spcPts val="1600"/>
-              </a:spcBef>
-              <a:spcAft>
-                <a:spcPts val="0"/>
-              </a:spcAft>
-              <a:buClr>
-                <a:schemeClr val="dk1"/>
-              </a:buClr>
-              <a:buSzPts val="1100"/>
-              <a:buAutoNum type="arabicPeriod"/>
-            </a:pPr>
-            <a:r>
-              <a:rPr lang="en" sz="1300" dirty="0">
-                <a:solidFill>
-                  <a:schemeClr val="dk1"/>
-                </a:solidFill>
-              </a:rPr>
-              <a:t>Допълнете липсващите методи дефиниращи всички връзки между моделите </a:t>
-            </a:r>
-            <a:endParaRPr sz="1300" dirty="0">
+            <a:pPr marL="146050" lvl="0" indent="0">
+              <a:buClr>
+                <a:schemeClr val="dk1"/>
+              </a:buClr>
+              <a:buSzPts val="1300"/>
+            </a:pPr>
+            <a:r>
+              <a:rPr lang="en-US" sz="1300" dirty="0" smtClean="0">
+                <a:solidFill>
+                  <a:schemeClr val="dk1"/>
+                </a:solidFill>
+              </a:rPr>
+              <a:t>6. </a:t>
+            </a:r>
+            <a:r>
+              <a:rPr lang="bg-BG" sz="1300" dirty="0" smtClean="0">
+                <a:solidFill>
+                  <a:schemeClr val="dk1"/>
+                </a:solidFill>
+              </a:rPr>
+              <a:t>Добавете модел и миграция за Курс. Приемаме, че в нашите курсове няма модули, принадлежащи на няколко курса.</a:t>
+            </a:r>
+          </a:p>
+          <a:p>
+            <a:pPr marL="146050" lvl="0" indent="0">
+              <a:buClr>
+                <a:schemeClr val="dk1"/>
+              </a:buClr>
+              <a:buSzPts val="1300"/>
+            </a:pPr>
+            <a:r>
+              <a:rPr lang="bg-BG" sz="1300" dirty="0" smtClean="0">
+                <a:solidFill>
+                  <a:schemeClr val="dk1"/>
+                </a:solidFill>
+              </a:rPr>
+              <a:t>7. Дефинирайте връзките между Курс и Модул.</a:t>
+            </a:r>
+          </a:p>
+          <a:p>
+            <a:pPr marL="146050" lvl="0" indent="0">
+              <a:buClr>
+                <a:schemeClr val="dk1"/>
+              </a:buClr>
+              <a:buSzPts val="1300"/>
+            </a:pPr>
+            <a:r>
+              <a:rPr lang="bg-BG" sz="1300" dirty="0" smtClean="0">
+                <a:solidFill>
+                  <a:schemeClr val="dk1"/>
+                </a:solidFill>
+              </a:rPr>
+              <a:t>8. Създайте контролер за Курс и отпечатайте във вю списък с наличните курсове.</a:t>
+            </a:r>
+          </a:p>
+          <a:p>
+            <a:pPr marL="146050" lvl="0" indent="0">
+              <a:buClr>
+                <a:schemeClr val="dk1"/>
+              </a:buClr>
+              <a:buSzPts val="1300"/>
+            </a:pPr>
+            <a:r>
+              <a:rPr lang="bg-BG" sz="1300" dirty="0" smtClean="0">
+                <a:solidFill>
+                  <a:schemeClr val="dk1"/>
+                </a:solidFill>
+              </a:rPr>
+              <a:t>9. Отпечатайте модулите, които принадлежат на курс с </a:t>
+            </a:r>
+            <a:r>
+              <a:rPr lang="bg-BG" sz="1300" dirty="0" err="1" smtClean="0">
+                <a:solidFill>
+                  <a:schemeClr val="dk1"/>
+                </a:solidFill>
+              </a:rPr>
+              <a:t>ид</a:t>
+            </a:r>
+            <a:r>
+              <a:rPr lang="bg-BG" sz="1300" dirty="0" smtClean="0">
+                <a:solidFill>
+                  <a:schemeClr val="dk1"/>
+                </a:solidFill>
+              </a:rPr>
+              <a:t>=1</a:t>
+            </a:r>
+          </a:p>
+          <a:p>
+            <a:pPr marL="146050" lvl="0" indent="0">
+              <a:buClr>
+                <a:schemeClr val="dk1"/>
+              </a:buClr>
+              <a:buSzPts val="1300"/>
+            </a:pPr>
+            <a:r>
+              <a:rPr lang="bg-BG" sz="1300" dirty="0" smtClean="0">
+                <a:solidFill>
+                  <a:schemeClr val="dk1"/>
+                </a:solidFill>
+              </a:rPr>
+              <a:t>10. Списъците – курсове, модули, лекции да се достъпват с бутони.</a:t>
+            </a:r>
+            <a:r>
+              <a:rPr lang="en-US" sz="1300" dirty="0" smtClean="0">
+                <a:solidFill>
+                  <a:schemeClr val="dk1"/>
+                </a:solidFill>
+              </a:rPr>
+              <a:t> </a:t>
+            </a:r>
+            <a:endParaRPr lang="bg-BG" sz="1300" dirty="0" smtClean="0">
               <a:solidFill>
                 <a:schemeClr val="dk1"/>
               </a:solidFill>
             </a:endParaRPr>
           </a:p>
           <a:p>
-            <a:pPr marL="914400" lvl="1" indent="-311150" algn="l" rtl="0">
-              <a:spcBef>
-                <a:spcPts val="0"/>
-              </a:spcBef>
-              <a:spcAft>
-                <a:spcPts val="0"/>
-              </a:spcAft>
+            <a:pPr marL="146050" lvl="0" indent="0">
               <a:buClr>
                 <a:schemeClr val="dk1"/>
               </a:buClr>
               <a:buSzPts val="1300"/>
-              <a:buAutoNum type="alphaLcPeriod"/>
-            </a:pPr>
-            <a:r>
-              <a:rPr lang="en" sz="1300" dirty="0">
-                <a:solidFill>
-                  <a:schemeClr val="dk1"/>
-                </a:solidFill>
-              </a:rPr>
-              <a:t>User</a:t>
-            </a:r>
-            <a:endParaRPr sz="1300" dirty="0">
+            </a:pPr>
+            <a:r>
+              <a:rPr lang="bg-BG" sz="1300" dirty="0" smtClean="0">
+                <a:solidFill>
+                  <a:schemeClr val="dk1"/>
+                </a:solidFill>
+              </a:rPr>
+              <a:t>11. Каква е връзката ниво-курсист. Дефинирайте в съответните модели с помощта на </a:t>
+            </a:r>
+            <a:r>
+              <a:rPr lang="en-US" sz="1300" dirty="0" err="1" smtClean="0">
+                <a:solidFill>
+                  <a:schemeClr val="dk1"/>
+                </a:solidFill>
+              </a:rPr>
+              <a:t>Laravel</a:t>
+            </a:r>
+            <a:r>
+              <a:rPr lang="en-US" sz="1300" dirty="0" smtClean="0">
+                <a:solidFill>
+                  <a:schemeClr val="dk1"/>
+                </a:solidFill>
+              </a:rPr>
+              <a:t> Eloquent</a:t>
+            </a:r>
+            <a:r>
+              <a:rPr lang="bg-BG" sz="1300" dirty="0" smtClean="0">
+                <a:solidFill>
+                  <a:schemeClr val="dk1"/>
+                </a:solidFill>
+              </a:rPr>
+              <a:t>. Отпечатайте курсовете, в които участва курсист с </a:t>
+            </a:r>
+            <a:r>
+              <a:rPr lang="bg-BG" sz="1300" dirty="0" err="1" smtClean="0">
+                <a:solidFill>
+                  <a:schemeClr val="dk1"/>
+                </a:solidFill>
+              </a:rPr>
+              <a:t>ид</a:t>
+            </a:r>
+            <a:r>
+              <a:rPr lang="bg-BG" sz="1300" dirty="0" smtClean="0">
+                <a:solidFill>
+                  <a:schemeClr val="dk1"/>
+                </a:solidFill>
+              </a:rPr>
+              <a:t>=1. /Един курсист може да участва в няколко курса/.</a:t>
+            </a:r>
+          </a:p>
+          <a:p>
+            <a:pPr marL="146050" lvl="0" indent="0">
+              <a:buClr>
+                <a:schemeClr val="dk1"/>
+              </a:buClr>
+              <a:buSzPts val="1300"/>
+            </a:pPr>
+            <a:endParaRPr lang="bg-BG" sz="1300" dirty="0">
               <a:solidFill>
                 <a:schemeClr val="dk1"/>
               </a:solidFill>
             </a:endParaRPr>
           </a:p>
           <a:p>
-            <a:pPr marL="914400" lvl="1" indent="-311150" algn="l" rtl="0">
-              <a:spcBef>
-                <a:spcPts val="0"/>
-              </a:spcBef>
-              <a:spcAft>
-                <a:spcPts val="0"/>
-              </a:spcAft>
+            <a:pPr marL="146050" lvl="0" indent="0">
               <a:buClr>
                 <a:schemeClr val="dk1"/>
               </a:buClr>
               <a:buSzPts val="1300"/>
-              <a:buAutoNum type="alphaLcPeriod"/>
-            </a:pPr>
-            <a:r>
-              <a:rPr lang="en" sz="1300" dirty="0">
-                <a:solidFill>
-                  <a:schemeClr val="dk1"/>
-                </a:solidFill>
-              </a:rPr>
-              <a:t>Profile</a:t>
-            </a:r>
-            <a:endParaRPr sz="1300" dirty="0">
-              <a:solidFill>
-                <a:schemeClr val="dk1"/>
-              </a:solidFill>
-            </a:endParaRPr>
-          </a:p>
-          <a:p>
-            <a:pPr marL="914400" lvl="1" indent="-311150" algn="l" rtl="0">
-              <a:spcBef>
-                <a:spcPts val="0"/>
-              </a:spcBef>
-              <a:spcAft>
-                <a:spcPts val="0"/>
-              </a:spcAft>
-              <a:buClr>
-                <a:schemeClr val="dk1"/>
-              </a:buClr>
-              <a:buSzPts val="1300"/>
-              <a:buAutoNum type="alphaLcPeriod"/>
-            </a:pPr>
-            <a:r>
-              <a:rPr lang="en" sz="1300" dirty="0" smtClean="0">
-                <a:solidFill>
-                  <a:schemeClr val="dk1"/>
-                </a:solidFill>
-              </a:rPr>
-              <a:t>Module</a:t>
-            </a:r>
-            <a:endParaRPr sz="1300" dirty="0">
-              <a:solidFill>
-                <a:schemeClr val="dk1"/>
-              </a:solidFill>
-            </a:endParaRPr>
-          </a:p>
-          <a:p>
-            <a:pPr marL="914400" lvl="1" indent="-311150" algn="l" rtl="0">
-              <a:spcBef>
-                <a:spcPts val="0"/>
-              </a:spcBef>
-              <a:spcAft>
-                <a:spcPts val="0"/>
-              </a:spcAft>
-              <a:buClr>
-                <a:schemeClr val="dk1"/>
-              </a:buClr>
-              <a:buSzPts val="1300"/>
-              <a:buAutoNum type="alphaLcPeriod"/>
-            </a:pPr>
-            <a:r>
-              <a:rPr lang="en" sz="1300" dirty="0">
-                <a:solidFill>
-                  <a:schemeClr val="dk1"/>
-                </a:solidFill>
-              </a:rPr>
-              <a:t>L</a:t>
-            </a:r>
-            <a:r>
-              <a:rPr lang="en" sz="1300" dirty="0" smtClean="0">
-                <a:solidFill>
-                  <a:schemeClr val="dk1"/>
-                </a:solidFill>
-              </a:rPr>
-              <a:t>ecture</a:t>
-            </a:r>
-            <a:endParaRPr sz="1300" dirty="0">
-              <a:solidFill>
-                <a:schemeClr val="dk1"/>
-              </a:solidFill>
-            </a:endParaRPr>
-          </a:p>
-          <a:p>
-            <a:pPr marL="457200" marR="0" lvl="0" indent="-311150" algn="l" rtl="0">
-              <a:lnSpc>
-                <a:spcPct val="115000"/>
-              </a:lnSpc>
-              <a:spcBef>
-                <a:spcPts val="0"/>
-              </a:spcBef>
-              <a:spcAft>
-                <a:spcPts val="0"/>
-              </a:spcAft>
-              <a:buClr>
-                <a:schemeClr val="dk1"/>
-              </a:buClr>
-              <a:buSzPts val="1300"/>
-              <a:buAutoNum type="arabicPeriod"/>
-            </a:pPr>
-            <a:r>
-              <a:rPr lang="en" sz="1300" dirty="0">
-                <a:solidFill>
-                  <a:schemeClr val="dk1"/>
-                </a:solidFill>
-              </a:rPr>
-              <a:t>Разрешете колоните, в които потребителите ще работят със записите</a:t>
-            </a:r>
-            <a:r>
-              <a:rPr lang="en" sz="1300" dirty="0" smtClean="0">
-                <a:solidFill>
-                  <a:schemeClr val="dk1"/>
-                </a:solidFill>
-              </a:rPr>
-              <a:t>.</a:t>
-            </a:r>
-          </a:p>
-          <a:p>
-            <a:pPr marL="457200" marR="0" lvl="0" indent="-311150" algn="l" rtl="0">
-              <a:lnSpc>
-                <a:spcPct val="115000"/>
-              </a:lnSpc>
-              <a:spcBef>
-                <a:spcPts val="0"/>
-              </a:spcBef>
-              <a:spcAft>
-                <a:spcPts val="0"/>
-              </a:spcAft>
-              <a:buClr>
-                <a:schemeClr val="dk1"/>
-              </a:buClr>
-              <a:buSzPts val="1300"/>
-              <a:buAutoNum type="arabicPeriod"/>
-            </a:pPr>
+            </a:pPr>
+            <a:r>
+              <a:rPr lang="bg-BG" sz="1300" i="1" dirty="0" smtClean="0">
+                <a:solidFill>
+                  <a:schemeClr val="dk1"/>
+                </a:solidFill>
+              </a:rPr>
+              <a:t>*Забележка</a:t>
+            </a:r>
             <a:r>
               <a:rPr lang="bg-BG" sz="1300" dirty="0" smtClean="0">
                 <a:solidFill>
                   <a:schemeClr val="dk1"/>
                 </a:solidFill>
               </a:rPr>
-              <a:t>Приложението ви трябва да притежава страници </a:t>
-            </a:r>
-          </a:p>
-          <a:p>
-            <a:pPr lvl="1" indent="-311150">
-              <a:spcBef>
-                <a:spcPts val="0"/>
-              </a:spcBef>
-              <a:buClr>
-                <a:schemeClr val="dk1"/>
-              </a:buClr>
-              <a:buSzPts val="1300"/>
-              <a:buFont typeface="Wingdings" panose="05000000000000000000" pitchFamily="2" charset="2"/>
-              <a:buChar char="§"/>
-            </a:pPr>
-            <a:r>
-              <a:rPr lang="bg-BG" sz="1200" dirty="0">
-                <a:solidFill>
-                  <a:schemeClr val="dk1"/>
-                </a:solidFill>
-              </a:rPr>
-              <a:t>Профил на потребителя</a:t>
-            </a:r>
-          </a:p>
-          <a:p>
-            <a:pPr lvl="1" indent="-311150">
-              <a:spcBef>
-                <a:spcPts val="0"/>
-              </a:spcBef>
-              <a:buClr>
-                <a:schemeClr val="dk1"/>
-              </a:buClr>
-              <a:buSzPts val="1300"/>
-              <a:buFont typeface="Wingdings" panose="05000000000000000000" pitchFamily="2" charset="2"/>
-              <a:buChar char="§"/>
-            </a:pPr>
-            <a:r>
-              <a:rPr lang="bg-BG" sz="1200" dirty="0">
-                <a:solidFill>
-                  <a:schemeClr val="dk1"/>
-                </a:solidFill>
-              </a:rPr>
-              <a:t>Списък с </a:t>
-            </a:r>
-            <a:r>
-              <a:rPr lang="bg-BG" sz="1200" dirty="0" smtClean="0">
-                <a:solidFill>
-                  <a:schemeClr val="dk1"/>
-                </a:solidFill>
-              </a:rPr>
-              <a:t>модули</a:t>
-            </a:r>
-            <a:endParaRPr lang="bg-BG" sz="1200" dirty="0">
-              <a:solidFill>
-                <a:schemeClr val="dk1"/>
-              </a:solidFill>
-            </a:endParaRPr>
-          </a:p>
-          <a:p>
-            <a:pPr lvl="1" indent="-311150">
-              <a:spcBef>
-                <a:spcPts val="0"/>
-              </a:spcBef>
-              <a:buClr>
-                <a:schemeClr val="dk1"/>
-              </a:buClr>
-              <a:buSzPts val="1300"/>
-              <a:buFont typeface="Wingdings" panose="05000000000000000000" pitchFamily="2" charset="2"/>
-              <a:buChar char="§"/>
-            </a:pPr>
-            <a:r>
-              <a:rPr lang="bg-BG" sz="1200" dirty="0">
-                <a:solidFill>
-                  <a:schemeClr val="dk1"/>
-                </a:solidFill>
-              </a:rPr>
-              <a:t>Списък с </a:t>
-            </a:r>
-            <a:r>
-              <a:rPr lang="bg-BG" sz="1200" dirty="0" smtClean="0">
-                <a:solidFill>
-                  <a:schemeClr val="dk1"/>
-                </a:solidFill>
-              </a:rPr>
-              <a:t>лекции към всеки модул</a:t>
-            </a:r>
-            <a:endParaRPr lang="bg-BG" sz="900" dirty="0">
-              <a:solidFill>
-                <a:schemeClr val="dk1"/>
-              </a:solidFill>
-            </a:endParaRPr>
-          </a:p>
-          <a:p>
-            <a:pPr marL="603250" lvl="1" indent="0">
-              <a:spcBef>
-                <a:spcPts val="0"/>
-              </a:spcBef>
-              <a:buClr>
-                <a:schemeClr val="dk1"/>
-              </a:buClr>
-              <a:buSzPts val="1300"/>
-            </a:pPr>
-            <a:r>
-              <a:rPr lang="bg-BG" dirty="0">
-                <a:solidFill>
-                  <a:schemeClr val="dk1"/>
-                </a:solidFill>
-              </a:rPr>
-              <a:t>Допълнете липсващите </a:t>
-            </a:r>
-            <a:r>
-              <a:rPr lang="bg-BG" dirty="0" err="1">
-                <a:solidFill>
-                  <a:schemeClr val="dk1"/>
-                </a:solidFill>
-              </a:rPr>
-              <a:t>вюта</a:t>
-            </a:r>
-            <a:r>
-              <a:rPr lang="bg-BG" dirty="0">
-                <a:solidFill>
-                  <a:schemeClr val="dk1"/>
-                </a:solidFill>
-              </a:rPr>
-              <a:t> и методи в контролерите /ако има такива</a:t>
-            </a:r>
-            <a:r>
-              <a:rPr lang="bg-BG" dirty="0" smtClean="0">
-                <a:solidFill>
-                  <a:schemeClr val="dk1"/>
-                </a:solidFill>
-              </a:rPr>
-              <a:t>/</a:t>
-            </a:r>
-            <a:endParaRPr lang="bg-BG" sz="1300" dirty="0" smtClean="0">
-              <a:solidFill>
-                <a:schemeClr val="dk1"/>
-              </a:solidFill>
-            </a:endParaRPr>
-          </a:p>
-          <a:p>
-            <a:pPr marL="457200" marR="0" lvl="0" indent="-311150" algn="l" rtl="0">
-              <a:lnSpc>
-                <a:spcPct val="115000"/>
-              </a:lnSpc>
-              <a:spcBef>
-                <a:spcPts val="0"/>
-              </a:spcBef>
-              <a:spcAft>
-                <a:spcPts val="0"/>
-              </a:spcAft>
-              <a:buClr>
-                <a:schemeClr val="dk1"/>
-              </a:buClr>
-              <a:buSzPts val="1300"/>
-              <a:buAutoNum type="arabicPeriod"/>
-            </a:pPr>
+              <a:t> </a:t>
+            </a:r>
+            <a:r>
+              <a:rPr lang="bg-BG" sz="1300" dirty="0">
+                <a:solidFill>
+                  <a:schemeClr val="dk1"/>
+                </a:solidFill>
+              </a:rPr>
+              <a:t>Д</a:t>
+            </a:r>
             <a:r>
               <a:rPr lang="bg-BG" sz="1300" dirty="0" smtClean="0">
                 <a:solidFill>
                   <a:schemeClr val="dk1"/>
                 </a:solidFill>
               </a:rPr>
-              <a:t>Отпечатайте информация на съответните страници</a:t>
-            </a:r>
-          </a:p>
-          <a:p>
-            <a:pPr lvl="1" indent="-311150">
-              <a:spcBef>
-                <a:spcPts val="0"/>
-              </a:spcBef>
-              <a:buClr>
-                <a:schemeClr val="dk1"/>
-              </a:buClr>
-              <a:buSzPts val="1300"/>
-              <a:buFont typeface="Wingdings" panose="05000000000000000000" pitchFamily="2" charset="2"/>
-              <a:buChar char="§"/>
-            </a:pPr>
-            <a:r>
-              <a:rPr lang="bg-BG" dirty="0">
-                <a:solidFill>
-                  <a:schemeClr val="dk1"/>
-                </a:solidFill>
-              </a:rPr>
-              <a:t>Профил на </a:t>
-            </a:r>
-            <a:r>
-              <a:rPr lang="bg-BG" dirty="0" smtClean="0">
-                <a:solidFill>
-                  <a:schemeClr val="dk1"/>
-                </a:solidFill>
-              </a:rPr>
-              <a:t>потребителя</a:t>
-            </a:r>
-          </a:p>
-          <a:p>
-            <a:pPr lvl="1" indent="-311150">
-              <a:spcBef>
-                <a:spcPts val="0"/>
-              </a:spcBef>
-              <a:buClr>
-                <a:schemeClr val="dk1"/>
-              </a:buClr>
-              <a:buSzPts val="1300"/>
-              <a:buFont typeface="Wingdings" panose="05000000000000000000" pitchFamily="2" charset="2"/>
-              <a:buChar char="§"/>
-            </a:pPr>
-            <a:r>
-              <a:rPr lang="bg-BG" dirty="0" smtClean="0">
-                <a:solidFill>
-                  <a:schemeClr val="dk1"/>
-                </a:solidFill>
-              </a:rPr>
-              <a:t>Списък с модулите</a:t>
-            </a:r>
-            <a:endParaRPr lang="bg-BG" dirty="0">
-              <a:solidFill>
-                <a:schemeClr val="dk1"/>
-              </a:solidFill>
-            </a:endParaRPr>
-          </a:p>
-          <a:p>
-            <a:pPr lvl="1" indent="-311150">
-              <a:spcBef>
-                <a:spcPts val="0"/>
-              </a:spcBef>
-              <a:buClr>
-                <a:schemeClr val="dk1"/>
-              </a:buClr>
-              <a:buSzPts val="1300"/>
-              <a:buFont typeface="Wingdings" panose="05000000000000000000" pitchFamily="2" charset="2"/>
-              <a:buChar char="§"/>
-            </a:pPr>
-            <a:r>
-              <a:rPr lang="bg-BG" dirty="0">
-                <a:solidFill>
-                  <a:schemeClr val="dk1"/>
-                </a:solidFill>
-              </a:rPr>
-              <a:t>Списък с </a:t>
-            </a:r>
-            <a:r>
-              <a:rPr lang="bg-BG" dirty="0" smtClean="0">
-                <a:solidFill>
-                  <a:schemeClr val="dk1"/>
-                </a:solidFill>
-              </a:rPr>
-              <a:t>лекции към модул с </a:t>
-            </a:r>
-            <a:r>
-              <a:rPr lang="bg-BG" dirty="0" err="1" smtClean="0">
-                <a:solidFill>
-                  <a:schemeClr val="dk1"/>
-                </a:solidFill>
-              </a:rPr>
-              <a:t>ид</a:t>
-            </a:r>
-            <a:r>
-              <a:rPr lang="bg-BG" dirty="0" smtClean="0">
-                <a:solidFill>
-                  <a:schemeClr val="dk1"/>
-                </a:solidFill>
-              </a:rPr>
-              <a:t> 1</a:t>
-            </a:r>
-            <a:endParaRPr lang="bg-BG" dirty="0">
-              <a:solidFill>
-                <a:schemeClr val="dk1"/>
-              </a:solidFill>
-            </a:endParaRPr>
-          </a:p>
-          <a:p>
-            <a:pPr lvl="1" indent="-311150">
-              <a:spcBef>
-                <a:spcPts val="0"/>
-              </a:spcBef>
-              <a:buClr>
-                <a:schemeClr val="dk1"/>
-              </a:buClr>
-              <a:buSzPts val="1300"/>
-              <a:buAutoNum type="arabicPeriod"/>
-            </a:pPr>
-            <a:endParaRPr lang="bg-BG" sz="900" dirty="0" smtClean="0">
-              <a:solidFill>
-                <a:schemeClr val="dk1"/>
-              </a:solidFill>
-            </a:endParaRPr>
-          </a:p>
-          <a:p>
-            <a:pPr lvl="1" indent="-311150">
-              <a:spcBef>
-                <a:spcPts val="0"/>
-              </a:spcBef>
-              <a:buClr>
-                <a:schemeClr val="dk1"/>
-              </a:buClr>
-              <a:buSzPts val="1300"/>
-              <a:buAutoNum type="arabicPeriod"/>
-            </a:pPr>
-            <a:endParaRPr sz="900" dirty="0">
-              <a:solidFill>
-                <a:schemeClr val="dk1"/>
-              </a:solidFill>
-            </a:endParaRPr>
+              <a:t>анните въвеждайте ръчно в БД.</a:t>
+            </a:r>
           </a:p>
           <a:p>
             <a:pPr marL="0" marR="0" lvl="0" indent="0" algn="l" rtl="0">
@@ -23958,7 +23839,7 @@
     </p:spTree>
     <p:extLst>
       <p:ext uri="{BB962C8B-B14F-4D97-AF65-F5344CB8AC3E}">
-        <p14:creationId xmlns:p14="http://schemas.microsoft.com/office/powerpoint/2010/main" val="135744589"/>
+        <p14:creationId xmlns:p14="http://schemas.microsoft.com/office/powerpoint/2010/main" val="159912933"/>
       </p:ext>
     </p:extLst>
   </p:cSld>
@@ -24350,482 +24231,6 @@
   <p:transition spd="slow">
     <p:fade thruBlk="1"/>
   </p:transition>
-</p:sld>
-</file>
-
-<file path=ppt/slides/slide30.xml><?xml version="1.0" encoding="utf-8"?>
-<p:sld xmlns:a="http://schemas.openxmlformats.org/drawingml/2006/main" xmlns:r="http://schemas.openxmlformats.org/officeDocument/2006/relationships" xmlns:p="http://schemas.openxmlformats.org/presentationml/2006/main">
-  <p:cSld>
-    <p:spTree>
-      <p:nvGrpSpPr>
-        <p:cNvPr id="1" name="Shape 367"/>
-        <p:cNvGrpSpPr/>
-        <p:nvPr/>
-      </p:nvGrpSpPr>
-      <p:grpSpPr>
-        <a:xfrm>
-          <a:off x="0" y="0"/>
-          <a:ext cx="0" cy="0"/>
-          <a:chOff x="0" y="0"/>
-          <a:chExt cx="0" cy="0"/>
-        </a:xfrm>
-      </p:grpSpPr>
-      <p:sp>
-        <p:nvSpPr>
-          <p:cNvPr id="368" name="Google Shape;368;p59"/>
-          <p:cNvSpPr txBox="1">
-            <a:spLocks noGrp="1"/>
-          </p:cNvSpPr>
-          <p:nvPr>
-            <p:ph type="body" idx="1"/>
-          </p:nvPr>
-        </p:nvSpPr>
-        <p:spPr>
-          <a:xfrm>
-            <a:off x="1095825" y="960375"/>
-            <a:ext cx="7576200" cy="3441000"/>
-          </a:xfrm>
-          <a:prstGeom prst="rect">
-            <a:avLst/>
-          </a:prstGeom>
-          <a:noFill/>
-          <a:ln>
-            <a:noFill/>
-          </a:ln>
-        </p:spPr>
-        <p:txBody>
-          <a:bodyPr spcFirstLastPara="1" wrap="square" lIns="91425" tIns="91425" rIns="91425" bIns="91425" anchor="t" anchorCtr="0">
-            <a:noAutofit/>
-          </a:bodyPr>
-          <a:lstStyle/>
-          <a:p>
-            <a:pPr marL="146050" lvl="0" indent="0">
-              <a:buClr>
-                <a:schemeClr val="dk1"/>
-              </a:buClr>
-              <a:buSzPts val="1300"/>
-            </a:pPr>
-            <a:r>
-              <a:rPr lang="en-US" sz="1300" dirty="0" smtClean="0">
-                <a:solidFill>
-                  <a:schemeClr val="dk1"/>
-                </a:solidFill>
-              </a:rPr>
-              <a:t>6</a:t>
-            </a:r>
-            <a:r>
-              <a:rPr lang="en-US" sz="1300" dirty="0" smtClean="0">
-                <a:solidFill>
-                  <a:schemeClr val="dk1"/>
-                </a:solidFill>
-              </a:rPr>
-              <a:t>. </a:t>
-            </a:r>
-            <a:r>
-              <a:rPr lang="bg-BG" sz="1300" dirty="0" smtClean="0">
-                <a:solidFill>
-                  <a:schemeClr val="dk1"/>
-                </a:solidFill>
-              </a:rPr>
-              <a:t>Добавете модел и миграция за Курс. Приемаме, че в нашите курсове няма модули, принадлежащи на няколко курса.</a:t>
-            </a:r>
-          </a:p>
-          <a:p>
-            <a:pPr marL="146050" lvl="0" indent="0">
-              <a:buClr>
-                <a:schemeClr val="dk1"/>
-              </a:buClr>
-              <a:buSzPts val="1300"/>
-            </a:pPr>
-            <a:r>
-              <a:rPr lang="bg-BG" sz="1300" dirty="0" smtClean="0">
-                <a:solidFill>
-                  <a:schemeClr val="dk1"/>
-                </a:solidFill>
-              </a:rPr>
-              <a:t>7. Дефинирайте връзките между Курс и Модул.</a:t>
-            </a:r>
-          </a:p>
-          <a:p>
-            <a:pPr marL="146050" lvl="0" indent="0">
-              <a:buClr>
-                <a:schemeClr val="dk1"/>
-              </a:buClr>
-              <a:buSzPts val="1300"/>
-            </a:pPr>
-            <a:r>
-              <a:rPr lang="bg-BG" sz="1300" dirty="0" smtClean="0">
-                <a:solidFill>
-                  <a:schemeClr val="dk1"/>
-                </a:solidFill>
-              </a:rPr>
-              <a:t>8. Създайте контролер за Курс и отпечатайте във вю списък с наличните курсове.</a:t>
-            </a:r>
-          </a:p>
-          <a:p>
-            <a:pPr marL="146050" lvl="0" indent="0">
-              <a:buClr>
-                <a:schemeClr val="dk1"/>
-              </a:buClr>
-              <a:buSzPts val="1300"/>
-            </a:pPr>
-            <a:r>
-              <a:rPr lang="bg-BG" sz="1300" dirty="0" smtClean="0">
-                <a:solidFill>
-                  <a:schemeClr val="dk1"/>
-                </a:solidFill>
-              </a:rPr>
-              <a:t>9. </a:t>
-            </a:r>
-            <a:r>
-              <a:rPr lang="bg-BG" sz="1300" dirty="0" smtClean="0">
-                <a:solidFill>
-                  <a:schemeClr val="dk1"/>
-                </a:solidFill>
-              </a:rPr>
-              <a:t>Отпечатайте модулите, които принадлежат на курс с </a:t>
-            </a:r>
-            <a:r>
-              <a:rPr lang="bg-BG" sz="1300" dirty="0" err="1" smtClean="0">
-                <a:solidFill>
-                  <a:schemeClr val="dk1"/>
-                </a:solidFill>
-              </a:rPr>
-              <a:t>ид</a:t>
-            </a:r>
-            <a:r>
-              <a:rPr lang="bg-BG" sz="1300" dirty="0" smtClean="0">
-                <a:solidFill>
-                  <a:schemeClr val="dk1"/>
-                </a:solidFill>
-              </a:rPr>
-              <a:t>=1</a:t>
-            </a:r>
-          </a:p>
-          <a:p>
-            <a:pPr marL="146050" lvl="0" indent="0">
-              <a:buClr>
-                <a:schemeClr val="dk1"/>
-              </a:buClr>
-              <a:buSzPts val="1300"/>
-            </a:pPr>
-            <a:r>
-              <a:rPr lang="bg-BG" sz="1300" dirty="0" smtClean="0">
-                <a:solidFill>
-                  <a:schemeClr val="dk1"/>
-                </a:solidFill>
-              </a:rPr>
-              <a:t>10. Списъците – курсове, модули, лекции да се достъпват с бутони.</a:t>
-            </a:r>
-            <a:r>
-              <a:rPr lang="en-US" sz="1300" dirty="0" smtClean="0">
-                <a:solidFill>
-                  <a:schemeClr val="dk1"/>
-                </a:solidFill>
-              </a:rPr>
-              <a:t> </a:t>
-            </a:r>
-            <a:endParaRPr lang="bg-BG" sz="1300" dirty="0" smtClean="0">
-              <a:solidFill>
-                <a:schemeClr val="dk1"/>
-              </a:solidFill>
-            </a:endParaRPr>
-          </a:p>
-          <a:p>
-            <a:pPr marL="146050" lvl="0" indent="0">
-              <a:buClr>
-                <a:schemeClr val="dk1"/>
-              </a:buClr>
-              <a:buSzPts val="1300"/>
-            </a:pPr>
-            <a:r>
-              <a:rPr lang="bg-BG" sz="1300" dirty="0" smtClean="0">
-                <a:solidFill>
-                  <a:schemeClr val="dk1"/>
-                </a:solidFill>
-              </a:rPr>
-              <a:t>11. </a:t>
-            </a:r>
-            <a:r>
-              <a:rPr lang="bg-BG" sz="1300" dirty="0" smtClean="0">
-                <a:solidFill>
-                  <a:schemeClr val="dk1"/>
-                </a:solidFill>
-              </a:rPr>
-              <a:t>Каква </a:t>
-            </a:r>
-            <a:r>
-              <a:rPr lang="bg-BG" sz="1300" dirty="0" smtClean="0">
-                <a:solidFill>
-                  <a:schemeClr val="dk1"/>
-                </a:solidFill>
-              </a:rPr>
-              <a:t>е връзката ниво-курсист. Дефинирайте в съответните модели с помощта на </a:t>
-            </a:r>
-            <a:r>
-              <a:rPr lang="en-US" sz="1300" dirty="0" err="1" smtClean="0">
-                <a:solidFill>
-                  <a:schemeClr val="dk1"/>
-                </a:solidFill>
-              </a:rPr>
-              <a:t>Laravel</a:t>
-            </a:r>
-            <a:r>
-              <a:rPr lang="en-US" sz="1300" dirty="0" smtClean="0">
-                <a:solidFill>
-                  <a:schemeClr val="dk1"/>
-                </a:solidFill>
-              </a:rPr>
-              <a:t> </a:t>
-            </a:r>
-            <a:r>
-              <a:rPr lang="en-US" sz="1300" dirty="0" smtClean="0">
-                <a:solidFill>
-                  <a:schemeClr val="dk1"/>
-                </a:solidFill>
-              </a:rPr>
-              <a:t>Eloquent</a:t>
-            </a:r>
-            <a:r>
-              <a:rPr lang="bg-BG" sz="1300" dirty="0" smtClean="0">
-                <a:solidFill>
-                  <a:schemeClr val="dk1"/>
-                </a:solidFill>
-              </a:rPr>
-              <a:t>. Отпечатайте курсовете, в които участва курсист с </a:t>
-            </a:r>
-            <a:r>
-              <a:rPr lang="bg-BG" sz="1300" dirty="0" err="1" smtClean="0">
-                <a:solidFill>
-                  <a:schemeClr val="dk1"/>
-                </a:solidFill>
-              </a:rPr>
-              <a:t>ид</a:t>
-            </a:r>
-            <a:r>
-              <a:rPr lang="bg-BG" sz="1300" dirty="0" smtClean="0">
-                <a:solidFill>
-                  <a:schemeClr val="dk1"/>
-                </a:solidFill>
-              </a:rPr>
-              <a:t>=1. /Един курсист може да участва в няколко курса/.</a:t>
-            </a:r>
-          </a:p>
-          <a:p>
-            <a:pPr marL="146050" lvl="0" indent="0">
-              <a:buClr>
-                <a:schemeClr val="dk1"/>
-              </a:buClr>
-              <a:buSzPts val="1300"/>
-            </a:pPr>
-            <a:endParaRPr lang="bg-BG" sz="1300" dirty="0">
-              <a:solidFill>
-                <a:schemeClr val="dk1"/>
-              </a:solidFill>
-            </a:endParaRPr>
-          </a:p>
-          <a:p>
-            <a:pPr marL="146050" lvl="0" indent="0">
-              <a:buClr>
-                <a:schemeClr val="dk1"/>
-              </a:buClr>
-              <a:buSzPts val="1300"/>
-            </a:pPr>
-            <a:r>
-              <a:rPr lang="bg-BG" sz="1300" i="1" dirty="0" smtClean="0">
-                <a:solidFill>
-                  <a:schemeClr val="dk1"/>
-                </a:solidFill>
-              </a:rPr>
-              <a:t>*Забележка</a:t>
-            </a:r>
-            <a:r>
-              <a:rPr lang="bg-BG" sz="1300" dirty="0" smtClean="0">
-                <a:solidFill>
-                  <a:schemeClr val="dk1"/>
-                </a:solidFill>
-              </a:rPr>
-              <a:t> </a:t>
-            </a:r>
-            <a:r>
-              <a:rPr lang="bg-BG" sz="1300" dirty="0">
-                <a:solidFill>
-                  <a:schemeClr val="dk1"/>
-                </a:solidFill>
-              </a:rPr>
-              <a:t>Д</a:t>
-            </a:r>
-            <a:r>
-              <a:rPr lang="bg-BG" sz="1300" dirty="0" smtClean="0">
-                <a:solidFill>
-                  <a:schemeClr val="dk1"/>
-                </a:solidFill>
-              </a:rPr>
-              <a:t>анните въвеждайте ръчно в БД.</a:t>
-            </a:r>
-            <a:endParaRPr lang="bg-BG" sz="1300" dirty="0" smtClean="0">
-              <a:solidFill>
-                <a:schemeClr val="dk1"/>
-              </a:solidFill>
-            </a:endParaRPr>
-          </a:p>
-          <a:p>
-            <a:pPr marL="0" marR="0" lvl="0" indent="0" algn="l" rtl="0">
-              <a:lnSpc>
-                <a:spcPct val="115000"/>
-              </a:lnSpc>
-              <a:spcBef>
-                <a:spcPts val="1600"/>
-              </a:spcBef>
-              <a:spcAft>
-                <a:spcPts val="0"/>
-              </a:spcAft>
-              <a:buNone/>
-            </a:pPr>
-            <a:endParaRPr sz="1300" dirty="0">
-              <a:solidFill>
-                <a:schemeClr val="dk1"/>
-              </a:solidFill>
-            </a:endParaRPr>
-          </a:p>
-        </p:txBody>
-      </p:sp>
-      <p:sp>
-        <p:nvSpPr>
-          <p:cNvPr id="369" name="Google Shape;369;p59"/>
-          <p:cNvSpPr/>
-          <p:nvPr/>
-        </p:nvSpPr>
-        <p:spPr>
-          <a:xfrm>
-            <a:off x="0" y="0"/>
-            <a:ext cx="9144000" cy="764400"/>
-          </a:xfrm>
-          <a:prstGeom prst="rect">
-            <a:avLst/>
-          </a:prstGeom>
-          <a:solidFill>
-            <a:srgbClr val="741B47"/>
-          </a:solidFill>
-          <a:ln>
-            <a:noFill/>
-          </a:ln>
-        </p:spPr>
-        <p:txBody>
-          <a:bodyPr spcFirstLastPara="1" wrap="square" lIns="91425" tIns="91425" rIns="91425" bIns="91425" anchor="ctr" anchorCtr="0">
-            <a:noAutofit/>
-          </a:bodyPr>
-          <a:lstStyle/>
-          <a:p>
-            <a:pPr marL="0" marR="0" lvl="0" indent="0" algn="l" rtl="0">
-              <a:lnSpc>
-                <a:spcPct val="100000"/>
-              </a:lnSpc>
-              <a:spcBef>
-                <a:spcPts val="0"/>
-              </a:spcBef>
-              <a:spcAft>
-                <a:spcPts val="0"/>
-              </a:spcAft>
-              <a:buClr>
-                <a:srgbClr val="000000"/>
-              </a:buClr>
-              <a:buFont typeface="Arial"/>
-              <a:buNone/>
-            </a:pPr>
-            <a:endParaRPr sz="1400" b="0" i="0" u="none" strike="noStrike" cap="none">
-              <a:solidFill>
-                <a:srgbClr val="000000"/>
-              </a:solidFill>
-              <a:latin typeface="Arial"/>
-              <a:ea typeface="Arial"/>
-              <a:cs typeface="Arial"/>
-              <a:sym typeface="Arial"/>
-            </a:endParaRPr>
-          </a:p>
-        </p:txBody>
-      </p:sp>
-      <p:sp>
-        <p:nvSpPr>
-          <p:cNvPr id="370" name="Google Shape;370;p59"/>
-          <p:cNvSpPr txBox="1"/>
-          <p:nvPr/>
-        </p:nvSpPr>
-        <p:spPr>
-          <a:xfrm>
-            <a:off x="0" y="30300"/>
-            <a:ext cx="6805500" cy="703800"/>
-          </a:xfrm>
-          <a:prstGeom prst="rect">
-            <a:avLst/>
-          </a:prstGeom>
-          <a:noFill/>
-          <a:ln>
-            <a:noFill/>
-          </a:ln>
-        </p:spPr>
-        <p:txBody>
-          <a:bodyPr spcFirstLastPara="1" wrap="square" lIns="91425" tIns="91425" rIns="91425" bIns="91425" anchor="t" anchorCtr="0">
-            <a:noAutofit/>
-          </a:bodyPr>
-          <a:lstStyle/>
-          <a:p>
-            <a:pPr marL="457200" marR="0" lvl="0" indent="0" algn="l" rtl="0">
-              <a:lnSpc>
-                <a:spcPct val="100000"/>
-              </a:lnSpc>
-              <a:spcBef>
-                <a:spcPts val="0"/>
-              </a:spcBef>
-              <a:spcAft>
-                <a:spcPts val="0"/>
-              </a:spcAft>
-              <a:buClr>
-                <a:srgbClr val="FFFFFF"/>
-              </a:buClr>
-              <a:buFont typeface="Arial"/>
-              <a:buNone/>
-            </a:pPr>
-            <a:r>
-              <a:rPr lang="en" sz="3600" b="1">
-                <a:solidFill>
-                  <a:srgbClr val="FFFFFF"/>
-                </a:solidFill>
-              </a:rPr>
-              <a:t>Задача</a:t>
-            </a:r>
-            <a:endParaRPr sz="3600" b="1" i="0" u="none" strike="noStrike" cap="none">
-              <a:solidFill>
-                <a:srgbClr val="FFFFFF"/>
-              </a:solidFill>
-              <a:latin typeface="Arial"/>
-              <a:ea typeface="Arial"/>
-              <a:cs typeface="Arial"/>
-              <a:sym typeface="Arial"/>
-            </a:endParaRPr>
-          </a:p>
-        </p:txBody>
-      </p:sp>
-    </p:spTree>
-    <p:extLst>
-      <p:ext uri="{BB962C8B-B14F-4D97-AF65-F5344CB8AC3E}">
-        <p14:creationId xmlns:p14="http://schemas.microsoft.com/office/powerpoint/2010/main" val="159912933"/>
-      </p:ext>
-    </p:extLst>
-  </p:cSld>
-  <p:clrMapOvr>
-    <a:masterClrMapping/>
-  </p:clrMapOvr>
-  <p:transition spd="slow">
-    <p:fade thruBlk="1"/>
-  </p:transition>
-  <p:timing>
-    <p:tnLst>
-      <p:par>
-        <p:cTn id="1" dur="indefinite" restart="never" nodeType="tmRoot"/>
-      </p:par>
-    </p:tnLst>
-  </p:timing>
 </p:sld>
 </file>
 
